--- a/Monograph/卒論資料PP/ネットワークトポロジ.pptx
+++ b/Monograph/卒論資料PP/ネットワークトポロジ.pptx
@@ -246,7 +246,7 @@
           <a:p>
             <a:fld id="{2D3A3761-E5DA-DF45-BE6A-5FDE5A9483D1}" type="datetimeFigureOut">
               <a:rPr kumimoji="1" lang="ja-JP" altLang="en-US" smtClean="0"/>
-              <a:t>2016/2/7</a:t>
+              <a:t>2016/2/15</a:t>
             </a:fld>
             <a:endParaRPr kumimoji="1" lang="ja-JP" altLang="en-US"/>
           </a:p>
@@ -448,7 +448,7 @@
           <a:p>
             <a:fld id="{2D3A3761-E5DA-DF45-BE6A-5FDE5A9483D1}" type="datetimeFigureOut">
               <a:rPr kumimoji="1" lang="ja-JP" altLang="en-US" smtClean="0"/>
-              <a:t>2016/2/7</a:t>
+              <a:t>2016/2/15</a:t>
             </a:fld>
             <a:endParaRPr kumimoji="1" lang="ja-JP" altLang="en-US"/>
           </a:p>
@@ -660,7 +660,7 @@
           <a:p>
             <a:fld id="{2D3A3761-E5DA-DF45-BE6A-5FDE5A9483D1}" type="datetimeFigureOut">
               <a:rPr kumimoji="1" lang="ja-JP" altLang="en-US" smtClean="0"/>
-              <a:t>2016/2/7</a:t>
+              <a:t>2016/2/15</a:t>
             </a:fld>
             <a:endParaRPr kumimoji="1" lang="ja-JP" altLang="en-US"/>
           </a:p>
@@ -862,7 +862,7 @@
           <a:p>
             <a:fld id="{2D3A3761-E5DA-DF45-BE6A-5FDE5A9483D1}" type="datetimeFigureOut">
               <a:rPr kumimoji="1" lang="ja-JP" altLang="en-US" smtClean="0"/>
-              <a:t>2016/2/7</a:t>
+              <a:t>2016/2/15</a:t>
             </a:fld>
             <a:endParaRPr kumimoji="1" lang="ja-JP" altLang="en-US"/>
           </a:p>
@@ -1108,7 +1108,7 @@
           <a:p>
             <a:fld id="{2D3A3761-E5DA-DF45-BE6A-5FDE5A9483D1}" type="datetimeFigureOut">
               <a:rPr kumimoji="1" lang="ja-JP" altLang="en-US" smtClean="0"/>
-              <a:t>2016/2/7</a:t>
+              <a:t>2016/2/15</a:t>
             </a:fld>
             <a:endParaRPr kumimoji="1" lang="ja-JP" altLang="en-US"/>
           </a:p>
@@ -1404,7 +1404,7 @@
           <a:p>
             <a:fld id="{2D3A3761-E5DA-DF45-BE6A-5FDE5A9483D1}" type="datetimeFigureOut">
               <a:rPr kumimoji="1" lang="ja-JP" altLang="en-US" smtClean="0"/>
-              <a:t>2016/2/7</a:t>
+              <a:t>2016/2/15</a:t>
             </a:fld>
             <a:endParaRPr kumimoji="1" lang="ja-JP" altLang="en-US"/>
           </a:p>
@@ -1835,7 +1835,7 @@
           <a:p>
             <a:fld id="{2D3A3761-E5DA-DF45-BE6A-5FDE5A9483D1}" type="datetimeFigureOut">
               <a:rPr kumimoji="1" lang="ja-JP" altLang="en-US" smtClean="0"/>
-              <a:t>2016/2/7</a:t>
+              <a:t>2016/2/15</a:t>
             </a:fld>
             <a:endParaRPr kumimoji="1" lang="ja-JP" altLang="en-US"/>
           </a:p>
@@ -1953,7 +1953,7 @@
           <a:p>
             <a:fld id="{2D3A3761-E5DA-DF45-BE6A-5FDE5A9483D1}" type="datetimeFigureOut">
               <a:rPr kumimoji="1" lang="ja-JP" altLang="en-US" smtClean="0"/>
-              <a:t>2016/2/7</a:t>
+              <a:t>2016/2/15</a:t>
             </a:fld>
             <a:endParaRPr kumimoji="1" lang="ja-JP" altLang="en-US"/>
           </a:p>
@@ -2048,7 +2048,7 @@
           <a:p>
             <a:fld id="{2D3A3761-E5DA-DF45-BE6A-5FDE5A9483D1}" type="datetimeFigureOut">
               <a:rPr kumimoji="1" lang="ja-JP" altLang="en-US" smtClean="0"/>
-              <a:t>2016/2/7</a:t>
+              <a:t>2016/2/15</a:t>
             </a:fld>
             <a:endParaRPr kumimoji="1" lang="ja-JP" altLang="en-US"/>
           </a:p>
@@ -2357,7 +2357,7 @@
           <a:p>
             <a:fld id="{2D3A3761-E5DA-DF45-BE6A-5FDE5A9483D1}" type="datetimeFigureOut">
               <a:rPr kumimoji="1" lang="ja-JP" altLang="en-US" smtClean="0"/>
-              <a:t>2016/2/7</a:t>
+              <a:t>2016/2/15</a:t>
             </a:fld>
             <a:endParaRPr kumimoji="1" lang="ja-JP" altLang="en-US"/>
           </a:p>
@@ -2610,7 +2610,7 @@
           <a:p>
             <a:fld id="{2D3A3761-E5DA-DF45-BE6A-5FDE5A9483D1}" type="datetimeFigureOut">
               <a:rPr kumimoji="1" lang="ja-JP" altLang="en-US" smtClean="0"/>
-              <a:t>2016/2/7</a:t>
+              <a:t>2016/2/15</a:t>
             </a:fld>
             <a:endParaRPr kumimoji="1" lang="ja-JP" altLang="en-US"/>
           </a:p>
@@ -2855,7 +2855,7 @@
           <a:p>
             <a:fld id="{2D3A3761-E5DA-DF45-BE6A-5FDE5A9483D1}" type="datetimeFigureOut">
               <a:rPr kumimoji="1" lang="ja-JP" altLang="en-US" smtClean="0"/>
-              <a:t>2016/2/7</a:t>
+              <a:t>2016/2/15</a:t>
             </a:fld>
             <a:endParaRPr kumimoji="1" lang="ja-JP" altLang="en-US"/>
           </a:p>
@@ -8057,4686 +8057,4701 @@
       </p:grpSpPr>
       <p:grpSp>
         <p:nvGrpSpPr>
-          <p:cNvPr id="4" name="図形グループ 3"/>
+          <p:cNvPr id="2" name="図形グループ 1"/>
           <p:cNvGrpSpPr/>
           <p:nvPr/>
         </p:nvGrpSpPr>
         <p:grpSpPr>
           <a:xfrm>
-            <a:off x="196542" y="931955"/>
-            <a:ext cx="3363806" cy="4312944"/>
-            <a:chOff x="3657006" y="203690"/>
-            <a:chExt cx="4341540" cy="5566558"/>
+            <a:off x="196542" y="911831"/>
+            <a:ext cx="11066471" cy="4333068"/>
+            <a:chOff x="196542" y="911831"/>
+            <a:chExt cx="11066471" cy="4333068"/>
           </a:xfrm>
         </p:grpSpPr>
-        <p:sp>
-          <p:nvSpPr>
-            <p:cNvPr id="5" name="円/楕円 4"/>
-            <p:cNvSpPr/>
+        <p:grpSp>
+          <p:nvGrpSpPr>
+            <p:cNvPr id="4" name="図形グループ 3"/>
+            <p:cNvGrpSpPr/>
             <p:nvPr/>
-          </p:nvSpPr>
-          <p:spPr>
+          </p:nvGrpSpPr>
+          <p:grpSpPr>
             <a:xfrm>
-              <a:off x="5628079" y="203690"/>
-              <a:ext cx="399394" cy="399394"/>
+              <a:off x="196542" y="931955"/>
+              <a:ext cx="3363806" cy="4312944"/>
+              <a:chOff x="3657006" y="203690"/>
+              <a:chExt cx="4341540" cy="5566558"/>
             </a:xfrm>
-            <a:prstGeom prst="ellipse">
-              <a:avLst/>
-            </a:prstGeom>
-            <a:noFill/>
-            <a:ln w="19050">
-              <a:solidFill>
-                <a:schemeClr val="tx1"/>
-              </a:solidFill>
-            </a:ln>
-          </p:spPr>
-          <p:style>
-            <a:lnRef idx="2">
-              <a:schemeClr val="accent1">
-                <a:shade val="50000"/>
-              </a:schemeClr>
-            </a:lnRef>
-            <a:fillRef idx="1">
-              <a:schemeClr val="accent1"/>
-            </a:fillRef>
-            <a:effectRef idx="0">
-              <a:schemeClr val="accent1"/>
-            </a:effectRef>
-            <a:fontRef idx="minor">
-              <a:schemeClr val="lt1"/>
-            </a:fontRef>
-          </p:style>
-          <p:txBody>
-            <a:bodyPr rtlCol="0" anchor="ctr"/>
-            <a:lstStyle/>
-            <a:p>
-              <a:pPr algn="ctr"/>
-              <a:r>
-                <a:rPr lang="en-US" altLang="ja-JP" i="1" dirty="0">
+          </p:grpSpPr>
+          <p:sp>
+            <p:nvSpPr>
+              <p:cNvPr id="5" name="円/楕円 4"/>
+              <p:cNvSpPr/>
+              <p:nvPr/>
+            </p:nvSpPr>
+            <p:spPr>
+              <a:xfrm>
+                <a:off x="5628079" y="203690"/>
+                <a:ext cx="399394" cy="399394"/>
+              </a:xfrm>
+              <a:prstGeom prst="ellipse">
+                <a:avLst/>
+              </a:prstGeom>
+              <a:noFill/>
+              <a:ln w="19050">
+                <a:solidFill>
+                  <a:schemeClr val="tx1"/>
+                </a:solidFill>
+              </a:ln>
+            </p:spPr>
+            <p:style>
+              <a:lnRef idx="2">
+                <a:schemeClr val="accent1">
+                  <a:shade val="50000"/>
+                </a:schemeClr>
+              </a:lnRef>
+              <a:fillRef idx="1">
+                <a:schemeClr val="accent1"/>
+              </a:fillRef>
+              <a:effectRef idx="0">
+                <a:schemeClr val="accent1"/>
+              </a:effectRef>
+              <a:fontRef idx="minor">
+                <a:schemeClr val="lt1"/>
+              </a:fontRef>
+            </p:style>
+            <p:txBody>
+              <a:bodyPr rtlCol="0" anchor="ctr"/>
+              <a:lstStyle/>
+              <a:p>
+                <a:pPr algn="ctr"/>
+                <a:r>
+                  <a:rPr lang="en-US" altLang="ja-JP" i="1" dirty="0">
+                    <a:solidFill>
+                      <a:schemeClr val="tx1"/>
+                    </a:solidFill>
+                  </a:rPr>
+                  <a:t>s</a:t>
+                </a:r>
+                <a:endParaRPr kumimoji="1" lang="ja-JP" altLang="en-US" i="1" dirty="0">
                   <a:solidFill>
                     <a:schemeClr val="tx1"/>
                   </a:solidFill>
-                </a:rPr>
-                <a:t>s</a:t>
-              </a:r>
-              <a:endParaRPr kumimoji="1" lang="ja-JP" altLang="en-US" i="1" dirty="0">
-                <a:solidFill>
-                  <a:schemeClr val="tx1"/>
-                </a:solidFill>
-              </a:endParaRPr>
-            </a:p>
-          </p:txBody>
-        </p:sp>
-        <p:sp>
-          <p:nvSpPr>
-            <p:cNvPr id="6" name="円/楕円 5"/>
-            <p:cNvSpPr/>
-            <p:nvPr/>
-          </p:nvSpPr>
-          <p:spPr>
-            <a:xfrm>
-              <a:off x="5622083" y="5370854"/>
-              <a:ext cx="399394" cy="399394"/>
-            </a:xfrm>
-            <a:prstGeom prst="ellipse">
-              <a:avLst/>
-            </a:prstGeom>
-            <a:noFill/>
-            <a:ln w="19050">
-              <a:solidFill>
-                <a:schemeClr val="tx1"/>
-              </a:solidFill>
-            </a:ln>
-          </p:spPr>
-          <p:style>
-            <a:lnRef idx="2">
-              <a:schemeClr val="accent1">
-                <a:shade val="50000"/>
-              </a:schemeClr>
-            </a:lnRef>
-            <a:fillRef idx="1">
-              <a:schemeClr val="accent1"/>
-            </a:fillRef>
-            <a:effectRef idx="0">
-              <a:schemeClr val="accent1"/>
-            </a:effectRef>
-            <a:fontRef idx="minor">
-              <a:schemeClr val="lt1"/>
-            </a:fontRef>
-          </p:style>
-          <p:txBody>
-            <a:bodyPr rtlCol="0" anchor="ctr"/>
-            <a:lstStyle/>
-            <a:p>
-              <a:pPr algn="ctr"/>
-              <a:r>
-                <a:rPr lang="en-US" altLang="ja-JP" i="1">
+                </a:endParaRPr>
+              </a:p>
+            </p:txBody>
+          </p:sp>
+          <p:sp>
+            <p:nvSpPr>
+              <p:cNvPr id="6" name="円/楕円 5"/>
+              <p:cNvSpPr/>
+              <p:nvPr/>
+            </p:nvSpPr>
+            <p:spPr>
+              <a:xfrm>
+                <a:off x="5622083" y="5370854"/>
+                <a:ext cx="399394" cy="399394"/>
+              </a:xfrm>
+              <a:prstGeom prst="ellipse">
+                <a:avLst/>
+              </a:prstGeom>
+              <a:noFill/>
+              <a:ln w="19050">
+                <a:solidFill>
+                  <a:schemeClr val="tx1"/>
+                </a:solidFill>
+              </a:ln>
+            </p:spPr>
+            <p:style>
+              <a:lnRef idx="2">
+                <a:schemeClr val="accent1">
+                  <a:shade val="50000"/>
+                </a:schemeClr>
+              </a:lnRef>
+              <a:fillRef idx="1">
+                <a:schemeClr val="accent1"/>
+              </a:fillRef>
+              <a:effectRef idx="0">
+                <a:schemeClr val="accent1"/>
+              </a:effectRef>
+              <a:fontRef idx="minor">
+                <a:schemeClr val="lt1"/>
+              </a:fontRef>
+            </p:style>
+            <p:txBody>
+              <a:bodyPr rtlCol="0" anchor="ctr"/>
+              <a:lstStyle/>
+              <a:p>
+                <a:pPr algn="ctr"/>
+                <a:r>
+                  <a:rPr lang="en-US" altLang="ja-JP" i="1">
+                    <a:solidFill>
+                      <a:schemeClr val="tx1"/>
+                    </a:solidFill>
+                  </a:rPr>
+                  <a:t>g</a:t>
+                </a:r>
+                <a:endParaRPr kumimoji="1" lang="ja-JP" altLang="en-US" i="1" dirty="0">
                   <a:solidFill>
                     <a:schemeClr val="tx1"/>
                   </a:solidFill>
-                </a:rPr>
-                <a:t>g</a:t>
-              </a:r>
-              <a:endParaRPr kumimoji="1" lang="ja-JP" altLang="en-US" i="1" dirty="0">
-                <a:solidFill>
-                  <a:schemeClr val="tx1"/>
-                </a:solidFill>
-              </a:endParaRPr>
-            </a:p>
-          </p:txBody>
-        </p:sp>
-        <p:sp>
-          <p:nvSpPr>
-            <p:cNvPr id="7" name="円/楕円 6"/>
-            <p:cNvSpPr/>
-            <p:nvPr/>
-          </p:nvSpPr>
-          <p:spPr>
-            <a:xfrm>
-              <a:off x="4628817" y="945740"/>
-              <a:ext cx="399394" cy="399394"/>
-            </a:xfrm>
-            <a:prstGeom prst="ellipse">
-              <a:avLst/>
-            </a:prstGeom>
-            <a:noFill/>
-            <a:ln w="19050">
-              <a:solidFill>
-                <a:schemeClr val="tx1"/>
-              </a:solidFill>
-            </a:ln>
-          </p:spPr>
-          <p:style>
-            <a:lnRef idx="2">
-              <a:schemeClr val="accent1">
-                <a:shade val="50000"/>
-              </a:schemeClr>
-            </a:lnRef>
-            <a:fillRef idx="1">
-              <a:schemeClr val="accent1"/>
-            </a:fillRef>
-            <a:effectRef idx="0">
-              <a:schemeClr val="accent1"/>
-            </a:effectRef>
-            <a:fontRef idx="minor">
-              <a:schemeClr val="lt1"/>
-            </a:fontRef>
-          </p:style>
-          <p:txBody>
-            <a:bodyPr rtlCol="0" anchor="ctr"/>
-            <a:lstStyle/>
-            <a:p>
-              <a:pPr algn="ctr"/>
-              <a:endParaRPr kumimoji="1" lang="ja-JP" altLang="en-US" i="1" dirty="0">
-                <a:solidFill>
-                  <a:schemeClr val="tx1"/>
-                </a:solidFill>
-              </a:endParaRPr>
-            </a:p>
-          </p:txBody>
-        </p:sp>
-        <p:sp>
-          <p:nvSpPr>
-            <p:cNvPr id="8" name="円/楕円 7"/>
-            <p:cNvSpPr/>
-            <p:nvPr/>
-          </p:nvSpPr>
-          <p:spPr>
-            <a:xfrm>
-              <a:off x="6523169" y="946921"/>
-              <a:ext cx="399394" cy="399394"/>
-            </a:xfrm>
-            <a:prstGeom prst="ellipse">
-              <a:avLst/>
-            </a:prstGeom>
-            <a:noFill/>
-            <a:ln w="19050">
-              <a:solidFill>
-                <a:schemeClr val="tx1"/>
-              </a:solidFill>
-            </a:ln>
-          </p:spPr>
-          <p:style>
-            <a:lnRef idx="2">
-              <a:schemeClr val="accent1">
-                <a:shade val="50000"/>
-              </a:schemeClr>
-            </a:lnRef>
-            <a:fillRef idx="1">
-              <a:schemeClr val="accent1"/>
-            </a:fillRef>
-            <a:effectRef idx="0">
-              <a:schemeClr val="accent1"/>
-            </a:effectRef>
-            <a:fontRef idx="minor">
-              <a:schemeClr val="lt1"/>
-            </a:fontRef>
-          </p:style>
-          <p:txBody>
-            <a:bodyPr rtlCol="0" anchor="ctr"/>
-            <a:lstStyle/>
-            <a:p>
-              <a:pPr algn="ctr"/>
-              <a:endParaRPr kumimoji="1" lang="ja-JP" altLang="en-US" i="1" dirty="0">
-                <a:solidFill>
-                  <a:schemeClr val="tx1"/>
-                </a:solidFill>
-              </a:endParaRPr>
-            </a:p>
-          </p:txBody>
-        </p:sp>
-        <p:sp>
-          <p:nvSpPr>
-            <p:cNvPr id="9" name="円/楕円 8"/>
-            <p:cNvSpPr/>
-            <p:nvPr/>
-          </p:nvSpPr>
-          <p:spPr>
-            <a:xfrm>
-              <a:off x="3657006" y="1750964"/>
-              <a:ext cx="399394" cy="399394"/>
-            </a:xfrm>
-            <a:prstGeom prst="ellipse">
-              <a:avLst/>
-            </a:prstGeom>
-            <a:noFill/>
-            <a:ln w="19050">
-              <a:solidFill>
-                <a:schemeClr val="tx1"/>
-              </a:solidFill>
-            </a:ln>
-          </p:spPr>
-          <p:style>
-            <a:lnRef idx="2">
-              <a:schemeClr val="accent1">
-                <a:shade val="50000"/>
-              </a:schemeClr>
-            </a:lnRef>
-            <a:fillRef idx="1">
-              <a:schemeClr val="accent1"/>
-            </a:fillRef>
-            <a:effectRef idx="0">
-              <a:schemeClr val="accent1"/>
-            </a:effectRef>
-            <a:fontRef idx="minor">
-              <a:schemeClr val="lt1"/>
-            </a:fontRef>
-          </p:style>
-          <p:txBody>
-            <a:bodyPr rtlCol="0" anchor="ctr"/>
-            <a:lstStyle/>
-            <a:p>
-              <a:pPr algn="ctr"/>
-              <a:endParaRPr kumimoji="1" lang="ja-JP" altLang="en-US" i="1" dirty="0">
-                <a:solidFill>
-                  <a:schemeClr val="tx1"/>
-                </a:solidFill>
-              </a:endParaRPr>
-            </a:p>
-          </p:txBody>
-        </p:sp>
-        <p:sp>
-          <p:nvSpPr>
-            <p:cNvPr id="10" name="円/楕円 9"/>
-            <p:cNvSpPr/>
-            <p:nvPr/>
-          </p:nvSpPr>
-          <p:spPr>
-            <a:xfrm>
-              <a:off x="5628079" y="1750964"/>
-              <a:ext cx="399394" cy="399394"/>
-            </a:xfrm>
-            <a:prstGeom prst="ellipse">
-              <a:avLst/>
-            </a:prstGeom>
-            <a:noFill/>
-            <a:ln w="19050">
-              <a:solidFill>
-                <a:schemeClr val="tx1"/>
-              </a:solidFill>
-            </a:ln>
-          </p:spPr>
-          <p:style>
-            <a:lnRef idx="2">
-              <a:schemeClr val="accent1">
-                <a:shade val="50000"/>
-              </a:schemeClr>
-            </a:lnRef>
-            <a:fillRef idx="1">
-              <a:schemeClr val="accent1"/>
-            </a:fillRef>
-            <a:effectRef idx="0">
-              <a:schemeClr val="accent1"/>
-            </a:effectRef>
-            <a:fontRef idx="minor">
-              <a:schemeClr val="lt1"/>
-            </a:fontRef>
-          </p:style>
-          <p:txBody>
-            <a:bodyPr rtlCol="0" anchor="ctr"/>
-            <a:lstStyle/>
-            <a:p>
-              <a:pPr algn="ctr"/>
-              <a:endParaRPr kumimoji="1" lang="ja-JP" altLang="en-US" i="1" dirty="0">
-                <a:solidFill>
-                  <a:schemeClr val="tx1"/>
-                </a:solidFill>
-              </a:endParaRPr>
-            </a:p>
-          </p:txBody>
-        </p:sp>
-        <p:sp>
-          <p:nvSpPr>
-            <p:cNvPr id="11" name="円/楕円 10"/>
-            <p:cNvSpPr/>
-            <p:nvPr/>
-          </p:nvSpPr>
-          <p:spPr>
-            <a:xfrm>
-              <a:off x="7599152" y="1750964"/>
-              <a:ext cx="399394" cy="399394"/>
-            </a:xfrm>
-            <a:prstGeom prst="ellipse">
-              <a:avLst/>
-            </a:prstGeom>
-            <a:noFill/>
-            <a:ln w="19050">
-              <a:solidFill>
-                <a:schemeClr val="tx1"/>
-              </a:solidFill>
-            </a:ln>
-          </p:spPr>
-          <p:style>
-            <a:lnRef idx="2">
-              <a:schemeClr val="accent1">
-                <a:shade val="50000"/>
-              </a:schemeClr>
-            </a:lnRef>
-            <a:fillRef idx="1">
-              <a:schemeClr val="accent1"/>
-            </a:fillRef>
-            <a:effectRef idx="0">
-              <a:schemeClr val="accent1"/>
-            </a:effectRef>
-            <a:fontRef idx="minor">
-              <a:schemeClr val="lt1"/>
-            </a:fontRef>
-          </p:style>
-          <p:txBody>
-            <a:bodyPr rtlCol="0" anchor="ctr"/>
-            <a:lstStyle/>
-            <a:p>
-              <a:pPr algn="ctr"/>
-              <a:endParaRPr kumimoji="1" lang="ja-JP" altLang="en-US" i="1" dirty="0">
-                <a:solidFill>
-                  <a:schemeClr val="tx1"/>
-                </a:solidFill>
-              </a:endParaRPr>
-            </a:p>
-          </p:txBody>
-        </p:sp>
-        <p:sp>
-          <p:nvSpPr>
-            <p:cNvPr id="12" name="円/楕円 11"/>
-            <p:cNvSpPr/>
-            <p:nvPr/>
-          </p:nvSpPr>
-          <p:spPr>
-            <a:xfrm>
-              <a:off x="4628817" y="2613803"/>
-              <a:ext cx="399394" cy="399394"/>
-            </a:xfrm>
-            <a:prstGeom prst="ellipse">
-              <a:avLst/>
-            </a:prstGeom>
-            <a:noFill/>
-            <a:ln w="19050">
-              <a:solidFill>
-                <a:schemeClr val="tx1"/>
-              </a:solidFill>
-            </a:ln>
-          </p:spPr>
-          <p:style>
-            <a:lnRef idx="2">
-              <a:schemeClr val="accent1">
-                <a:shade val="50000"/>
-              </a:schemeClr>
-            </a:lnRef>
-            <a:fillRef idx="1">
-              <a:schemeClr val="accent1"/>
-            </a:fillRef>
-            <a:effectRef idx="0">
-              <a:schemeClr val="accent1"/>
-            </a:effectRef>
-            <a:fontRef idx="minor">
-              <a:schemeClr val="lt1"/>
-            </a:fontRef>
-          </p:style>
-          <p:txBody>
-            <a:bodyPr rtlCol="0" anchor="ctr"/>
-            <a:lstStyle/>
-            <a:p>
-              <a:pPr algn="ctr"/>
-              <a:endParaRPr kumimoji="1" lang="ja-JP" altLang="en-US" i="1" dirty="0">
-                <a:solidFill>
-                  <a:schemeClr val="tx1"/>
-                </a:solidFill>
-              </a:endParaRPr>
-            </a:p>
-          </p:txBody>
-        </p:sp>
-        <p:sp>
-          <p:nvSpPr>
-            <p:cNvPr id="13" name="円/楕円 12"/>
-            <p:cNvSpPr/>
-            <p:nvPr/>
-          </p:nvSpPr>
-          <p:spPr>
-            <a:xfrm>
-              <a:off x="6523169" y="2613803"/>
-              <a:ext cx="399394" cy="399394"/>
-            </a:xfrm>
-            <a:prstGeom prst="ellipse">
-              <a:avLst/>
-            </a:prstGeom>
-            <a:noFill/>
-            <a:ln w="19050">
-              <a:solidFill>
-                <a:schemeClr val="tx1"/>
-              </a:solidFill>
-            </a:ln>
-          </p:spPr>
-          <p:style>
-            <a:lnRef idx="2">
-              <a:schemeClr val="accent1">
-                <a:shade val="50000"/>
-              </a:schemeClr>
-            </a:lnRef>
-            <a:fillRef idx="1">
-              <a:schemeClr val="accent1"/>
-            </a:fillRef>
-            <a:effectRef idx="0">
-              <a:schemeClr val="accent1"/>
-            </a:effectRef>
-            <a:fontRef idx="minor">
-              <a:schemeClr val="lt1"/>
-            </a:fontRef>
-          </p:style>
-          <p:txBody>
-            <a:bodyPr rtlCol="0" anchor="ctr"/>
-            <a:lstStyle/>
-            <a:p>
-              <a:pPr algn="ctr"/>
-              <a:endParaRPr kumimoji="1" lang="ja-JP" altLang="en-US" i="1" dirty="0">
-                <a:solidFill>
-                  <a:schemeClr val="tx1"/>
-                </a:solidFill>
-              </a:endParaRPr>
-            </a:p>
-          </p:txBody>
-        </p:sp>
-        <p:sp>
-          <p:nvSpPr>
-            <p:cNvPr id="14" name="円/楕円 13"/>
-            <p:cNvSpPr/>
-            <p:nvPr/>
-          </p:nvSpPr>
-          <p:spPr>
-            <a:xfrm>
-              <a:off x="3657006" y="3560909"/>
-              <a:ext cx="399394" cy="399394"/>
-            </a:xfrm>
-            <a:prstGeom prst="ellipse">
-              <a:avLst/>
-            </a:prstGeom>
-            <a:noFill/>
-            <a:ln w="19050">
-              <a:solidFill>
-                <a:schemeClr val="tx1"/>
-              </a:solidFill>
-            </a:ln>
-          </p:spPr>
-          <p:style>
-            <a:lnRef idx="2">
-              <a:schemeClr val="accent1">
-                <a:shade val="50000"/>
-              </a:schemeClr>
-            </a:lnRef>
-            <a:fillRef idx="1">
-              <a:schemeClr val="accent1"/>
-            </a:fillRef>
-            <a:effectRef idx="0">
-              <a:schemeClr val="accent1"/>
-            </a:effectRef>
-            <a:fontRef idx="minor">
-              <a:schemeClr val="lt1"/>
-            </a:fontRef>
-          </p:style>
-          <p:txBody>
-            <a:bodyPr rtlCol="0" anchor="ctr"/>
-            <a:lstStyle/>
-            <a:p>
-              <a:pPr algn="ctr"/>
-              <a:endParaRPr kumimoji="1" lang="ja-JP" altLang="en-US" i="1" dirty="0">
-                <a:solidFill>
-                  <a:schemeClr val="tx1"/>
-                </a:solidFill>
-              </a:endParaRPr>
-            </a:p>
-          </p:txBody>
-        </p:sp>
-        <p:sp>
-          <p:nvSpPr>
-            <p:cNvPr id="15" name="円/楕円 14"/>
-            <p:cNvSpPr/>
-            <p:nvPr/>
-          </p:nvSpPr>
-          <p:spPr>
-            <a:xfrm>
-              <a:off x="5622083" y="3560909"/>
-              <a:ext cx="399394" cy="399394"/>
-            </a:xfrm>
-            <a:prstGeom prst="ellipse">
-              <a:avLst/>
-            </a:prstGeom>
-            <a:noFill/>
-            <a:ln w="19050">
-              <a:solidFill>
-                <a:schemeClr val="tx1"/>
-              </a:solidFill>
-            </a:ln>
-          </p:spPr>
-          <p:style>
-            <a:lnRef idx="2">
-              <a:schemeClr val="accent1">
-                <a:shade val="50000"/>
-              </a:schemeClr>
-            </a:lnRef>
-            <a:fillRef idx="1">
-              <a:schemeClr val="accent1"/>
-            </a:fillRef>
-            <a:effectRef idx="0">
-              <a:schemeClr val="accent1"/>
-            </a:effectRef>
-            <a:fontRef idx="minor">
-              <a:schemeClr val="lt1"/>
-            </a:fontRef>
-          </p:style>
-          <p:txBody>
-            <a:bodyPr rtlCol="0" anchor="ctr"/>
-            <a:lstStyle/>
-            <a:p>
-              <a:pPr algn="ctr"/>
-              <a:endParaRPr kumimoji="1" lang="ja-JP" altLang="en-US" i="1" dirty="0">
-                <a:solidFill>
-                  <a:schemeClr val="tx1"/>
-                </a:solidFill>
-              </a:endParaRPr>
-            </a:p>
-          </p:txBody>
-        </p:sp>
-        <p:sp>
-          <p:nvSpPr>
-            <p:cNvPr id="16" name="円/楕円 15"/>
-            <p:cNvSpPr/>
-            <p:nvPr/>
-          </p:nvSpPr>
-          <p:spPr>
-            <a:xfrm>
-              <a:off x="7599152" y="3560909"/>
-              <a:ext cx="399394" cy="399394"/>
-            </a:xfrm>
-            <a:prstGeom prst="ellipse">
-              <a:avLst/>
-            </a:prstGeom>
-            <a:noFill/>
-            <a:ln w="19050">
-              <a:solidFill>
-                <a:schemeClr val="tx1"/>
-              </a:solidFill>
-            </a:ln>
-          </p:spPr>
-          <p:style>
-            <a:lnRef idx="2">
-              <a:schemeClr val="accent1">
-                <a:shade val="50000"/>
-              </a:schemeClr>
-            </a:lnRef>
-            <a:fillRef idx="1">
-              <a:schemeClr val="accent1"/>
-            </a:fillRef>
-            <a:effectRef idx="0">
-              <a:schemeClr val="accent1"/>
-            </a:effectRef>
-            <a:fontRef idx="minor">
-              <a:schemeClr val="lt1"/>
-            </a:fontRef>
-          </p:style>
-          <p:txBody>
-            <a:bodyPr rtlCol="0" anchor="ctr"/>
-            <a:lstStyle/>
-            <a:p>
-              <a:pPr algn="ctr"/>
-              <a:endParaRPr kumimoji="1" lang="ja-JP" altLang="en-US" i="1" dirty="0">
-                <a:solidFill>
-                  <a:schemeClr val="tx1"/>
-                </a:solidFill>
-              </a:endParaRPr>
-            </a:p>
-          </p:txBody>
-        </p:sp>
-        <p:sp>
-          <p:nvSpPr>
-            <p:cNvPr id="17" name="円/楕円 16"/>
-            <p:cNvSpPr/>
-            <p:nvPr/>
-          </p:nvSpPr>
-          <p:spPr>
-            <a:xfrm>
-              <a:off x="6530910" y="4598172"/>
-              <a:ext cx="399394" cy="399394"/>
-            </a:xfrm>
-            <a:prstGeom prst="ellipse">
-              <a:avLst/>
-            </a:prstGeom>
-            <a:noFill/>
-            <a:ln w="19050">
-              <a:solidFill>
-                <a:schemeClr val="tx1"/>
-              </a:solidFill>
-            </a:ln>
-          </p:spPr>
-          <p:style>
-            <a:lnRef idx="2">
-              <a:schemeClr val="accent1">
-                <a:shade val="50000"/>
-              </a:schemeClr>
-            </a:lnRef>
-            <a:fillRef idx="1">
-              <a:schemeClr val="accent1"/>
-            </a:fillRef>
-            <a:effectRef idx="0">
-              <a:schemeClr val="accent1"/>
-            </a:effectRef>
-            <a:fontRef idx="minor">
-              <a:schemeClr val="lt1"/>
-            </a:fontRef>
-          </p:style>
-          <p:txBody>
-            <a:bodyPr rtlCol="0" anchor="ctr"/>
-            <a:lstStyle/>
-            <a:p>
-              <a:pPr algn="ctr"/>
-              <a:endParaRPr kumimoji="1" lang="ja-JP" altLang="en-US" i="1" dirty="0">
-                <a:solidFill>
-                  <a:schemeClr val="tx1"/>
-                </a:solidFill>
-              </a:endParaRPr>
-            </a:p>
-          </p:txBody>
-        </p:sp>
-        <p:sp>
-          <p:nvSpPr>
-            <p:cNvPr id="18" name="円/楕円 17"/>
-            <p:cNvSpPr/>
-            <p:nvPr/>
-          </p:nvSpPr>
-          <p:spPr>
-            <a:xfrm>
-              <a:off x="4628817" y="4598172"/>
-              <a:ext cx="399394" cy="399394"/>
-            </a:xfrm>
-            <a:prstGeom prst="ellipse">
-              <a:avLst/>
-            </a:prstGeom>
-            <a:noFill/>
-            <a:ln w="19050">
-              <a:solidFill>
-                <a:schemeClr val="tx1"/>
-              </a:solidFill>
-            </a:ln>
-          </p:spPr>
-          <p:style>
-            <a:lnRef idx="2">
-              <a:schemeClr val="accent1">
-                <a:shade val="50000"/>
-              </a:schemeClr>
-            </a:lnRef>
-            <a:fillRef idx="1">
-              <a:schemeClr val="accent1"/>
-            </a:fillRef>
-            <a:effectRef idx="0">
-              <a:schemeClr val="accent1"/>
-            </a:effectRef>
-            <a:fontRef idx="minor">
-              <a:schemeClr val="lt1"/>
-            </a:fontRef>
-          </p:style>
-          <p:txBody>
-            <a:bodyPr rtlCol="0" anchor="ctr"/>
-            <a:lstStyle/>
-            <a:p>
-              <a:pPr algn="ctr"/>
-              <a:endParaRPr kumimoji="1" lang="ja-JP" altLang="en-US" i="1" dirty="0">
-                <a:solidFill>
-                  <a:schemeClr val="tx1"/>
-                </a:solidFill>
-              </a:endParaRPr>
-            </a:p>
-          </p:txBody>
-        </p:sp>
-        <p:cxnSp>
-          <p:nvCxnSpPr>
-            <p:cNvPr id="19" name="直線矢印コネクタ 18"/>
-            <p:cNvCxnSpPr>
-              <a:stCxn id="6" idx="3"/>
-              <a:endCxn id="29" idx="7"/>
-            </p:cNvCxnSpPr>
-            <p:nvPr/>
-          </p:nvCxnSpPr>
-          <p:spPr>
-            <a:xfrm flipH="1">
-              <a:off x="4969721" y="544594"/>
-              <a:ext cx="716848" cy="459636"/>
-            </a:xfrm>
-            <a:prstGeom prst="straightConnector1">
-              <a:avLst/>
-            </a:prstGeom>
-            <a:ln w="19050">
-              <a:solidFill>
-                <a:schemeClr val="tx1"/>
-              </a:solidFill>
-              <a:tailEnd type="triangle"/>
-            </a:ln>
-          </p:spPr>
-          <p:style>
-            <a:lnRef idx="1">
-              <a:schemeClr val="accent1"/>
-            </a:lnRef>
-            <a:fillRef idx="0">
-              <a:schemeClr val="accent1"/>
-            </a:fillRef>
-            <a:effectRef idx="0">
-              <a:schemeClr val="accent1"/>
-            </a:effectRef>
-            <a:fontRef idx="minor">
-              <a:schemeClr val="tx1"/>
-            </a:fontRef>
-          </p:style>
-        </p:cxnSp>
-        <p:cxnSp>
-          <p:nvCxnSpPr>
-            <p:cNvPr id="20" name="直線矢印コネクタ 19"/>
-            <p:cNvCxnSpPr>
-              <a:stCxn id="6" idx="5"/>
-              <a:endCxn id="30" idx="1"/>
-            </p:cNvCxnSpPr>
-            <p:nvPr/>
-          </p:nvCxnSpPr>
-          <p:spPr>
-            <a:xfrm>
-              <a:off x="5968983" y="544594"/>
-              <a:ext cx="612676" cy="460817"/>
-            </a:xfrm>
-            <a:prstGeom prst="straightConnector1">
-              <a:avLst/>
-            </a:prstGeom>
-            <a:ln w="19050">
-              <a:solidFill>
-                <a:schemeClr val="tx1"/>
-              </a:solidFill>
-              <a:tailEnd type="triangle"/>
-            </a:ln>
-          </p:spPr>
-          <p:style>
-            <a:lnRef idx="1">
-              <a:schemeClr val="accent1"/>
-            </a:lnRef>
-            <a:fillRef idx="0">
-              <a:schemeClr val="accent1"/>
-            </a:fillRef>
-            <a:effectRef idx="0">
-              <a:schemeClr val="accent1"/>
-            </a:effectRef>
-            <a:fontRef idx="minor">
-              <a:schemeClr val="tx1"/>
-            </a:fontRef>
-          </p:style>
-        </p:cxnSp>
-        <p:cxnSp>
-          <p:nvCxnSpPr>
-            <p:cNvPr id="21" name="直線矢印コネクタ 20"/>
-            <p:cNvCxnSpPr>
-              <a:stCxn id="29" idx="5"/>
-              <a:endCxn id="32" idx="1"/>
-            </p:cNvCxnSpPr>
-            <p:nvPr/>
-          </p:nvCxnSpPr>
-          <p:spPr>
-            <a:xfrm>
-              <a:off x="4969721" y="1286644"/>
-              <a:ext cx="716848" cy="522810"/>
-            </a:xfrm>
-            <a:prstGeom prst="straightConnector1">
-              <a:avLst/>
-            </a:prstGeom>
-            <a:ln w="19050">
-              <a:solidFill>
-                <a:schemeClr val="tx1"/>
-              </a:solidFill>
-              <a:tailEnd type="triangle"/>
-            </a:ln>
-          </p:spPr>
-          <p:style>
-            <a:lnRef idx="1">
-              <a:schemeClr val="accent1"/>
-            </a:lnRef>
-            <a:fillRef idx="0">
-              <a:schemeClr val="accent1"/>
-            </a:fillRef>
-            <a:effectRef idx="0">
-              <a:schemeClr val="accent1"/>
-            </a:effectRef>
-            <a:fontRef idx="minor">
-              <a:schemeClr val="tx1"/>
-            </a:fontRef>
-          </p:style>
-        </p:cxnSp>
-        <p:cxnSp>
-          <p:nvCxnSpPr>
-            <p:cNvPr id="22" name="直線矢印コネクタ 21"/>
-            <p:cNvCxnSpPr>
-              <a:stCxn id="30" idx="3"/>
-              <a:endCxn id="32" idx="7"/>
-            </p:cNvCxnSpPr>
-            <p:nvPr/>
-          </p:nvCxnSpPr>
-          <p:spPr>
-            <a:xfrm flipH="1">
-              <a:off x="5968983" y="1287825"/>
-              <a:ext cx="612676" cy="521629"/>
-            </a:xfrm>
-            <a:prstGeom prst="straightConnector1">
-              <a:avLst/>
-            </a:prstGeom>
-            <a:ln w="19050">
-              <a:solidFill>
-                <a:schemeClr val="tx1"/>
-              </a:solidFill>
-              <a:tailEnd type="triangle"/>
-            </a:ln>
-          </p:spPr>
-          <p:style>
-            <a:lnRef idx="1">
-              <a:schemeClr val="accent1"/>
-            </a:lnRef>
-            <a:fillRef idx="0">
-              <a:schemeClr val="accent1"/>
-            </a:fillRef>
-            <a:effectRef idx="0">
-              <a:schemeClr val="accent1"/>
-            </a:effectRef>
-            <a:fontRef idx="minor">
-              <a:schemeClr val="tx1"/>
-            </a:fontRef>
-          </p:style>
-        </p:cxnSp>
-        <p:cxnSp>
-          <p:nvCxnSpPr>
-            <p:cNvPr id="23" name="直線矢印コネクタ 22"/>
-            <p:cNvCxnSpPr>
-              <a:stCxn id="29" idx="3"/>
-              <a:endCxn id="31" idx="7"/>
-            </p:cNvCxnSpPr>
-            <p:nvPr/>
-          </p:nvCxnSpPr>
-          <p:spPr>
-            <a:xfrm flipH="1">
-              <a:off x="3997910" y="1286644"/>
-              <a:ext cx="689397" cy="522810"/>
-            </a:xfrm>
-            <a:prstGeom prst="straightConnector1">
-              <a:avLst/>
-            </a:prstGeom>
-            <a:ln w="19050">
-              <a:solidFill>
-                <a:schemeClr val="tx1"/>
-              </a:solidFill>
-              <a:tailEnd type="triangle"/>
-            </a:ln>
-          </p:spPr>
-          <p:style>
-            <a:lnRef idx="1">
-              <a:schemeClr val="accent1"/>
-            </a:lnRef>
-            <a:fillRef idx="0">
-              <a:schemeClr val="accent1"/>
-            </a:fillRef>
-            <a:effectRef idx="0">
-              <a:schemeClr val="accent1"/>
-            </a:effectRef>
-            <a:fontRef idx="minor">
-              <a:schemeClr val="tx1"/>
-            </a:fontRef>
-          </p:style>
-        </p:cxnSp>
-        <p:cxnSp>
-          <p:nvCxnSpPr>
-            <p:cNvPr id="24" name="直線矢印コネクタ 23"/>
-            <p:cNvCxnSpPr>
-              <a:stCxn id="30" idx="5"/>
-              <a:endCxn id="33" idx="1"/>
-            </p:cNvCxnSpPr>
-            <p:nvPr/>
-          </p:nvCxnSpPr>
-          <p:spPr>
-            <a:xfrm>
-              <a:off x="6864073" y="1287825"/>
-              <a:ext cx="793569" cy="521629"/>
-            </a:xfrm>
-            <a:prstGeom prst="straightConnector1">
-              <a:avLst/>
-            </a:prstGeom>
-            <a:ln w="19050">
-              <a:solidFill>
-                <a:schemeClr val="tx1"/>
-              </a:solidFill>
-              <a:tailEnd type="triangle"/>
-            </a:ln>
-          </p:spPr>
-          <p:style>
-            <a:lnRef idx="1">
-              <a:schemeClr val="accent1"/>
-            </a:lnRef>
-            <a:fillRef idx="0">
-              <a:schemeClr val="accent1"/>
-            </a:fillRef>
-            <a:effectRef idx="0">
-              <a:schemeClr val="accent1"/>
-            </a:effectRef>
-            <a:fontRef idx="minor">
-              <a:schemeClr val="tx1"/>
-            </a:fontRef>
-          </p:style>
-        </p:cxnSp>
-        <p:cxnSp>
-          <p:nvCxnSpPr>
-            <p:cNvPr id="25" name="直線矢印コネクタ 24"/>
-            <p:cNvCxnSpPr>
-              <a:stCxn id="32" idx="3"/>
-              <a:endCxn id="34" idx="7"/>
-            </p:cNvCxnSpPr>
-            <p:nvPr/>
-          </p:nvCxnSpPr>
-          <p:spPr>
-            <a:xfrm flipH="1">
-              <a:off x="4969721" y="2091868"/>
-              <a:ext cx="716848" cy="580425"/>
-            </a:xfrm>
-            <a:prstGeom prst="straightConnector1">
-              <a:avLst/>
-            </a:prstGeom>
-            <a:ln w="19050">
-              <a:solidFill>
-                <a:schemeClr val="tx1"/>
-              </a:solidFill>
-              <a:tailEnd type="triangle"/>
-            </a:ln>
-          </p:spPr>
-          <p:style>
-            <a:lnRef idx="1">
-              <a:schemeClr val="accent1"/>
-            </a:lnRef>
-            <a:fillRef idx="0">
-              <a:schemeClr val="accent1"/>
-            </a:fillRef>
-            <a:effectRef idx="0">
-              <a:schemeClr val="accent1"/>
-            </a:effectRef>
-            <a:fontRef idx="minor">
-              <a:schemeClr val="tx1"/>
-            </a:fontRef>
-          </p:style>
-        </p:cxnSp>
-        <p:cxnSp>
-          <p:nvCxnSpPr>
-            <p:cNvPr id="26" name="直線矢印コネクタ 25"/>
-            <p:cNvCxnSpPr>
-              <a:stCxn id="32" idx="5"/>
-              <a:endCxn id="35" idx="1"/>
-            </p:cNvCxnSpPr>
-            <p:nvPr/>
-          </p:nvCxnSpPr>
-          <p:spPr>
-            <a:xfrm>
-              <a:off x="5968983" y="2091868"/>
-              <a:ext cx="612676" cy="580425"/>
-            </a:xfrm>
-            <a:prstGeom prst="straightConnector1">
-              <a:avLst/>
-            </a:prstGeom>
-            <a:ln w="19050">
-              <a:solidFill>
-                <a:schemeClr val="tx1"/>
-              </a:solidFill>
-              <a:tailEnd type="triangle"/>
-            </a:ln>
-          </p:spPr>
-          <p:style>
-            <a:lnRef idx="1">
-              <a:schemeClr val="accent1"/>
-            </a:lnRef>
-            <a:fillRef idx="0">
-              <a:schemeClr val="accent1"/>
-            </a:fillRef>
-            <a:effectRef idx="0">
-              <a:schemeClr val="accent1"/>
-            </a:effectRef>
-            <a:fontRef idx="minor">
-              <a:schemeClr val="tx1"/>
-            </a:fontRef>
-          </p:style>
-        </p:cxnSp>
-        <p:cxnSp>
-          <p:nvCxnSpPr>
-            <p:cNvPr id="27" name="直線矢印コネクタ 26"/>
-            <p:cNvCxnSpPr>
-              <a:stCxn id="33" idx="3"/>
-              <a:endCxn id="35" idx="7"/>
-            </p:cNvCxnSpPr>
-            <p:nvPr/>
-          </p:nvCxnSpPr>
-          <p:spPr>
-            <a:xfrm flipH="1">
-              <a:off x="6864073" y="2091868"/>
-              <a:ext cx="793569" cy="580425"/>
-            </a:xfrm>
-            <a:prstGeom prst="straightConnector1">
-              <a:avLst/>
-            </a:prstGeom>
-            <a:ln w="19050">
-              <a:solidFill>
-                <a:schemeClr val="tx1"/>
-              </a:solidFill>
-              <a:tailEnd type="triangle"/>
-            </a:ln>
-          </p:spPr>
-          <p:style>
-            <a:lnRef idx="1">
-              <a:schemeClr val="accent1"/>
-            </a:lnRef>
-            <a:fillRef idx="0">
-              <a:schemeClr val="accent1"/>
-            </a:fillRef>
-            <a:effectRef idx="0">
-              <a:schemeClr val="accent1"/>
-            </a:effectRef>
-            <a:fontRef idx="minor">
-              <a:schemeClr val="tx1"/>
-            </a:fontRef>
-          </p:style>
-        </p:cxnSp>
-        <p:cxnSp>
-          <p:nvCxnSpPr>
-            <p:cNvPr id="28" name="直線矢印コネクタ 27"/>
-            <p:cNvCxnSpPr>
-              <a:stCxn id="33" idx="4"/>
-              <a:endCxn id="38" idx="0"/>
-            </p:cNvCxnSpPr>
-            <p:nvPr/>
-          </p:nvCxnSpPr>
-          <p:spPr>
-            <a:xfrm>
-              <a:off x="7798849" y="2150358"/>
-              <a:ext cx="0" cy="1410551"/>
-            </a:xfrm>
-            <a:prstGeom prst="straightConnector1">
-              <a:avLst/>
-            </a:prstGeom>
-            <a:ln w="19050">
-              <a:solidFill>
-                <a:schemeClr val="tx1"/>
-              </a:solidFill>
-              <a:tailEnd type="triangle"/>
-            </a:ln>
-          </p:spPr>
-          <p:style>
-            <a:lnRef idx="1">
-              <a:schemeClr val="accent1"/>
-            </a:lnRef>
-            <a:fillRef idx="0">
-              <a:schemeClr val="accent1"/>
-            </a:fillRef>
-            <a:effectRef idx="0">
-              <a:schemeClr val="accent1"/>
-            </a:effectRef>
-            <a:fontRef idx="minor">
-              <a:schemeClr val="tx1"/>
-            </a:fontRef>
-          </p:style>
-        </p:cxnSp>
-        <p:cxnSp>
-          <p:nvCxnSpPr>
-            <p:cNvPr id="29" name="直線矢印コネクタ 28"/>
-            <p:cNvCxnSpPr>
-              <a:stCxn id="31" idx="4"/>
-              <a:endCxn id="36" idx="0"/>
-            </p:cNvCxnSpPr>
-            <p:nvPr/>
-          </p:nvCxnSpPr>
-          <p:spPr>
-            <a:xfrm>
-              <a:off x="3856703" y="2150358"/>
-              <a:ext cx="0" cy="1410551"/>
-            </a:xfrm>
-            <a:prstGeom prst="straightConnector1">
-              <a:avLst/>
-            </a:prstGeom>
-            <a:ln w="19050">
-              <a:solidFill>
-                <a:schemeClr val="tx1"/>
-              </a:solidFill>
-              <a:tailEnd type="triangle"/>
-            </a:ln>
-          </p:spPr>
-          <p:style>
-            <a:lnRef idx="1">
-              <a:schemeClr val="accent1"/>
-            </a:lnRef>
-            <a:fillRef idx="0">
-              <a:schemeClr val="accent1"/>
-            </a:fillRef>
-            <a:effectRef idx="0">
-              <a:schemeClr val="accent1"/>
-            </a:effectRef>
-            <a:fontRef idx="minor">
-              <a:schemeClr val="tx1"/>
-            </a:fontRef>
-          </p:style>
-        </p:cxnSp>
-        <p:cxnSp>
-          <p:nvCxnSpPr>
-            <p:cNvPr id="30" name="直線矢印コネクタ 29"/>
-            <p:cNvCxnSpPr>
-              <a:stCxn id="31" idx="5"/>
-              <a:endCxn id="34" idx="1"/>
-            </p:cNvCxnSpPr>
-            <p:nvPr/>
-          </p:nvCxnSpPr>
-          <p:spPr>
-            <a:xfrm>
-              <a:off x="3997910" y="2091868"/>
-              <a:ext cx="689397" cy="580425"/>
-            </a:xfrm>
-            <a:prstGeom prst="straightConnector1">
-              <a:avLst/>
-            </a:prstGeom>
-            <a:ln w="19050">
-              <a:solidFill>
-                <a:schemeClr val="tx1"/>
-              </a:solidFill>
-              <a:tailEnd type="triangle"/>
-            </a:ln>
-          </p:spPr>
-          <p:style>
-            <a:lnRef idx="1">
-              <a:schemeClr val="accent1"/>
-            </a:lnRef>
-            <a:fillRef idx="0">
-              <a:schemeClr val="accent1"/>
-            </a:fillRef>
-            <a:effectRef idx="0">
-              <a:schemeClr val="accent1"/>
-            </a:effectRef>
-            <a:fontRef idx="minor">
-              <a:schemeClr val="tx1"/>
-            </a:fontRef>
-          </p:style>
-        </p:cxnSp>
-        <p:cxnSp>
-          <p:nvCxnSpPr>
-            <p:cNvPr id="31" name="直線矢印コネクタ 30"/>
-            <p:cNvCxnSpPr>
-              <a:stCxn id="35" idx="3"/>
-              <a:endCxn id="37" idx="7"/>
-            </p:cNvCxnSpPr>
-            <p:nvPr/>
-          </p:nvCxnSpPr>
-          <p:spPr>
-            <a:xfrm flipH="1">
-              <a:off x="5962987" y="2954707"/>
-              <a:ext cx="618672" cy="664692"/>
-            </a:xfrm>
-            <a:prstGeom prst="straightConnector1">
-              <a:avLst/>
-            </a:prstGeom>
-            <a:ln w="19050">
-              <a:solidFill>
-                <a:schemeClr val="tx1"/>
-              </a:solidFill>
-              <a:tailEnd type="triangle"/>
-            </a:ln>
-          </p:spPr>
-          <p:style>
-            <a:lnRef idx="1">
-              <a:schemeClr val="accent1"/>
-            </a:lnRef>
-            <a:fillRef idx="0">
-              <a:schemeClr val="accent1"/>
-            </a:fillRef>
-            <a:effectRef idx="0">
-              <a:schemeClr val="accent1"/>
-            </a:effectRef>
-            <a:fontRef idx="minor">
-              <a:schemeClr val="tx1"/>
-            </a:fontRef>
-          </p:style>
-        </p:cxnSp>
-        <p:cxnSp>
-          <p:nvCxnSpPr>
-            <p:cNvPr id="32" name="直線矢印コネクタ 31"/>
-            <p:cNvCxnSpPr>
-              <a:stCxn id="34" idx="5"/>
-              <a:endCxn id="37" idx="1"/>
-            </p:cNvCxnSpPr>
-            <p:nvPr/>
-          </p:nvCxnSpPr>
-          <p:spPr>
-            <a:xfrm>
-              <a:off x="4969721" y="2954707"/>
-              <a:ext cx="710852" cy="664692"/>
-            </a:xfrm>
-            <a:prstGeom prst="straightConnector1">
-              <a:avLst/>
-            </a:prstGeom>
-            <a:ln w="19050">
-              <a:solidFill>
-                <a:schemeClr val="tx1"/>
-              </a:solidFill>
-              <a:tailEnd type="triangle"/>
-            </a:ln>
-          </p:spPr>
-          <p:style>
-            <a:lnRef idx="1">
-              <a:schemeClr val="accent1"/>
-            </a:lnRef>
-            <a:fillRef idx="0">
-              <a:schemeClr val="accent1"/>
-            </a:fillRef>
-            <a:effectRef idx="0">
-              <a:schemeClr val="accent1"/>
-            </a:effectRef>
-            <a:fontRef idx="minor">
-              <a:schemeClr val="tx1"/>
-            </a:fontRef>
-          </p:style>
-        </p:cxnSp>
-        <p:cxnSp>
-          <p:nvCxnSpPr>
-            <p:cNvPr id="33" name="直線矢印コネクタ 32"/>
-            <p:cNvCxnSpPr>
-              <a:stCxn id="35" idx="5"/>
-              <a:endCxn id="38" idx="1"/>
-            </p:cNvCxnSpPr>
-            <p:nvPr/>
-          </p:nvCxnSpPr>
-          <p:spPr>
-            <a:xfrm>
-              <a:off x="6864073" y="2954707"/>
-              <a:ext cx="793569" cy="664692"/>
-            </a:xfrm>
-            <a:prstGeom prst="straightConnector1">
-              <a:avLst/>
-            </a:prstGeom>
-            <a:ln w="19050">
-              <a:solidFill>
-                <a:schemeClr val="tx1"/>
-              </a:solidFill>
-              <a:tailEnd type="triangle"/>
-            </a:ln>
-          </p:spPr>
-          <p:style>
-            <a:lnRef idx="1">
-              <a:schemeClr val="accent1"/>
-            </a:lnRef>
-            <a:fillRef idx="0">
-              <a:schemeClr val="accent1"/>
-            </a:fillRef>
-            <a:effectRef idx="0">
-              <a:schemeClr val="accent1"/>
-            </a:effectRef>
-            <a:fontRef idx="minor">
-              <a:schemeClr val="tx1"/>
-            </a:fontRef>
-          </p:style>
-        </p:cxnSp>
-        <p:cxnSp>
-          <p:nvCxnSpPr>
-            <p:cNvPr id="34" name="直線矢印コネクタ 33"/>
-            <p:cNvCxnSpPr>
-              <a:stCxn id="34" idx="3"/>
-              <a:endCxn id="36" idx="7"/>
-            </p:cNvCxnSpPr>
-            <p:nvPr/>
-          </p:nvCxnSpPr>
-          <p:spPr>
-            <a:xfrm flipH="1">
-              <a:off x="3997910" y="2954707"/>
-              <a:ext cx="689397" cy="664692"/>
-            </a:xfrm>
-            <a:prstGeom prst="straightConnector1">
-              <a:avLst/>
-            </a:prstGeom>
-            <a:ln w="19050">
-              <a:solidFill>
-                <a:schemeClr val="tx1"/>
-              </a:solidFill>
-              <a:tailEnd type="triangle"/>
-            </a:ln>
-          </p:spPr>
-          <p:style>
-            <a:lnRef idx="1">
-              <a:schemeClr val="accent1"/>
-            </a:lnRef>
-            <a:fillRef idx="0">
-              <a:schemeClr val="accent1"/>
-            </a:fillRef>
-            <a:effectRef idx="0">
-              <a:schemeClr val="accent1"/>
-            </a:effectRef>
-            <a:fontRef idx="minor">
-              <a:schemeClr val="tx1"/>
-            </a:fontRef>
-          </p:style>
-        </p:cxnSp>
-        <p:cxnSp>
-          <p:nvCxnSpPr>
-            <p:cNvPr id="35" name="直線矢印コネクタ 34"/>
-            <p:cNvCxnSpPr>
-              <a:stCxn id="37" idx="5"/>
-              <a:endCxn id="39" idx="1"/>
-            </p:cNvCxnSpPr>
-            <p:nvPr/>
-          </p:nvCxnSpPr>
-          <p:spPr>
-            <a:xfrm>
-              <a:off x="5962987" y="3901813"/>
-              <a:ext cx="626413" cy="754849"/>
-            </a:xfrm>
-            <a:prstGeom prst="straightConnector1">
-              <a:avLst/>
-            </a:prstGeom>
-            <a:ln w="19050">
-              <a:solidFill>
-                <a:schemeClr val="tx1"/>
-              </a:solidFill>
-              <a:tailEnd type="triangle"/>
-            </a:ln>
-          </p:spPr>
-          <p:style>
-            <a:lnRef idx="1">
-              <a:schemeClr val="accent1"/>
-            </a:lnRef>
-            <a:fillRef idx="0">
-              <a:schemeClr val="accent1"/>
-            </a:fillRef>
-            <a:effectRef idx="0">
-              <a:schemeClr val="accent1"/>
-            </a:effectRef>
-            <a:fontRef idx="minor">
-              <a:schemeClr val="tx1"/>
-            </a:fontRef>
-          </p:style>
-        </p:cxnSp>
-        <p:cxnSp>
-          <p:nvCxnSpPr>
-            <p:cNvPr id="36" name="直線矢印コネクタ 35"/>
-            <p:cNvCxnSpPr>
-              <a:stCxn id="36" idx="5"/>
-              <a:endCxn id="40" idx="1"/>
-            </p:cNvCxnSpPr>
-            <p:nvPr/>
-          </p:nvCxnSpPr>
-          <p:spPr>
-            <a:xfrm>
-              <a:off x="3997910" y="3901813"/>
-              <a:ext cx="689397" cy="754849"/>
-            </a:xfrm>
-            <a:prstGeom prst="straightConnector1">
-              <a:avLst/>
-            </a:prstGeom>
-            <a:ln w="19050">
-              <a:solidFill>
-                <a:schemeClr val="tx1"/>
-              </a:solidFill>
-              <a:tailEnd type="triangle"/>
-            </a:ln>
-          </p:spPr>
-          <p:style>
-            <a:lnRef idx="1">
-              <a:schemeClr val="accent1"/>
-            </a:lnRef>
-            <a:fillRef idx="0">
-              <a:schemeClr val="accent1"/>
-            </a:fillRef>
-            <a:effectRef idx="0">
-              <a:schemeClr val="accent1"/>
-            </a:effectRef>
-            <a:fontRef idx="minor">
-              <a:schemeClr val="tx1"/>
-            </a:fontRef>
-          </p:style>
-        </p:cxnSp>
-        <p:cxnSp>
-          <p:nvCxnSpPr>
-            <p:cNvPr id="37" name="直線矢印コネクタ 36"/>
-            <p:cNvCxnSpPr>
-              <a:stCxn id="37" idx="3"/>
-              <a:endCxn id="40" idx="7"/>
-            </p:cNvCxnSpPr>
-            <p:nvPr/>
-          </p:nvCxnSpPr>
-          <p:spPr>
-            <a:xfrm flipH="1">
-              <a:off x="4969721" y="3901813"/>
-              <a:ext cx="710852" cy="754849"/>
-            </a:xfrm>
-            <a:prstGeom prst="straightConnector1">
-              <a:avLst/>
-            </a:prstGeom>
-            <a:ln w="19050">
-              <a:solidFill>
-                <a:schemeClr val="tx1"/>
-              </a:solidFill>
-              <a:tailEnd type="triangle"/>
-            </a:ln>
-          </p:spPr>
-          <p:style>
-            <a:lnRef idx="1">
-              <a:schemeClr val="accent1"/>
-            </a:lnRef>
-            <a:fillRef idx="0">
-              <a:schemeClr val="accent1"/>
-            </a:fillRef>
-            <a:effectRef idx="0">
-              <a:schemeClr val="accent1"/>
-            </a:effectRef>
-            <a:fontRef idx="minor">
-              <a:schemeClr val="tx1"/>
-            </a:fontRef>
-          </p:style>
-        </p:cxnSp>
-        <p:cxnSp>
-          <p:nvCxnSpPr>
-            <p:cNvPr id="38" name="直線矢印コネクタ 37"/>
-            <p:cNvCxnSpPr>
-              <a:stCxn id="38" idx="3"/>
-              <a:endCxn id="39" idx="7"/>
-            </p:cNvCxnSpPr>
-            <p:nvPr/>
-          </p:nvCxnSpPr>
-          <p:spPr>
-            <a:xfrm flipH="1">
-              <a:off x="6871814" y="3901813"/>
-              <a:ext cx="785828" cy="754849"/>
-            </a:xfrm>
-            <a:prstGeom prst="straightConnector1">
-              <a:avLst/>
-            </a:prstGeom>
-            <a:ln w="19050">
-              <a:solidFill>
-                <a:schemeClr val="tx1"/>
-              </a:solidFill>
-              <a:tailEnd type="triangle"/>
-            </a:ln>
-          </p:spPr>
-          <p:style>
-            <a:lnRef idx="1">
-              <a:schemeClr val="accent1"/>
-            </a:lnRef>
-            <a:fillRef idx="0">
-              <a:schemeClr val="accent1"/>
-            </a:fillRef>
-            <a:effectRef idx="0">
-              <a:schemeClr val="accent1"/>
-            </a:effectRef>
-            <a:fontRef idx="minor">
-              <a:schemeClr val="tx1"/>
-            </a:fontRef>
-          </p:style>
-        </p:cxnSp>
-        <p:cxnSp>
-          <p:nvCxnSpPr>
-            <p:cNvPr id="39" name="直線矢印コネクタ 38"/>
-            <p:cNvCxnSpPr>
-              <a:stCxn id="40" idx="5"/>
-              <a:endCxn id="19" idx="1"/>
-            </p:cNvCxnSpPr>
-            <p:nvPr/>
-          </p:nvCxnSpPr>
-          <p:spPr>
-            <a:xfrm>
-              <a:off x="4969721" y="4939076"/>
-              <a:ext cx="710852" cy="490268"/>
-            </a:xfrm>
-            <a:prstGeom prst="straightConnector1">
-              <a:avLst/>
-            </a:prstGeom>
-            <a:ln w="19050">
-              <a:solidFill>
-                <a:schemeClr val="tx1"/>
-              </a:solidFill>
-              <a:tailEnd type="triangle"/>
-            </a:ln>
-          </p:spPr>
-          <p:style>
-            <a:lnRef idx="1">
-              <a:schemeClr val="accent1"/>
-            </a:lnRef>
-            <a:fillRef idx="0">
-              <a:schemeClr val="accent1"/>
-            </a:fillRef>
-            <a:effectRef idx="0">
-              <a:schemeClr val="accent1"/>
-            </a:effectRef>
-            <a:fontRef idx="minor">
-              <a:schemeClr val="tx1"/>
-            </a:fontRef>
-          </p:style>
-        </p:cxnSp>
-        <p:cxnSp>
-          <p:nvCxnSpPr>
-            <p:cNvPr id="40" name="直線矢印コネクタ 39"/>
-            <p:cNvCxnSpPr>
-              <a:stCxn id="39" idx="3"/>
-              <a:endCxn id="19" idx="7"/>
-            </p:cNvCxnSpPr>
-            <p:nvPr/>
-          </p:nvCxnSpPr>
-          <p:spPr>
-            <a:xfrm flipH="1">
-              <a:off x="5962987" y="4939076"/>
-              <a:ext cx="626413" cy="490268"/>
-            </a:xfrm>
-            <a:prstGeom prst="straightConnector1">
-              <a:avLst/>
-            </a:prstGeom>
-            <a:ln w="19050">
-              <a:solidFill>
-                <a:schemeClr val="tx1"/>
-              </a:solidFill>
-              <a:tailEnd type="triangle"/>
-            </a:ln>
-          </p:spPr>
-          <p:style>
-            <a:lnRef idx="1">
-              <a:schemeClr val="accent1"/>
-            </a:lnRef>
-            <a:fillRef idx="0">
-              <a:schemeClr val="accent1"/>
-            </a:fillRef>
-            <a:effectRef idx="0">
-              <a:schemeClr val="accent1"/>
-            </a:effectRef>
-            <a:fontRef idx="minor">
-              <a:schemeClr val="tx1"/>
-            </a:fontRef>
-          </p:style>
-        </p:cxnSp>
-      </p:grpSp>
-      <p:grpSp>
-        <p:nvGrpSpPr>
-          <p:cNvPr id="41" name="図形グループ 40"/>
-          <p:cNvGrpSpPr/>
-          <p:nvPr/>
-        </p:nvGrpSpPr>
-        <p:grpSpPr>
-          <a:xfrm>
-            <a:off x="3987861" y="1146659"/>
-            <a:ext cx="3799868" cy="3614729"/>
-            <a:chOff x="3541057" y="329066"/>
-            <a:chExt cx="4231964" cy="4025772"/>
-          </a:xfrm>
-        </p:grpSpPr>
-        <p:sp>
-          <p:nvSpPr>
-            <p:cNvPr id="42" name="円/楕円 41"/>
-            <p:cNvSpPr/>
-            <p:nvPr/>
-          </p:nvSpPr>
-          <p:spPr>
-            <a:xfrm>
-              <a:off x="5441576" y="329066"/>
-              <a:ext cx="430925" cy="430925"/>
-            </a:xfrm>
-            <a:prstGeom prst="ellipse">
-              <a:avLst/>
-            </a:prstGeom>
-            <a:noFill/>
-            <a:ln w="19050">
-              <a:solidFill>
-                <a:schemeClr val="tx1"/>
-              </a:solidFill>
-            </a:ln>
-          </p:spPr>
-          <p:style>
-            <a:lnRef idx="2">
-              <a:schemeClr val="accent1">
-                <a:shade val="50000"/>
-              </a:schemeClr>
-            </a:lnRef>
-            <a:fillRef idx="1">
-              <a:schemeClr val="accent1"/>
-            </a:fillRef>
-            <a:effectRef idx="0">
-              <a:schemeClr val="accent1"/>
-            </a:effectRef>
-            <a:fontRef idx="minor">
-              <a:schemeClr val="lt1"/>
-            </a:fontRef>
-          </p:style>
-          <p:txBody>
-            <a:bodyPr rtlCol="0" anchor="ctr"/>
-            <a:lstStyle/>
-            <a:p>
-              <a:pPr algn="ctr"/>
-              <a:r>
-                <a:rPr lang="en-US" altLang="ja-JP" i="1" dirty="0" smtClean="0">
+                </a:endParaRPr>
+              </a:p>
+            </p:txBody>
+          </p:sp>
+          <p:sp>
+            <p:nvSpPr>
+              <p:cNvPr id="7" name="円/楕円 6"/>
+              <p:cNvSpPr/>
+              <p:nvPr/>
+            </p:nvSpPr>
+            <p:spPr>
+              <a:xfrm>
+                <a:off x="4628817" y="945740"/>
+                <a:ext cx="399394" cy="399394"/>
+              </a:xfrm>
+              <a:prstGeom prst="ellipse">
+                <a:avLst/>
+              </a:prstGeom>
+              <a:noFill/>
+              <a:ln w="19050">
+                <a:solidFill>
+                  <a:schemeClr val="tx1"/>
+                </a:solidFill>
+              </a:ln>
+            </p:spPr>
+            <p:style>
+              <a:lnRef idx="2">
+                <a:schemeClr val="accent1">
+                  <a:shade val="50000"/>
+                </a:schemeClr>
+              </a:lnRef>
+              <a:fillRef idx="1">
+                <a:schemeClr val="accent1"/>
+              </a:fillRef>
+              <a:effectRef idx="0">
+                <a:schemeClr val="accent1"/>
+              </a:effectRef>
+              <a:fontRef idx="minor">
+                <a:schemeClr val="lt1"/>
+              </a:fontRef>
+            </p:style>
+            <p:txBody>
+              <a:bodyPr rtlCol="0" anchor="ctr"/>
+              <a:lstStyle/>
+              <a:p>
+                <a:pPr algn="ctr"/>
+                <a:endParaRPr kumimoji="1" lang="ja-JP" altLang="en-US" i="1" dirty="0">
                   <a:solidFill>
                     <a:schemeClr val="tx1"/>
                   </a:solidFill>
-                </a:rPr>
-                <a:t>s</a:t>
-              </a:r>
-              <a:endParaRPr kumimoji="1" lang="ja-JP" altLang="en-US" i="1" dirty="0">
-                <a:solidFill>
-                  <a:schemeClr val="tx1"/>
-                </a:solidFill>
-              </a:endParaRPr>
-            </a:p>
-          </p:txBody>
-        </p:sp>
-        <p:sp>
-          <p:nvSpPr>
-            <p:cNvPr id="43" name="円/楕円 42"/>
-            <p:cNvSpPr/>
-            <p:nvPr/>
-          </p:nvSpPr>
-          <p:spPr>
-            <a:xfrm>
-              <a:off x="5441576" y="3923913"/>
-              <a:ext cx="430925" cy="430925"/>
-            </a:xfrm>
-            <a:prstGeom prst="ellipse">
-              <a:avLst/>
-            </a:prstGeom>
-            <a:noFill/>
-            <a:ln w="19050">
-              <a:solidFill>
-                <a:schemeClr val="tx1"/>
-              </a:solidFill>
-            </a:ln>
-          </p:spPr>
-          <p:style>
-            <a:lnRef idx="2">
-              <a:schemeClr val="accent1">
-                <a:shade val="50000"/>
-              </a:schemeClr>
-            </a:lnRef>
-            <a:fillRef idx="1">
-              <a:schemeClr val="accent1"/>
-            </a:fillRef>
-            <a:effectRef idx="0">
-              <a:schemeClr val="accent1"/>
-            </a:effectRef>
-            <a:fontRef idx="minor">
-              <a:schemeClr val="lt1"/>
-            </a:fontRef>
-          </p:style>
-          <p:txBody>
-            <a:bodyPr rtlCol="0" anchor="ctr"/>
-            <a:lstStyle/>
-            <a:p>
-              <a:pPr algn="ctr"/>
-              <a:r>
-                <a:rPr lang="en-US" altLang="ja-JP" i="1" dirty="0">
+                </a:endParaRPr>
+              </a:p>
+            </p:txBody>
+          </p:sp>
+          <p:sp>
+            <p:nvSpPr>
+              <p:cNvPr id="8" name="円/楕円 7"/>
+              <p:cNvSpPr/>
+              <p:nvPr/>
+            </p:nvSpPr>
+            <p:spPr>
+              <a:xfrm>
+                <a:off x="6523169" y="946921"/>
+                <a:ext cx="399394" cy="399394"/>
+              </a:xfrm>
+              <a:prstGeom prst="ellipse">
+                <a:avLst/>
+              </a:prstGeom>
+              <a:noFill/>
+              <a:ln w="19050">
+                <a:solidFill>
+                  <a:schemeClr val="tx1"/>
+                </a:solidFill>
+              </a:ln>
+            </p:spPr>
+            <p:style>
+              <a:lnRef idx="2">
+                <a:schemeClr val="accent1">
+                  <a:shade val="50000"/>
+                </a:schemeClr>
+              </a:lnRef>
+              <a:fillRef idx="1">
+                <a:schemeClr val="accent1"/>
+              </a:fillRef>
+              <a:effectRef idx="0">
+                <a:schemeClr val="accent1"/>
+              </a:effectRef>
+              <a:fontRef idx="minor">
+                <a:schemeClr val="lt1"/>
+              </a:fontRef>
+            </p:style>
+            <p:txBody>
+              <a:bodyPr rtlCol="0" anchor="ctr"/>
+              <a:lstStyle/>
+              <a:p>
+                <a:pPr algn="ctr"/>
+                <a:endParaRPr kumimoji="1" lang="ja-JP" altLang="en-US" i="1" dirty="0">
                   <a:solidFill>
                     <a:schemeClr val="tx1"/>
                   </a:solidFill>
-                </a:rPr>
-                <a:t>g</a:t>
-              </a:r>
-              <a:endParaRPr kumimoji="1" lang="ja-JP" altLang="en-US" i="1" dirty="0">
-                <a:solidFill>
-                  <a:schemeClr val="tx1"/>
-                </a:solidFill>
-              </a:endParaRPr>
-            </a:p>
-          </p:txBody>
-        </p:sp>
-        <p:sp>
-          <p:nvSpPr>
-            <p:cNvPr id="44" name="円/楕円 43"/>
-            <p:cNvSpPr/>
-            <p:nvPr/>
-          </p:nvSpPr>
-          <p:spPr>
-            <a:xfrm>
-              <a:off x="4491317" y="969688"/>
-              <a:ext cx="430925" cy="430925"/>
-            </a:xfrm>
-            <a:prstGeom prst="ellipse">
-              <a:avLst/>
-            </a:prstGeom>
-            <a:noFill/>
-            <a:ln w="19050">
-              <a:solidFill>
-                <a:schemeClr val="tx1"/>
-              </a:solidFill>
-            </a:ln>
-          </p:spPr>
-          <p:style>
-            <a:lnRef idx="2">
-              <a:schemeClr val="accent1">
-                <a:shade val="50000"/>
-              </a:schemeClr>
-            </a:lnRef>
-            <a:fillRef idx="1">
-              <a:schemeClr val="accent1"/>
-            </a:fillRef>
-            <a:effectRef idx="0">
-              <a:schemeClr val="accent1"/>
-            </a:effectRef>
-            <a:fontRef idx="minor">
-              <a:schemeClr val="lt1"/>
-            </a:fontRef>
-          </p:style>
-          <p:txBody>
-            <a:bodyPr rtlCol="0" anchor="ctr"/>
-            <a:lstStyle/>
-            <a:p>
-              <a:pPr algn="ctr"/>
-              <a:endParaRPr kumimoji="1" lang="ja-JP" altLang="en-US" i="1" dirty="0">
-                <a:solidFill>
-                  <a:schemeClr val="tx1"/>
-                </a:solidFill>
-              </a:endParaRPr>
-            </a:p>
-          </p:txBody>
-        </p:sp>
-        <p:sp>
-          <p:nvSpPr>
-            <p:cNvPr id="45" name="円/楕円 44"/>
-            <p:cNvSpPr/>
-            <p:nvPr/>
-          </p:nvSpPr>
-          <p:spPr>
-            <a:xfrm>
-              <a:off x="6391835" y="969687"/>
-              <a:ext cx="430925" cy="430925"/>
-            </a:xfrm>
-            <a:prstGeom prst="ellipse">
-              <a:avLst/>
-            </a:prstGeom>
-            <a:noFill/>
-            <a:ln w="19050">
-              <a:solidFill>
-                <a:schemeClr val="tx1"/>
-              </a:solidFill>
-            </a:ln>
-          </p:spPr>
-          <p:style>
-            <a:lnRef idx="2">
-              <a:schemeClr val="accent1">
-                <a:shade val="50000"/>
-              </a:schemeClr>
-            </a:lnRef>
-            <a:fillRef idx="1">
-              <a:schemeClr val="accent1"/>
-            </a:fillRef>
-            <a:effectRef idx="0">
-              <a:schemeClr val="accent1"/>
-            </a:effectRef>
-            <a:fontRef idx="minor">
-              <a:schemeClr val="lt1"/>
-            </a:fontRef>
-          </p:style>
-          <p:txBody>
-            <a:bodyPr rtlCol="0" anchor="ctr"/>
-            <a:lstStyle/>
-            <a:p>
-              <a:pPr algn="ctr"/>
-              <a:endParaRPr kumimoji="1" lang="ja-JP" altLang="en-US" i="1" dirty="0">
-                <a:solidFill>
-                  <a:schemeClr val="tx1"/>
-                </a:solidFill>
-              </a:endParaRPr>
-            </a:p>
-          </p:txBody>
-        </p:sp>
-        <p:sp>
-          <p:nvSpPr>
-            <p:cNvPr id="46" name="円/楕円 45"/>
-            <p:cNvSpPr/>
-            <p:nvPr/>
-          </p:nvSpPr>
-          <p:spPr>
-            <a:xfrm>
-              <a:off x="5441576" y="2078727"/>
-              <a:ext cx="430925" cy="430925"/>
-            </a:xfrm>
-            <a:prstGeom prst="ellipse">
-              <a:avLst/>
-            </a:prstGeom>
-            <a:noFill/>
-            <a:ln w="19050">
-              <a:solidFill>
-                <a:schemeClr val="tx1"/>
-              </a:solidFill>
-            </a:ln>
-          </p:spPr>
-          <p:style>
-            <a:lnRef idx="2">
-              <a:schemeClr val="accent1">
-                <a:shade val="50000"/>
-              </a:schemeClr>
-            </a:lnRef>
-            <a:fillRef idx="1">
-              <a:schemeClr val="accent1"/>
-            </a:fillRef>
-            <a:effectRef idx="0">
-              <a:schemeClr val="accent1"/>
-            </a:effectRef>
-            <a:fontRef idx="minor">
-              <a:schemeClr val="lt1"/>
-            </a:fontRef>
-          </p:style>
-          <p:txBody>
-            <a:bodyPr rtlCol="0" anchor="ctr"/>
-            <a:lstStyle/>
-            <a:p>
-              <a:pPr algn="ctr"/>
-              <a:endParaRPr kumimoji="1" lang="ja-JP" altLang="en-US" i="1" dirty="0">
-                <a:solidFill>
-                  <a:schemeClr val="tx1"/>
-                </a:solidFill>
-              </a:endParaRPr>
-            </a:p>
-          </p:txBody>
-        </p:sp>
-        <p:sp>
-          <p:nvSpPr>
-            <p:cNvPr id="47" name="円/楕円 46"/>
-            <p:cNvSpPr/>
-            <p:nvPr/>
-          </p:nvSpPr>
-          <p:spPr>
-            <a:xfrm>
-              <a:off x="4491317" y="2078726"/>
-              <a:ext cx="430925" cy="430925"/>
-            </a:xfrm>
-            <a:prstGeom prst="ellipse">
-              <a:avLst/>
-            </a:prstGeom>
-            <a:noFill/>
-            <a:ln w="19050">
-              <a:solidFill>
-                <a:schemeClr val="tx1"/>
-              </a:solidFill>
-            </a:ln>
-          </p:spPr>
-          <p:style>
-            <a:lnRef idx="2">
-              <a:schemeClr val="accent1">
-                <a:shade val="50000"/>
-              </a:schemeClr>
-            </a:lnRef>
-            <a:fillRef idx="1">
-              <a:schemeClr val="accent1"/>
-            </a:fillRef>
-            <a:effectRef idx="0">
-              <a:schemeClr val="accent1"/>
-            </a:effectRef>
-            <a:fontRef idx="minor">
-              <a:schemeClr val="lt1"/>
-            </a:fontRef>
-          </p:style>
-          <p:txBody>
-            <a:bodyPr rtlCol="0" anchor="ctr"/>
-            <a:lstStyle/>
-            <a:p>
-              <a:pPr algn="ctr"/>
-              <a:endParaRPr kumimoji="1" lang="ja-JP" altLang="en-US" i="1" dirty="0">
-                <a:solidFill>
-                  <a:schemeClr val="tx1"/>
-                </a:solidFill>
-              </a:endParaRPr>
-            </a:p>
-          </p:txBody>
-        </p:sp>
-        <p:sp>
-          <p:nvSpPr>
-            <p:cNvPr id="48" name="円/楕円 47"/>
-            <p:cNvSpPr/>
-            <p:nvPr/>
-          </p:nvSpPr>
-          <p:spPr>
-            <a:xfrm>
-              <a:off x="6391836" y="2078726"/>
-              <a:ext cx="430925" cy="430925"/>
-            </a:xfrm>
-            <a:prstGeom prst="ellipse">
-              <a:avLst/>
-            </a:prstGeom>
-            <a:noFill/>
-            <a:ln w="19050">
-              <a:solidFill>
-                <a:schemeClr val="tx1"/>
-              </a:solidFill>
-            </a:ln>
-          </p:spPr>
-          <p:style>
-            <a:lnRef idx="2">
-              <a:schemeClr val="accent1">
-                <a:shade val="50000"/>
-              </a:schemeClr>
-            </a:lnRef>
-            <a:fillRef idx="1">
-              <a:schemeClr val="accent1"/>
-            </a:fillRef>
-            <a:effectRef idx="0">
-              <a:schemeClr val="accent1"/>
-            </a:effectRef>
-            <a:fontRef idx="minor">
-              <a:schemeClr val="lt1"/>
-            </a:fontRef>
-          </p:style>
-          <p:txBody>
-            <a:bodyPr rtlCol="0" anchor="ctr"/>
-            <a:lstStyle/>
-            <a:p>
-              <a:pPr algn="ctr"/>
-              <a:endParaRPr kumimoji="1" lang="ja-JP" altLang="en-US" i="1" dirty="0">
-                <a:solidFill>
-                  <a:schemeClr val="tx1"/>
-                </a:solidFill>
-              </a:endParaRPr>
-            </a:p>
-          </p:txBody>
-        </p:sp>
-        <p:sp>
-          <p:nvSpPr>
-            <p:cNvPr id="49" name="円/楕円 48"/>
-            <p:cNvSpPr/>
-            <p:nvPr/>
-          </p:nvSpPr>
-          <p:spPr>
-            <a:xfrm>
-              <a:off x="3541057" y="2078725"/>
-              <a:ext cx="430925" cy="430925"/>
-            </a:xfrm>
-            <a:prstGeom prst="ellipse">
-              <a:avLst/>
-            </a:prstGeom>
-            <a:noFill/>
-            <a:ln w="19050">
-              <a:solidFill>
-                <a:schemeClr val="tx1"/>
-              </a:solidFill>
-            </a:ln>
-          </p:spPr>
-          <p:style>
-            <a:lnRef idx="2">
-              <a:schemeClr val="accent1">
-                <a:shade val="50000"/>
-              </a:schemeClr>
-            </a:lnRef>
-            <a:fillRef idx="1">
-              <a:schemeClr val="accent1"/>
-            </a:fillRef>
-            <a:effectRef idx="0">
-              <a:schemeClr val="accent1"/>
-            </a:effectRef>
-            <a:fontRef idx="minor">
-              <a:schemeClr val="lt1"/>
-            </a:fontRef>
-          </p:style>
-          <p:txBody>
-            <a:bodyPr rtlCol="0" anchor="ctr"/>
-            <a:lstStyle/>
-            <a:p>
-              <a:pPr algn="ctr"/>
-              <a:endParaRPr kumimoji="1" lang="ja-JP" altLang="en-US" i="1" dirty="0">
-                <a:solidFill>
-                  <a:schemeClr val="tx1"/>
-                </a:solidFill>
-              </a:endParaRPr>
-            </a:p>
-          </p:txBody>
-        </p:sp>
-        <p:sp>
-          <p:nvSpPr>
-            <p:cNvPr id="50" name="円/楕円 49"/>
-            <p:cNvSpPr/>
-            <p:nvPr/>
-          </p:nvSpPr>
-          <p:spPr>
-            <a:xfrm>
-              <a:off x="7342096" y="2078726"/>
-              <a:ext cx="430925" cy="430925"/>
-            </a:xfrm>
-            <a:prstGeom prst="ellipse">
-              <a:avLst/>
-            </a:prstGeom>
-            <a:noFill/>
-            <a:ln w="19050">
-              <a:solidFill>
-                <a:schemeClr val="tx1"/>
-              </a:solidFill>
-            </a:ln>
-          </p:spPr>
-          <p:style>
-            <a:lnRef idx="2">
-              <a:schemeClr val="accent1">
-                <a:shade val="50000"/>
-              </a:schemeClr>
-            </a:lnRef>
-            <a:fillRef idx="1">
-              <a:schemeClr val="accent1"/>
-            </a:fillRef>
-            <a:effectRef idx="0">
-              <a:schemeClr val="accent1"/>
-            </a:effectRef>
-            <a:fontRef idx="minor">
-              <a:schemeClr val="lt1"/>
-            </a:fontRef>
-          </p:style>
-          <p:txBody>
-            <a:bodyPr rtlCol="0" anchor="ctr"/>
-            <a:lstStyle/>
-            <a:p>
-              <a:pPr algn="ctr"/>
-              <a:endParaRPr kumimoji="1" lang="ja-JP" altLang="en-US" i="1" dirty="0">
-                <a:solidFill>
-                  <a:schemeClr val="tx1"/>
-                </a:solidFill>
-              </a:endParaRPr>
-            </a:p>
-          </p:txBody>
-        </p:sp>
-        <p:sp>
-          <p:nvSpPr>
-            <p:cNvPr id="51" name="円/楕円 50"/>
-            <p:cNvSpPr/>
-            <p:nvPr/>
-          </p:nvSpPr>
-          <p:spPr>
-            <a:xfrm>
-              <a:off x="4491317" y="3011275"/>
-              <a:ext cx="430925" cy="430925"/>
-            </a:xfrm>
-            <a:prstGeom prst="ellipse">
-              <a:avLst/>
-            </a:prstGeom>
-            <a:noFill/>
-            <a:ln w="19050">
-              <a:solidFill>
-                <a:schemeClr val="tx1"/>
-              </a:solidFill>
-            </a:ln>
-          </p:spPr>
-          <p:style>
-            <a:lnRef idx="2">
-              <a:schemeClr val="accent1">
-                <a:shade val="50000"/>
-              </a:schemeClr>
-            </a:lnRef>
-            <a:fillRef idx="1">
-              <a:schemeClr val="accent1"/>
-            </a:fillRef>
-            <a:effectRef idx="0">
-              <a:schemeClr val="accent1"/>
-            </a:effectRef>
-            <a:fontRef idx="minor">
-              <a:schemeClr val="lt1"/>
-            </a:fontRef>
-          </p:style>
-          <p:txBody>
-            <a:bodyPr rtlCol="0" anchor="ctr"/>
-            <a:lstStyle/>
-            <a:p>
-              <a:pPr algn="ctr"/>
-              <a:endParaRPr kumimoji="1" lang="ja-JP" altLang="en-US" i="1" dirty="0">
-                <a:solidFill>
-                  <a:schemeClr val="tx1"/>
-                </a:solidFill>
-              </a:endParaRPr>
-            </a:p>
-          </p:txBody>
-        </p:sp>
-        <p:sp>
-          <p:nvSpPr>
-            <p:cNvPr id="52" name="円/楕円 51"/>
-            <p:cNvSpPr/>
-            <p:nvPr/>
-          </p:nvSpPr>
-          <p:spPr>
-            <a:xfrm>
-              <a:off x="6396936" y="3011275"/>
-              <a:ext cx="430925" cy="430925"/>
-            </a:xfrm>
-            <a:prstGeom prst="ellipse">
-              <a:avLst/>
-            </a:prstGeom>
-            <a:noFill/>
-            <a:ln w="19050">
-              <a:solidFill>
-                <a:schemeClr val="tx1"/>
-              </a:solidFill>
-            </a:ln>
-          </p:spPr>
-          <p:style>
-            <a:lnRef idx="2">
-              <a:schemeClr val="accent1">
-                <a:shade val="50000"/>
-              </a:schemeClr>
-            </a:lnRef>
-            <a:fillRef idx="1">
-              <a:schemeClr val="accent1"/>
-            </a:fillRef>
-            <a:effectRef idx="0">
-              <a:schemeClr val="accent1"/>
-            </a:effectRef>
-            <a:fontRef idx="minor">
-              <a:schemeClr val="lt1"/>
-            </a:fontRef>
-          </p:style>
-          <p:txBody>
-            <a:bodyPr rtlCol="0" anchor="ctr"/>
-            <a:lstStyle/>
-            <a:p>
-              <a:pPr algn="ctr"/>
-              <a:endParaRPr kumimoji="1" lang="ja-JP" altLang="en-US" i="1" dirty="0">
-                <a:solidFill>
-                  <a:schemeClr val="tx1"/>
-                </a:solidFill>
-              </a:endParaRPr>
-            </a:p>
-          </p:txBody>
-        </p:sp>
-        <p:sp>
-          <p:nvSpPr>
-            <p:cNvPr id="53" name="円/楕円 52"/>
-            <p:cNvSpPr/>
-            <p:nvPr/>
-          </p:nvSpPr>
-          <p:spPr>
-            <a:xfrm>
-              <a:off x="3541057" y="3923911"/>
-              <a:ext cx="430925" cy="430925"/>
-            </a:xfrm>
-            <a:prstGeom prst="ellipse">
-              <a:avLst/>
-            </a:prstGeom>
-            <a:noFill/>
-            <a:ln w="19050">
-              <a:solidFill>
-                <a:schemeClr val="tx1"/>
-              </a:solidFill>
-            </a:ln>
-          </p:spPr>
-          <p:style>
-            <a:lnRef idx="2">
-              <a:schemeClr val="accent1">
-                <a:shade val="50000"/>
-              </a:schemeClr>
-            </a:lnRef>
-            <a:fillRef idx="1">
-              <a:schemeClr val="accent1"/>
-            </a:fillRef>
-            <a:effectRef idx="0">
-              <a:schemeClr val="accent1"/>
-            </a:effectRef>
-            <a:fontRef idx="minor">
-              <a:schemeClr val="lt1"/>
-            </a:fontRef>
-          </p:style>
-          <p:txBody>
-            <a:bodyPr rtlCol="0" anchor="ctr"/>
-            <a:lstStyle/>
-            <a:p>
-              <a:pPr algn="ctr"/>
-              <a:endParaRPr kumimoji="1" lang="ja-JP" altLang="en-US" i="1" dirty="0">
-                <a:solidFill>
-                  <a:schemeClr val="tx1"/>
-                </a:solidFill>
-              </a:endParaRPr>
-            </a:p>
-          </p:txBody>
-        </p:sp>
-        <p:sp>
-          <p:nvSpPr>
-            <p:cNvPr id="54" name="円/楕円 53"/>
-            <p:cNvSpPr/>
-            <p:nvPr/>
-          </p:nvSpPr>
-          <p:spPr>
-            <a:xfrm>
-              <a:off x="7342095" y="3923912"/>
-              <a:ext cx="430925" cy="430925"/>
-            </a:xfrm>
-            <a:prstGeom prst="ellipse">
-              <a:avLst/>
-            </a:prstGeom>
-            <a:noFill/>
-            <a:ln w="19050">
-              <a:solidFill>
-                <a:schemeClr val="tx1"/>
-              </a:solidFill>
-            </a:ln>
-          </p:spPr>
-          <p:style>
-            <a:lnRef idx="2">
-              <a:schemeClr val="accent1">
-                <a:shade val="50000"/>
-              </a:schemeClr>
-            </a:lnRef>
-            <a:fillRef idx="1">
-              <a:schemeClr val="accent1"/>
-            </a:fillRef>
-            <a:effectRef idx="0">
-              <a:schemeClr val="accent1"/>
-            </a:effectRef>
-            <a:fontRef idx="minor">
-              <a:schemeClr val="lt1"/>
-            </a:fontRef>
-          </p:style>
-          <p:txBody>
-            <a:bodyPr rtlCol="0" anchor="ctr"/>
-            <a:lstStyle/>
-            <a:p>
-              <a:pPr algn="ctr"/>
-              <a:endParaRPr kumimoji="1" lang="ja-JP" altLang="en-US" i="1" dirty="0">
-                <a:solidFill>
-                  <a:schemeClr val="tx1"/>
-                </a:solidFill>
-              </a:endParaRPr>
-            </a:p>
-          </p:txBody>
-        </p:sp>
-        <p:cxnSp>
-          <p:nvCxnSpPr>
-            <p:cNvPr id="55" name="直線矢印コネクタ 54"/>
-            <p:cNvCxnSpPr>
-              <a:stCxn id="43" idx="3"/>
-              <a:endCxn id="45" idx="7"/>
-            </p:cNvCxnSpPr>
-            <p:nvPr/>
-          </p:nvCxnSpPr>
-          <p:spPr>
-            <a:xfrm flipH="1">
-              <a:off x="4859134" y="696883"/>
-              <a:ext cx="645550" cy="335913"/>
-            </a:xfrm>
-            <a:prstGeom prst="straightConnector1">
-              <a:avLst/>
-            </a:prstGeom>
-            <a:ln w="19050">
-              <a:solidFill>
-                <a:schemeClr val="tx1"/>
-              </a:solidFill>
-              <a:tailEnd type="triangle"/>
-            </a:ln>
-          </p:spPr>
-          <p:style>
-            <a:lnRef idx="1">
-              <a:schemeClr val="accent1"/>
-            </a:lnRef>
-            <a:fillRef idx="0">
-              <a:schemeClr val="accent1"/>
-            </a:fillRef>
-            <a:effectRef idx="0">
-              <a:schemeClr val="accent1"/>
-            </a:effectRef>
-            <a:fontRef idx="minor">
-              <a:schemeClr val="tx1"/>
-            </a:fontRef>
-          </p:style>
-        </p:cxnSp>
-        <p:cxnSp>
-          <p:nvCxnSpPr>
-            <p:cNvPr id="56" name="直線矢印コネクタ 55"/>
-            <p:cNvCxnSpPr>
-              <a:stCxn id="43" idx="5"/>
-              <a:endCxn id="46" idx="1"/>
-            </p:cNvCxnSpPr>
-            <p:nvPr/>
-          </p:nvCxnSpPr>
-          <p:spPr>
-            <a:xfrm>
-              <a:off x="5809393" y="696883"/>
-              <a:ext cx="645550" cy="335912"/>
-            </a:xfrm>
-            <a:prstGeom prst="straightConnector1">
-              <a:avLst/>
-            </a:prstGeom>
-            <a:ln w="19050">
-              <a:solidFill>
-                <a:schemeClr val="tx1"/>
-              </a:solidFill>
-              <a:tailEnd type="triangle"/>
-            </a:ln>
-          </p:spPr>
-          <p:style>
-            <a:lnRef idx="1">
-              <a:schemeClr val="accent1"/>
-            </a:lnRef>
-            <a:fillRef idx="0">
-              <a:schemeClr val="accent1"/>
-            </a:fillRef>
-            <a:effectRef idx="0">
-              <a:schemeClr val="accent1"/>
-            </a:effectRef>
-            <a:fontRef idx="minor">
-              <a:schemeClr val="tx1"/>
-            </a:fontRef>
-          </p:style>
-        </p:cxnSp>
-        <p:cxnSp>
-          <p:nvCxnSpPr>
-            <p:cNvPr id="57" name="直線矢印コネクタ 56"/>
-            <p:cNvCxnSpPr>
-              <a:stCxn id="43" idx="4"/>
-              <a:endCxn id="47" idx="0"/>
-            </p:cNvCxnSpPr>
-            <p:nvPr/>
-          </p:nvCxnSpPr>
-          <p:spPr>
-            <a:xfrm>
-              <a:off x="5657039" y="759991"/>
-              <a:ext cx="0" cy="1318736"/>
-            </a:xfrm>
-            <a:prstGeom prst="straightConnector1">
-              <a:avLst/>
-            </a:prstGeom>
-            <a:ln w="19050">
-              <a:solidFill>
-                <a:schemeClr val="tx1"/>
-              </a:solidFill>
-              <a:tailEnd type="triangle"/>
-            </a:ln>
-          </p:spPr>
-          <p:style>
-            <a:lnRef idx="1">
-              <a:schemeClr val="accent1"/>
-            </a:lnRef>
-            <a:fillRef idx="0">
-              <a:schemeClr val="accent1"/>
-            </a:fillRef>
-            <a:effectRef idx="0">
-              <a:schemeClr val="accent1"/>
-            </a:effectRef>
-            <a:fontRef idx="minor">
-              <a:schemeClr val="tx1"/>
-            </a:fontRef>
-          </p:style>
-        </p:cxnSp>
-        <p:cxnSp>
-          <p:nvCxnSpPr>
-            <p:cNvPr id="58" name="直線矢印コネクタ 57"/>
-            <p:cNvCxnSpPr>
-              <a:stCxn id="45" idx="3"/>
-              <a:endCxn id="50" idx="7"/>
-            </p:cNvCxnSpPr>
-            <p:nvPr/>
-          </p:nvCxnSpPr>
-          <p:spPr>
-            <a:xfrm flipH="1">
-              <a:off x="3908874" y="1337505"/>
-              <a:ext cx="645551" cy="804328"/>
-            </a:xfrm>
-            <a:prstGeom prst="straightConnector1">
-              <a:avLst/>
-            </a:prstGeom>
-            <a:ln w="19050">
-              <a:solidFill>
-                <a:schemeClr val="tx1"/>
-              </a:solidFill>
-              <a:tailEnd type="triangle"/>
-            </a:ln>
-          </p:spPr>
-          <p:style>
-            <a:lnRef idx="1">
-              <a:schemeClr val="accent1"/>
-            </a:lnRef>
-            <a:fillRef idx="0">
-              <a:schemeClr val="accent1"/>
-            </a:fillRef>
-            <a:effectRef idx="0">
-              <a:schemeClr val="accent1"/>
-            </a:effectRef>
-            <a:fontRef idx="minor">
-              <a:schemeClr val="tx1"/>
-            </a:fontRef>
-          </p:style>
-        </p:cxnSp>
-        <p:cxnSp>
-          <p:nvCxnSpPr>
-            <p:cNvPr id="59" name="直線矢印コネクタ 58"/>
-            <p:cNvCxnSpPr>
-              <a:stCxn id="45" idx="4"/>
-              <a:endCxn id="48" idx="0"/>
-            </p:cNvCxnSpPr>
-            <p:nvPr/>
-          </p:nvCxnSpPr>
-          <p:spPr>
-            <a:xfrm>
-              <a:off x="4706780" y="1400613"/>
-              <a:ext cx="0" cy="678113"/>
-            </a:xfrm>
-            <a:prstGeom prst="straightConnector1">
-              <a:avLst/>
-            </a:prstGeom>
-            <a:ln w="19050">
-              <a:solidFill>
-                <a:schemeClr val="tx1"/>
-              </a:solidFill>
-              <a:tailEnd type="triangle"/>
-            </a:ln>
-          </p:spPr>
-          <p:style>
-            <a:lnRef idx="1">
-              <a:schemeClr val="accent1"/>
-            </a:lnRef>
-            <a:fillRef idx="0">
-              <a:schemeClr val="accent1"/>
-            </a:fillRef>
-            <a:effectRef idx="0">
-              <a:schemeClr val="accent1"/>
-            </a:effectRef>
-            <a:fontRef idx="minor">
-              <a:schemeClr val="tx1"/>
-            </a:fontRef>
-          </p:style>
-        </p:cxnSp>
-        <p:cxnSp>
-          <p:nvCxnSpPr>
-            <p:cNvPr id="60" name="直線矢印コネクタ 59"/>
-            <p:cNvCxnSpPr>
-              <a:stCxn id="45" idx="5"/>
-              <a:endCxn id="47" idx="1"/>
-            </p:cNvCxnSpPr>
-            <p:nvPr/>
-          </p:nvCxnSpPr>
-          <p:spPr>
-            <a:xfrm>
-              <a:off x="4859134" y="1337505"/>
-              <a:ext cx="645550" cy="804330"/>
-            </a:xfrm>
-            <a:prstGeom prst="straightConnector1">
-              <a:avLst/>
-            </a:prstGeom>
-            <a:ln w="19050">
-              <a:solidFill>
-                <a:schemeClr val="tx1"/>
-              </a:solidFill>
-              <a:tailEnd type="triangle"/>
-            </a:ln>
-          </p:spPr>
-          <p:style>
-            <a:lnRef idx="1">
-              <a:schemeClr val="accent1"/>
-            </a:lnRef>
-            <a:fillRef idx="0">
-              <a:schemeClr val="accent1"/>
-            </a:fillRef>
-            <a:effectRef idx="0">
-              <a:schemeClr val="accent1"/>
-            </a:effectRef>
-            <a:fontRef idx="minor">
-              <a:schemeClr val="tx1"/>
-            </a:fontRef>
-          </p:style>
-        </p:cxnSp>
-        <p:cxnSp>
-          <p:nvCxnSpPr>
-            <p:cNvPr id="61" name="直線矢印コネクタ 60"/>
-            <p:cNvCxnSpPr>
-              <a:stCxn id="46" idx="3"/>
-              <a:endCxn id="47" idx="7"/>
-            </p:cNvCxnSpPr>
-            <p:nvPr/>
-          </p:nvCxnSpPr>
-          <p:spPr>
-            <a:xfrm flipH="1">
-              <a:off x="5809393" y="1337504"/>
-              <a:ext cx="645550" cy="804331"/>
-            </a:xfrm>
-            <a:prstGeom prst="straightConnector1">
-              <a:avLst/>
-            </a:prstGeom>
-            <a:ln w="19050">
-              <a:solidFill>
-                <a:schemeClr val="tx1"/>
-              </a:solidFill>
-              <a:tailEnd type="triangle"/>
-            </a:ln>
-          </p:spPr>
-          <p:style>
-            <a:lnRef idx="1">
-              <a:schemeClr val="accent1"/>
-            </a:lnRef>
-            <a:fillRef idx="0">
-              <a:schemeClr val="accent1"/>
-            </a:fillRef>
-            <a:effectRef idx="0">
-              <a:schemeClr val="accent1"/>
-            </a:effectRef>
-            <a:fontRef idx="minor">
-              <a:schemeClr val="tx1"/>
-            </a:fontRef>
-          </p:style>
-        </p:cxnSp>
-        <p:cxnSp>
-          <p:nvCxnSpPr>
-            <p:cNvPr id="62" name="直線矢印コネクタ 61"/>
-            <p:cNvCxnSpPr>
-              <a:stCxn id="46" idx="4"/>
-              <a:endCxn id="49" idx="0"/>
-            </p:cNvCxnSpPr>
-            <p:nvPr/>
-          </p:nvCxnSpPr>
-          <p:spPr>
-            <a:xfrm>
-              <a:off x="6607298" y="1400612"/>
-              <a:ext cx="1" cy="678114"/>
-            </a:xfrm>
-            <a:prstGeom prst="straightConnector1">
-              <a:avLst/>
-            </a:prstGeom>
-            <a:ln w="19050">
-              <a:solidFill>
-                <a:schemeClr val="tx1"/>
-              </a:solidFill>
-              <a:tailEnd type="triangle"/>
-            </a:ln>
-          </p:spPr>
-          <p:style>
-            <a:lnRef idx="1">
-              <a:schemeClr val="accent1"/>
-            </a:lnRef>
-            <a:fillRef idx="0">
-              <a:schemeClr val="accent1"/>
-            </a:fillRef>
-            <a:effectRef idx="0">
-              <a:schemeClr val="accent1"/>
-            </a:effectRef>
-            <a:fontRef idx="minor">
-              <a:schemeClr val="tx1"/>
-            </a:fontRef>
-          </p:style>
-        </p:cxnSp>
-        <p:cxnSp>
-          <p:nvCxnSpPr>
-            <p:cNvPr id="63" name="直線矢印コネクタ 62"/>
-            <p:cNvCxnSpPr>
-              <a:stCxn id="46" idx="5"/>
-              <a:endCxn id="51" idx="1"/>
-            </p:cNvCxnSpPr>
-            <p:nvPr/>
-          </p:nvCxnSpPr>
-          <p:spPr>
-            <a:xfrm>
-              <a:off x="6759652" y="1337504"/>
-              <a:ext cx="645552" cy="804330"/>
-            </a:xfrm>
-            <a:prstGeom prst="straightConnector1">
-              <a:avLst/>
-            </a:prstGeom>
-            <a:ln w="19050">
-              <a:solidFill>
-                <a:schemeClr val="tx1"/>
-              </a:solidFill>
-              <a:tailEnd type="triangle"/>
-            </a:ln>
-          </p:spPr>
-          <p:style>
-            <a:lnRef idx="1">
-              <a:schemeClr val="accent1"/>
-            </a:lnRef>
-            <a:fillRef idx="0">
-              <a:schemeClr val="accent1"/>
-            </a:fillRef>
-            <a:effectRef idx="0">
-              <a:schemeClr val="accent1"/>
-            </a:effectRef>
-            <a:fontRef idx="minor">
-              <a:schemeClr val="tx1"/>
-            </a:fontRef>
-          </p:style>
-        </p:cxnSp>
-        <p:cxnSp>
-          <p:nvCxnSpPr>
-            <p:cNvPr id="64" name="直線矢印コネクタ 63"/>
-            <p:cNvCxnSpPr>
-              <a:stCxn id="50" idx="4"/>
-              <a:endCxn id="54" idx="0"/>
-            </p:cNvCxnSpPr>
-            <p:nvPr/>
-          </p:nvCxnSpPr>
-          <p:spPr>
-            <a:xfrm>
-              <a:off x="3756520" y="2509650"/>
-              <a:ext cx="0" cy="1414261"/>
-            </a:xfrm>
-            <a:prstGeom prst="straightConnector1">
-              <a:avLst/>
-            </a:prstGeom>
-            <a:ln w="19050">
-              <a:solidFill>
-                <a:schemeClr val="tx1"/>
-              </a:solidFill>
-              <a:tailEnd type="triangle"/>
-            </a:ln>
-          </p:spPr>
-          <p:style>
-            <a:lnRef idx="1">
-              <a:schemeClr val="accent1"/>
-            </a:lnRef>
-            <a:fillRef idx="0">
-              <a:schemeClr val="accent1"/>
-            </a:fillRef>
-            <a:effectRef idx="0">
-              <a:schemeClr val="accent1"/>
-            </a:effectRef>
-            <a:fontRef idx="minor">
-              <a:schemeClr val="tx1"/>
-            </a:fontRef>
-          </p:style>
-        </p:cxnSp>
-        <p:cxnSp>
-          <p:nvCxnSpPr>
-            <p:cNvPr id="65" name="直線矢印コネクタ 64"/>
-            <p:cNvCxnSpPr>
-              <a:stCxn id="55" idx="2"/>
-              <a:endCxn id="44" idx="6"/>
-            </p:cNvCxnSpPr>
-            <p:nvPr/>
-          </p:nvCxnSpPr>
-          <p:spPr>
-            <a:xfrm flipH="1">
-              <a:off x="5872501" y="4139375"/>
-              <a:ext cx="1469594" cy="1"/>
-            </a:xfrm>
-            <a:prstGeom prst="straightConnector1">
-              <a:avLst/>
-            </a:prstGeom>
-            <a:ln w="19050">
-              <a:solidFill>
-                <a:schemeClr val="tx1"/>
-              </a:solidFill>
-              <a:tailEnd type="triangle"/>
-            </a:ln>
-          </p:spPr>
-          <p:style>
-            <a:lnRef idx="1">
-              <a:schemeClr val="accent1"/>
-            </a:lnRef>
-            <a:fillRef idx="0">
-              <a:schemeClr val="accent1"/>
-            </a:fillRef>
-            <a:effectRef idx="0">
-              <a:schemeClr val="accent1"/>
-            </a:effectRef>
-            <a:fontRef idx="minor">
-              <a:schemeClr val="tx1"/>
-            </a:fontRef>
-          </p:style>
-        </p:cxnSp>
-        <p:cxnSp>
-          <p:nvCxnSpPr>
-            <p:cNvPr id="66" name="直線矢印コネクタ 65"/>
-            <p:cNvCxnSpPr>
-              <a:stCxn id="51" idx="4"/>
-              <a:endCxn id="55" idx="0"/>
-            </p:cNvCxnSpPr>
-            <p:nvPr/>
-          </p:nvCxnSpPr>
-          <p:spPr>
-            <a:xfrm flipH="1">
-              <a:off x="7557558" y="2509651"/>
-              <a:ext cx="1" cy="1414261"/>
-            </a:xfrm>
-            <a:prstGeom prst="straightConnector1">
-              <a:avLst/>
-            </a:prstGeom>
-            <a:ln w="19050">
-              <a:solidFill>
-                <a:schemeClr val="tx1"/>
-              </a:solidFill>
-              <a:tailEnd type="triangle"/>
-            </a:ln>
-          </p:spPr>
-          <p:style>
-            <a:lnRef idx="1">
-              <a:schemeClr val="accent1"/>
-            </a:lnRef>
-            <a:fillRef idx="0">
-              <a:schemeClr val="accent1"/>
-            </a:fillRef>
-            <a:effectRef idx="0">
-              <a:schemeClr val="accent1"/>
-            </a:effectRef>
-            <a:fontRef idx="minor">
-              <a:schemeClr val="tx1"/>
-            </a:fontRef>
-          </p:style>
-        </p:cxnSp>
-        <p:cxnSp>
-          <p:nvCxnSpPr>
-            <p:cNvPr id="67" name="直線矢印コネクタ 66"/>
-            <p:cNvCxnSpPr>
-              <a:stCxn id="54" idx="6"/>
-              <a:endCxn id="44" idx="2"/>
-            </p:cNvCxnSpPr>
-            <p:nvPr/>
-          </p:nvCxnSpPr>
-          <p:spPr>
-            <a:xfrm>
-              <a:off x="3971982" y="4139374"/>
-              <a:ext cx="1469594" cy="2"/>
-            </a:xfrm>
-            <a:prstGeom prst="straightConnector1">
-              <a:avLst/>
-            </a:prstGeom>
-            <a:ln w="19050">
-              <a:solidFill>
-                <a:schemeClr val="tx1"/>
-              </a:solidFill>
-              <a:tailEnd type="triangle"/>
-            </a:ln>
-          </p:spPr>
-          <p:style>
-            <a:lnRef idx="1">
-              <a:schemeClr val="accent1"/>
-            </a:lnRef>
-            <a:fillRef idx="0">
-              <a:schemeClr val="accent1"/>
-            </a:fillRef>
-            <a:effectRef idx="0">
-              <a:schemeClr val="accent1"/>
-            </a:effectRef>
-            <a:fontRef idx="minor">
-              <a:schemeClr val="tx1"/>
-            </a:fontRef>
-          </p:style>
-        </p:cxnSp>
-        <p:cxnSp>
-          <p:nvCxnSpPr>
-            <p:cNvPr id="68" name="直線矢印コネクタ 67"/>
-            <p:cNvCxnSpPr>
-              <a:stCxn id="49" idx="4"/>
-              <a:endCxn id="53" idx="0"/>
-            </p:cNvCxnSpPr>
-            <p:nvPr/>
-          </p:nvCxnSpPr>
-          <p:spPr>
-            <a:xfrm>
-              <a:off x="6607299" y="2509651"/>
-              <a:ext cx="5100" cy="501624"/>
-            </a:xfrm>
-            <a:prstGeom prst="straightConnector1">
-              <a:avLst/>
-            </a:prstGeom>
-            <a:ln w="19050">
-              <a:solidFill>
-                <a:schemeClr val="tx1"/>
-              </a:solidFill>
-              <a:tailEnd type="triangle"/>
-            </a:ln>
-          </p:spPr>
-          <p:style>
-            <a:lnRef idx="1">
-              <a:schemeClr val="accent1"/>
-            </a:lnRef>
-            <a:fillRef idx="0">
-              <a:schemeClr val="accent1"/>
-            </a:fillRef>
-            <a:effectRef idx="0">
-              <a:schemeClr val="accent1"/>
-            </a:effectRef>
-            <a:fontRef idx="minor">
-              <a:schemeClr val="tx1"/>
-            </a:fontRef>
-          </p:style>
-        </p:cxnSp>
-        <p:cxnSp>
-          <p:nvCxnSpPr>
-            <p:cNvPr id="69" name="直線矢印コネクタ 68"/>
-            <p:cNvCxnSpPr>
-              <a:stCxn id="51" idx="3"/>
-              <a:endCxn id="53" idx="7"/>
-            </p:cNvCxnSpPr>
-            <p:nvPr/>
-          </p:nvCxnSpPr>
-          <p:spPr>
-            <a:xfrm flipH="1">
-              <a:off x="6764753" y="2446543"/>
-              <a:ext cx="640451" cy="627840"/>
-            </a:xfrm>
-            <a:prstGeom prst="straightConnector1">
-              <a:avLst/>
-            </a:prstGeom>
-            <a:ln w="19050">
-              <a:solidFill>
-                <a:schemeClr val="tx1"/>
-              </a:solidFill>
-              <a:tailEnd type="triangle"/>
-            </a:ln>
-          </p:spPr>
-          <p:style>
-            <a:lnRef idx="1">
-              <a:schemeClr val="accent1"/>
-            </a:lnRef>
-            <a:fillRef idx="0">
-              <a:schemeClr val="accent1"/>
-            </a:fillRef>
-            <a:effectRef idx="0">
-              <a:schemeClr val="accent1"/>
-            </a:effectRef>
-            <a:fontRef idx="minor">
-              <a:schemeClr val="tx1"/>
-            </a:fontRef>
-          </p:style>
-        </p:cxnSp>
-        <p:cxnSp>
-          <p:nvCxnSpPr>
-            <p:cNvPr id="70" name="直線矢印コネクタ 69"/>
-            <p:cNvCxnSpPr>
-              <a:stCxn id="48" idx="4"/>
-              <a:endCxn id="52" idx="0"/>
-            </p:cNvCxnSpPr>
-            <p:nvPr/>
-          </p:nvCxnSpPr>
-          <p:spPr>
-            <a:xfrm>
-              <a:off x="4706780" y="2509651"/>
-              <a:ext cx="0" cy="501624"/>
-            </a:xfrm>
-            <a:prstGeom prst="straightConnector1">
-              <a:avLst/>
-            </a:prstGeom>
-            <a:ln w="19050">
-              <a:solidFill>
-                <a:schemeClr val="tx1"/>
-              </a:solidFill>
-              <a:tailEnd type="triangle"/>
-            </a:ln>
-          </p:spPr>
-          <p:style>
-            <a:lnRef idx="1">
-              <a:schemeClr val="accent1"/>
-            </a:lnRef>
-            <a:fillRef idx="0">
-              <a:schemeClr val="accent1"/>
-            </a:fillRef>
-            <a:effectRef idx="0">
-              <a:schemeClr val="accent1"/>
-            </a:effectRef>
-            <a:fontRef idx="minor">
-              <a:schemeClr val="tx1"/>
-            </a:fontRef>
-          </p:style>
-        </p:cxnSp>
-        <p:cxnSp>
-          <p:nvCxnSpPr>
-            <p:cNvPr id="71" name="直線矢印コネクタ 70"/>
-            <p:cNvCxnSpPr>
-              <a:stCxn id="47" idx="3"/>
-              <a:endCxn id="52" idx="7"/>
-            </p:cNvCxnSpPr>
-            <p:nvPr/>
-          </p:nvCxnSpPr>
-          <p:spPr>
-            <a:xfrm flipH="1">
-              <a:off x="4859134" y="2446544"/>
-              <a:ext cx="645550" cy="627839"/>
-            </a:xfrm>
-            <a:prstGeom prst="straightConnector1">
-              <a:avLst/>
-            </a:prstGeom>
-            <a:ln w="19050">
-              <a:solidFill>
-                <a:schemeClr val="tx1"/>
-              </a:solidFill>
-              <a:tailEnd type="triangle"/>
-            </a:ln>
-          </p:spPr>
-          <p:style>
-            <a:lnRef idx="1">
-              <a:schemeClr val="accent1"/>
-            </a:lnRef>
-            <a:fillRef idx="0">
-              <a:schemeClr val="accent1"/>
-            </a:fillRef>
-            <a:effectRef idx="0">
-              <a:schemeClr val="accent1"/>
-            </a:effectRef>
-            <a:fontRef idx="minor">
-              <a:schemeClr val="tx1"/>
-            </a:fontRef>
-          </p:style>
-        </p:cxnSp>
-        <p:cxnSp>
-          <p:nvCxnSpPr>
-            <p:cNvPr id="72" name="直線矢印コネクタ 71"/>
-            <p:cNvCxnSpPr>
-              <a:stCxn id="47" idx="5"/>
-              <a:endCxn id="53" idx="1"/>
-            </p:cNvCxnSpPr>
-            <p:nvPr/>
-          </p:nvCxnSpPr>
-          <p:spPr>
-            <a:xfrm>
-              <a:off x="5809393" y="2446544"/>
-              <a:ext cx="650651" cy="627839"/>
-            </a:xfrm>
-            <a:prstGeom prst="straightConnector1">
-              <a:avLst/>
-            </a:prstGeom>
-            <a:ln w="19050">
-              <a:solidFill>
-                <a:schemeClr val="tx1"/>
-              </a:solidFill>
-              <a:tailEnd type="triangle"/>
-            </a:ln>
-          </p:spPr>
-          <p:style>
-            <a:lnRef idx="1">
-              <a:schemeClr val="accent1"/>
-            </a:lnRef>
-            <a:fillRef idx="0">
-              <a:schemeClr val="accent1"/>
-            </a:fillRef>
-            <a:effectRef idx="0">
-              <a:schemeClr val="accent1"/>
-            </a:effectRef>
-            <a:fontRef idx="minor">
-              <a:schemeClr val="tx1"/>
-            </a:fontRef>
-          </p:style>
-        </p:cxnSp>
-        <p:cxnSp>
-          <p:nvCxnSpPr>
-            <p:cNvPr id="73" name="直線矢印コネクタ 72"/>
-            <p:cNvCxnSpPr>
-              <a:stCxn id="52" idx="3"/>
-              <a:endCxn id="54" idx="7"/>
-            </p:cNvCxnSpPr>
-            <p:nvPr/>
-          </p:nvCxnSpPr>
-          <p:spPr>
-            <a:xfrm flipH="1">
-              <a:off x="3908874" y="3379092"/>
-              <a:ext cx="645551" cy="607927"/>
-            </a:xfrm>
-            <a:prstGeom prst="straightConnector1">
-              <a:avLst/>
-            </a:prstGeom>
-            <a:ln w="19050">
-              <a:solidFill>
-                <a:schemeClr val="tx1"/>
-              </a:solidFill>
-              <a:tailEnd type="triangle"/>
-            </a:ln>
-          </p:spPr>
-          <p:style>
-            <a:lnRef idx="1">
-              <a:schemeClr val="accent1"/>
-            </a:lnRef>
-            <a:fillRef idx="0">
-              <a:schemeClr val="accent1"/>
-            </a:fillRef>
-            <a:effectRef idx="0">
-              <a:schemeClr val="accent1"/>
-            </a:effectRef>
-            <a:fontRef idx="minor">
-              <a:schemeClr val="tx1"/>
-            </a:fontRef>
-          </p:style>
-        </p:cxnSp>
-        <p:cxnSp>
-          <p:nvCxnSpPr>
-            <p:cNvPr id="74" name="直線矢印コネクタ 73"/>
-            <p:cNvCxnSpPr>
-              <a:stCxn id="50" idx="5"/>
-              <a:endCxn id="52" idx="1"/>
-            </p:cNvCxnSpPr>
-            <p:nvPr/>
-          </p:nvCxnSpPr>
-          <p:spPr>
-            <a:xfrm>
-              <a:off x="3908874" y="2446542"/>
-              <a:ext cx="645551" cy="627841"/>
-            </a:xfrm>
-            <a:prstGeom prst="straightConnector1">
-              <a:avLst/>
-            </a:prstGeom>
-            <a:ln w="19050">
-              <a:solidFill>
-                <a:schemeClr val="tx1"/>
-              </a:solidFill>
-              <a:tailEnd type="triangle"/>
-            </a:ln>
-          </p:spPr>
-          <p:style>
-            <a:lnRef idx="1">
-              <a:schemeClr val="accent1"/>
-            </a:lnRef>
-            <a:fillRef idx="0">
-              <a:schemeClr val="accent1"/>
-            </a:fillRef>
-            <a:effectRef idx="0">
-              <a:schemeClr val="accent1"/>
-            </a:effectRef>
-            <a:fontRef idx="minor">
-              <a:schemeClr val="tx1"/>
-            </a:fontRef>
-          </p:style>
-        </p:cxnSp>
-        <p:cxnSp>
-          <p:nvCxnSpPr>
-            <p:cNvPr id="75" name="直線矢印コネクタ 74"/>
-            <p:cNvCxnSpPr>
-              <a:stCxn id="53" idx="3"/>
-              <a:endCxn id="44" idx="7"/>
-            </p:cNvCxnSpPr>
-            <p:nvPr/>
-          </p:nvCxnSpPr>
-          <p:spPr>
-            <a:xfrm flipH="1">
-              <a:off x="5809393" y="3379092"/>
-              <a:ext cx="650651" cy="607929"/>
-            </a:xfrm>
-            <a:prstGeom prst="straightConnector1">
-              <a:avLst/>
-            </a:prstGeom>
-            <a:ln w="19050">
-              <a:solidFill>
-                <a:schemeClr val="tx1"/>
-              </a:solidFill>
-              <a:tailEnd type="triangle"/>
-            </a:ln>
-          </p:spPr>
-          <p:style>
-            <a:lnRef idx="1">
-              <a:schemeClr val="accent1"/>
-            </a:lnRef>
-            <a:fillRef idx="0">
-              <a:schemeClr val="accent1"/>
-            </a:fillRef>
-            <a:effectRef idx="0">
-              <a:schemeClr val="accent1"/>
-            </a:effectRef>
-            <a:fontRef idx="minor">
-              <a:schemeClr val="tx1"/>
-            </a:fontRef>
-          </p:style>
-        </p:cxnSp>
-        <p:cxnSp>
-          <p:nvCxnSpPr>
-            <p:cNvPr id="76" name="直線矢印コネクタ 75"/>
-            <p:cNvCxnSpPr>
-              <a:stCxn id="52" idx="5"/>
-              <a:endCxn id="44" idx="1"/>
-            </p:cNvCxnSpPr>
-            <p:nvPr/>
-          </p:nvCxnSpPr>
-          <p:spPr>
-            <a:xfrm>
-              <a:off x="4859134" y="3379092"/>
-              <a:ext cx="645550" cy="607929"/>
-            </a:xfrm>
-            <a:prstGeom prst="straightConnector1">
-              <a:avLst/>
-            </a:prstGeom>
-            <a:ln w="19050">
-              <a:solidFill>
-                <a:schemeClr val="tx1"/>
-              </a:solidFill>
-              <a:tailEnd type="triangle"/>
-            </a:ln>
-          </p:spPr>
-          <p:style>
-            <a:lnRef idx="1">
-              <a:schemeClr val="accent1"/>
-            </a:lnRef>
-            <a:fillRef idx="0">
-              <a:schemeClr val="accent1"/>
-            </a:fillRef>
-            <a:effectRef idx="0">
-              <a:schemeClr val="accent1"/>
-            </a:effectRef>
-            <a:fontRef idx="minor">
-              <a:schemeClr val="tx1"/>
-            </a:fontRef>
-          </p:style>
-        </p:cxnSp>
-        <p:cxnSp>
-          <p:nvCxnSpPr>
-            <p:cNvPr id="77" name="直線矢印コネクタ 76"/>
-            <p:cNvCxnSpPr>
-              <a:stCxn id="53" idx="5"/>
-              <a:endCxn id="55" idx="1"/>
-            </p:cNvCxnSpPr>
-            <p:nvPr/>
-          </p:nvCxnSpPr>
-          <p:spPr>
-            <a:xfrm>
-              <a:off x="6764753" y="3379092"/>
-              <a:ext cx="640450" cy="607928"/>
-            </a:xfrm>
-            <a:prstGeom prst="straightConnector1">
-              <a:avLst/>
-            </a:prstGeom>
-            <a:ln w="19050">
-              <a:solidFill>
-                <a:schemeClr val="tx1"/>
-              </a:solidFill>
-              <a:tailEnd type="triangle"/>
-            </a:ln>
-          </p:spPr>
-          <p:style>
-            <a:lnRef idx="1">
-              <a:schemeClr val="accent1"/>
-            </a:lnRef>
-            <a:fillRef idx="0">
-              <a:schemeClr val="accent1"/>
-            </a:fillRef>
-            <a:effectRef idx="0">
-              <a:schemeClr val="accent1"/>
-            </a:effectRef>
-            <a:fontRef idx="minor">
-              <a:schemeClr val="tx1"/>
-            </a:fontRef>
-          </p:style>
-        </p:cxnSp>
-      </p:grpSp>
-      <p:grpSp>
-        <p:nvGrpSpPr>
-          <p:cNvPr id="78" name="図形グループ 77"/>
-          <p:cNvGrpSpPr/>
-          <p:nvPr/>
-        </p:nvGrpSpPr>
-        <p:grpSpPr>
-          <a:xfrm>
-            <a:off x="8163245" y="911831"/>
-            <a:ext cx="3099768" cy="4084385"/>
-            <a:chOff x="2837032" y="552720"/>
-            <a:chExt cx="3869957" cy="5099218"/>
-          </a:xfrm>
-        </p:grpSpPr>
-        <p:sp>
-          <p:nvSpPr>
-            <p:cNvPr id="79" name="円/楕円 78"/>
-            <p:cNvSpPr/>
-            <p:nvPr/>
-          </p:nvSpPr>
-          <p:spPr>
-            <a:xfrm>
-              <a:off x="5541888" y="552720"/>
-              <a:ext cx="388265" cy="388265"/>
-            </a:xfrm>
-            <a:prstGeom prst="ellipse">
-              <a:avLst/>
-            </a:prstGeom>
-            <a:noFill/>
-            <a:ln w="19050">
-              <a:solidFill>
-                <a:schemeClr val="tx1"/>
-              </a:solidFill>
-            </a:ln>
-          </p:spPr>
-          <p:style>
-            <a:lnRef idx="2">
-              <a:schemeClr val="accent1">
-                <a:shade val="50000"/>
-              </a:schemeClr>
-            </a:lnRef>
-            <a:fillRef idx="1">
-              <a:schemeClr val="accent1"/>
-            </a:fillRef>
-            <a:effectRef idx="0">
-              <a:schemeClr val="accent1"/>
-            </a:effectRef>
-            <a:fontRef idx="minor">
-              <a:schemeClr val="lt1"/>
-            </a:fontRef>
-          </p:style>
-          <p:txBody>
-            <a:bodyPr rtlCol="0" anchor="ctr"/>
-            <a:lstStyle/>
-            <a:p>
-              <a:pPr algn="ctr"/>
-              <a:r>
-                <a:rPr kumimoji="1" lang="en-US" altLang="ja-JP" i="1" smtClean="0">
+                </a:endParaRPr>
+              </a:p>
+            </p:txBody>
+          </p:sp>
+          <p:sp>
+            <p:nvSpPr>
+              <p:cNvPr id="9" name="円/楕円 8"/>
+              <p:cNvSpPr/>
+              <p:nvPr/>
+            </p:nvSpPr>
+            <p:spPr>
+              <a:xfrm>
+                <a:off x="3657006" y="1750964"/>
+                <a:ext cx="399394" cy="399394"/>
+              </a:xfrm>
+              <a:prstGeom prst="ellipse">
+                <a:avLst/>
+              </a:prstGeom>
+              <a:noFill/>
+              <a:ln w="19050">
+                <a:solidFill>
+                  <a:schemeClr val="tx1"/>
+                </a:solidFill>
+              </a:ln>
+            </p:spPr>
+            <p:style>
+              <a:lnRef idx="2">
+                <a:schemeClr val="accent1">
+                  <a:shade val="50000"/>
+                </a:schemeClr>
+              </a:lnRef>
+              <a:fillRef idx="1">
+                <a:schemeClr val="accent1"/>
+              </a:fillRef>
+              <a:effectRef idx="0">
+                <a:schemeClr val="accent1"/>
+              </a:effectRef>
+              <a:fontRef idx="minor">
+                <a:schemeClr val="lt1"/>
+              </a:fontRef>
+            </p:style>
+            <p:txBody>
+              <a:bodyPr rtlCol="0" anchor="ctr"/>
+              <a:lstStyle/>
+              <a:p>
+                <a:pPr algn="ctr"/>
+                <a:endParaRPr kumimoji="1" lang="ja-JP" altLang="en-US" i="1" dirty="0">
                   <a:solidFill>
                     <a:schemeClr val="tx1"/>
                   </a:solidFill>
-                </a:rPr>
-                <a:t>s</a:t>
-              </a:r>
-              <a:endParaRPr kumimoji="1" lang="ja-JP" altLang="en-US" i="1" dirty="0">
-                <a:solidFill>
-                  <a:schemeClr val="tx1"/>
-                </a:solidFill>
-              </a:endParaRPr>
-            </a:p>
-          </p:txBody>
-        </p:sp>
-        <p:sp>
-          <p:nvSpPr>
-            <p:cNvPr id="80" name="円/楕円 79"/>
-            <p:cNvSpPr/>
-            <p:nvPr/>
-          </p:nvSpPr>
-          <p:spPr>
-            <a:xfrm>
-              <a:off x="5541887" y="5263673"/>
-              <a:ext cx="388265" cy="388265"/>
-            </a:xfrm>
-            <a:prstGeom prst="ellipse">
-              <a:avLst/>
-            </a:prstGeom>
-            <a:noFill/>
-            <a:ln w="19050">
-              <a:solidFill>
-                <a:schemeClr val="tx1"/>
-              </a:solidFill>
-            </a:ln>
-          </p:spPr>
-          <p:style>
-            <a:lnRef idx="2">
-              <a:schemeClr val="accent1">
-                <a:shade val="50000"/>
-              </a:schemeClr>
-            </a:lnRef>
-            <a:fillRef idx="1">
-              <a:schemeClr val="accent1"/>
-            </a:fillRef>
-            <a:effectRef idx="0">
-              <a:schemeClr val="accent1"/>
-            </a:effectRef>
-            <a:fontRef idx="minor">
-              <a:schemeClr val="lt1"/>
-            </a:fontRef>
-          </p:style>
-          <p:txBody>
-            <a:bodyPr rtlCol="0" anchor="ctr"/>
-            <a:lstStyle/>
-            <a:p>
-              <a:pPr algn="ctr"/>
-              <a:r>
-                <a:rPr lang="en-US" altLang="ja-JP" i="1" dirty="0">
+                </a:endParaRPr>
+              </a:p>
+            </p:txBody>
+          </p:sp>
+          <p:sp>
+            <p:nvSpPr>
+              <p:cNvPr id="10" name="円/楕円 9"/>
+              <p:cNvSpPr/>
+              <p:nvPr/>
+            </p:nvSpPr>
+            <p:spPr>
+              <a:xfrm>
+                <a:off x="5628079" y="1750964"/>
+                <a:ext cx="399394" cy="399394"/>
+              </a:xfrm>
+              <a:prstGeom prst="ellipse">
+                <a:avLst/>
+              </a:prstGeom>
+              <a:noFill/>
+              <a:ln w="19050">
+                <a:solidFill>
+                  <a:schemeClr val="tx1"/>
+                </a:solidFill>
+              </a:ln>
+            </p:spPr>
+            <p:style>
+              <a:lnRef idx="2">
+                <a:schemeClr val="accent1">
+                  <a:shade val="50000"/>
+                </a:schemeClr>
+              </a:lnRef>
+              <a:fillRef idx="1">
+                <a:schemeClr val="accent1"/>
+              </a:fillRef>
+              <a:effectRef idx="0">
+                <a:schemeClr val="accent1"/>
+              </a:effectRef>
+              <a:fontRef idx="minor">
+                <a:schemeClr val="lt1"/>
+              </a:fontRef>
+            </p:style>
+            <p:txBody>
+              <a:bodyPr rtlCol="0" anchor="ctr"/>
+              <a:lstStyle/>
+              <a:p>
+                <a:pPr algn="ctr"/>
+                <a:endParaRPr kumimoji="1" lang="ja-JP" altLang="en-US" i="1" dirty="0">
                   <a:solidFill>
                     <a:schemeClr val="tx1"/>
                   </a:solidFill>
-                </a:rPr>
-                <a:t>g</a:t>
-              </a:r>
-              <a:endParaRPr kumimoji="1" lang="ja-JP" altLang="en-US" i="1" dirty="0">
-                <a:solidFill>
-                  <a:schemeClr val="tx1"/>
-                </a:solidFill>
-              </a:endParaRPr>
-            </a:p>
-          </p:txBody>
-        </p:sp>
-        <p:sp>
-          <p:nvSpPr>
-            <p:cNvPr id="81" name="円/楕円 80"/>
-            <p:cNvSpPr/>
+                </a:endParaRPr>
+              </a:p>
+            </p:txBody>
+          </p:sp>
+          <p:sp>
+            <p:nvSpPr>
+              <p:cNvPr id="11" name="円/楕円 10"/>
+              <p:cNvSpPr/>
+              <p:nvPr/>
+            </p:nvSpPr>
+            <p:spPr>
+              <a:xfrm>
+                <a:off x="7599152" y="1750964"/>
+                <a:ext cx="399394" cy="399394"/>
+              </a:xfrm>
+              <a:prstGeom prst="ellipse">
+                <a:avLst/>
+              </a:prstGeom>
+              <a:noFill/>
+              <a:ln w="19050">
+                <a:solidFill>
+                  <a:schemeClr val="tx1"/>
+                </a:solidFill>
+              </a:ln>
+            </p:spPr>
+            <p:style>
+              <a:lnRef idx="2">
+                <a:schemeClr val="accent1">
+                  <a:shade val="50000"/>
+                </a:schemeClr>
+              </a:lnRef>
+              <a:fillRef idx="1">
+                <a:schemeClr val="accent1"/>
+              </a:fillRef>
+              <a:effectRef idx="0">
+                <a:schemeClr val="accent1"/>
+              </a:effectRef>
+              <a:fontRef idx="minor">
+                <a:schemeClr val="lt1"/>
+              </a:fontRef>
+            </p:style>
+            <p:txBody>
+              <a:bodyPr rtlCol="0" anchor="ctr"/>
+              <a:lstStyle/>
+              <a:p>
+                <a:pPr algn="ctr"/>
+                <a:endParaRPr kumimoji="1" lang="ja-JP" altLang="en-US" i="1" dirty="0">
+                  <a:solidFill>
+                    <a:schemeClr val="tx1"/>
+                  </a:solidFill>
+                </a:endParaRPr>
+              </a:p>
+            </p:txBody>
+          </p:sp>
+          <p:sp>
+            <p:nvSpPr>
+              <p:cNvPr id="12" name="円/楕円 11"/>
+              <p:cNvSpPr/>
+              <p:nvPr/>
+            </p:nvSpPr>
+            <p:spPr>
+              <a:xfrm>
+                <a:off x="4628817" y="2613803"/>
+                <a:ext cx="399394" cy="399394"/>
+              </a:xfrm>
+              <a:prstGeom prst="ellipse">
+                <a:avLst/>
+              </a:prstGeom>
+              <a:noFill/>
+              <a:ln w="19050">
+                <a:solidFill>
+                  <a:schemeClr val="tx1"/>
+                </a:solidFill>
+              </a:ln>
+            </p:spPr>
+            <p:style>
+              <a:lnRef idx="2">
+                <a:schemeClr val="accent1">
+                  <a:shade val="50000"/>
+                </a:schemeClr>
+              </a:lnRef>
+              <a:fillRef idx="1">
+                <a:schemeClr val="accent1"/>
+              </a:fillRef>
+              <a:effectRef idx="0">
+                <a:schemeClr val="accent1"/>
+              </a:effectRef>
+              <a:fontRef idx="minor">
+                <a:schemeClr val="lt1"/>
+              </a:fontRef>
+            </p:style>
+            <p:txBody>
+              <a:bodyPr rtlCol="0" anchor="ctr"/>
+              <a:lstStyle/>
+              <a:p>
+                <a:pPr algn="ctr"/>
+                <a:endParaRPr kumimoji="1" lang="ja-JP" altLang="en-US" i="1" dirty="0">
+                  <a:solidFill>
+                    <a:schemeClr val="tx1"/>
+                  </a:solidFill>
+                </a:endParaRPr>
+              </a:p>
+            </p:txBody>
+          </p:sp>
+          <p:sp>
+            <p:nvSpPr>
+              <p:cNvPr id="13" name="円/楕円 12"/>
+              <p:cNvSpPr/>
+              <p:nvPr/>
+            </p:nvSpPr>
+            <p:spPr>
+              <a:xfrm>
+                <a:off x="6523169" y="2613803"/>
+                <a:ext cx="399394" cy="399394"/>
+              </a:xfrm>
+              <a:prstGeom prst="ellipse">
+                <a:avLst/>
+              </a:prstGeom>
+              <a:noFill/>
+              <a:ln w="19050">
+                <a:solidFill>
+                  <a:schemeClr val="tx1"/>
+                </a:solidFill>
+              </a:ln>
+            </p:spPr>
+            <p:style>
+              <a:lnRef idx="2">
+                <a:schemeClr val="accent1">
+                  <a:shade val="50000"/>
+                </a:schemeClr>
+              </a:lnRef>
+              <a:fillRef idx="1">
+                <a:schemeClr val="accent1"/>
+              </a:fillRef>
+              <a:effectRef idx="0">
+                <a:schemeClr val="accent1"/>
+              </a:effectRef>
+              <a:fontRef idx="minor">
+                <a:schemeClr val="lt1"/>
+              </a:fontRef>
+            </p:style>
+            <p:txBody>
+              <a:bodyPr rtlCol="0" anchor="ctr"/>
+              <a:lstStyle/>
+              <a:p>
+                <a:pPr algn="ctr"/>
+                <a:endParaRPr kumimoji="1" lang="ja-JP" altLang="en-US" i="1" dirty="0">
+                  <a:solidFill>
+                    <a:schemeClr val="tx1"/>
+                  </a:solidFill>
+                </a:endParaRPr>
+              </a:p>
+            </p:txBody>
+          </p:sp>
+          <p:sp>
+            <p:nvSpPr>
+              <p:cNvPr id="14" name="円/楕円 13"/>
+              <p:cNvSpPr/>
+              <p:nvPr/>
+            </p:nvSpPr>
+            <p:spPr>
+              <a:xfrm>
+                <a:off x="3657006" y="3560909"/>
+                <a:ext cx="399394" cy="399394"/>
+              </a:xfrm>
+              <a:prstGeom prst="ellipse">
+                <a:avLst/>
+              </a:prstGeom>
+              <a:noFill/>
+              <a:ln w="19050">
+                <a:solidFill>
+                  <a:schemeClr val="tx1"/>
+                </a:solidFill>
+              </a:ln>
+            </p:spPr>
+            <p:style>
+              <a:lnRef idx="2">
+                <a:schemeClr val="accent1">
+                  <a:shade val="50000"/>
+                </a:schemeClr>
+              </a:lnRef>
+              <a:fillRef idx="1">
+                <a:schemeClr val="accent1"/>
+              </a:fillRef>
+              <a:effectRef idx="0">
+                <a:schemeClr val="accent1"/>
+              </a:effectRef>
+              <a:fontRef idx="minor">
+                <a:schemeClr val="lt1"/>
+              </a:fontRef>
+            </p:style>
+            <p:txBody>
+              <a:bodyPr rtlCol="0" anchor="ctr"/>
+              <a:lstStyle/>
+              <a:p>
+                <a:pPr algn="ctr"/>
+                <a:endParaRPr kumimoji="1" lang="ja-JP" altLang="en-US" i="1" dirty="0">
+                  <a:solidFill>
+                    <a:schemeClr val="tx1"/>
+                  </a:solidFill>
+                </a:endParaRPr>
+              </a:p>
+            </p:txBody>
+          </p:sp>
+          <p:sp>
+            <p:nvSpPr>
+              <p:cNvPr id="15" name="円/楕円 14"/>
+              <p:cNvSpPr/>
+              <p:nvPr/>
+            </p:nvSpPr>
+            <p:spPr>
+              <a:xfrm>
+                <a:off x="5622083" y="3560909"/>
+                <a:ext cx="399394" cy="399394"/>
+              </a:xfrm>
+              <a:prstGeom prst="ellipse">
+                <a:avLst/>
+              </a:prstGeom>
+              <a:noFill/>
+              <a:ln w="19050">
+                <a:solidFill>
+                  <a:schemeClr val="tx1"/>
+                </a:solidFill>
+              </a:ln>
+            </p:spPr>
+            <p:style>
+              <a:lnRef idx="2">
+                <a:schemeClr val="accent1">
+                  <a:shade val="50000"/>
+                </a:schemeClr>
+              </a:lnRef>
+              <a:fillRef idx="1">
+                <a:schemeClr val="accent1"/>
+              </a:fillRef>
+              <a:effectRef idx="0">
+                <a:schemeClr val="accent1"/>
+              </a:effectRef>
+              <a:fontRef idx="minor">
+                <a:schemeClr val="lt1"/>
+              </a:fontRef>
+            </p:style>
+            <p:txBody>
+              <a:bodyPr rtlCol="0" anchor="ctr"/>
+              <a:lstStyle/>
+              <a:p>
+                <a:pPr algn="ctr"/>
+                <a:endParaRPr kumimoji="1" lang="ja-JP" altLang="en-US" i="1" dirty="0">
+                  <a:solidFill>
+                    <a:schemeClr val="tx1"/>
+                  </a:solidFill>
+                </a:endParaRPr>
+              </a:p>
+            </p:txBody>
+          </p:sp>
+          <p:sp>
+            <p:nvSpPr>
+              <p:cNvPr id="16" name="円/楕円 15"/>
+              <p:cNvSpPr/>
+              <p:nvPr/>
+            </p:nvSpPr>
+            <p:spPr>
+              <a:xfrm>
+                <a:off x="7599152" y="3560909"/>
+                <a:ext cx="399394" cy="399394"/>
+              </a:xfrm>
+              <a:prstGeom prst="ellipse">
+                <a:avLst/>
+              </a:prstGeom>
+              <a:noFill/>
+              <a:ln w="19050">
+                <a:solidFill>
+                  <a:schemeClr val="tx1"/>
+                </a:solidFill>
+              </a:ln>
+            </p:spPr>
+            <p:style>
+              <a:lnRef idx="2">
+                <a:schemeClr val="accent1">
+                  <a:shade val="50000"/>
+                </a:schemeClr>
+              </a:lnRef>
+              <a:fillRef idx="1">
+                <a:schemeClr val="accent1"/>
+              </a:fillRef>
+              <a:effectRef idx="0">
+                <a:schemeClr val="accent1"/>
+              </a:effectRef>
+              <a:fontRef idx="minor">
+                <a:schemeClr val="lt1"/>
+              </a:fontRef>
+            </p:style>
+            <p:txBody>
+              <a:bodyPr rtlCol="0" anchor="ctr"/>
+              <a:lstStyle/>
+              <a:p>
+                <a:pPr algn="ctr"/>
+                <a:endParaRPr kumimoji="1" lang="ja-JP" altLang="en-US" i="1" dirty="0">
+                  <a:solidFill>
+                    <a:schemeClr val="tx1"/>
+                  </a:solidFill>
+                </a:endParaRPr>
+              </a:p>
+            </p:txBody>
+          </p:sp>
+          <p:sp>
+            <p:nvSpPr>
+              <p:cNvPr id="17" name="円/楕円 16"/>
+              <p:cNvSpPr/>
+              <p:nvPr/>
+            </p:nvSpPr>
+            <p:spPr>
+              <a:xfrm>
+                <a:off x="6530910" y="4598172"/>
+                <a:ext cx="399394" cy="399394"/>
+              </a:xfrm>
+              <a:prstGeom prst="ellipse">
+                <a:avLst/>
+              </a:prstGeom>
+              <a:noFill/>
+              <a:ln w="19050">
+                <a:solidFill>
+                  <a:schemeClr val="tx1"/>
+                </a:solidFill>
+              </a:ln>
+            </p:spPr>
+            <p:style>
+              <a:lnRef idx="2">
+                <a:schemeClr val="accent1">
+                  <a:shade val="50000"/>
+                </a:schemeClr>
+              </a:lnRef>
+              <a:fillRef idx="1">
+                <a:schemeClr val="accent1"/>
+              </a:fillRef>
+              <a:effectRef idx="0">
+                <a:schemeClr val="accent1"/>
+              </a:effectRef>
+              <a:fontRef idx="minor">
+                <a:schemeClr val="lt1"/>
+              </a:fontRef>
+            </p:style>
+            <p:txBody>
+              <a:bodyPr rtlCol="0" anchor="ctr"/>
+              <a:lstStyle/>
+              <a:p>
+                <a:pPr algn="ctr"/>
+                <a:endParaRPr kumimoji="1" lang="ja-JP" altLang="en-US" i="1" dirty="0">
+                  <a:solidFill>
+                    <a:schemeClr val="tx1"/>
+                  </a:solidFill>
+                </a:endParaRPr>
+              </a:p>
+            </p:txBody>
+          </p:sp>
+          <p:sp>
+            <p:nvSpPr>
+              <p:cNvPr id="18" name="円/楕円 17"/>
+              <p:cNvSpPr/>
+              <p:nvPr/>
+            </p:nvSpPr>
+            <p:spPr>
+              <a:xfrm>
+                <a:off x="4628817" y="4598172"/>
+                <a:ext cx="399394" cy="399394"/>
+              </a:xfrm>
+              <a:prstGeom prst="ellipse">
+                <a:avLst/>
+              </a:prstGeom>
+              <a:noFill/>
+              <a:ln w="19050">
+                <a:solidFill>
+                  <a:schemeClr val="tx1"/>
+                </a:solidFill>
+              </a:ln>
+            </p:spPr>
+            <p:style>
+              <a:lnRef idx="2">
+                <a:schemeClr val="accent1">
+                  <a:shade val="50000"/>
+                </a:schemeClr>
+              </a:lnRef>
+              <a:fillRef idx="1">
+                <a:schemeClr val="accent1"/>
+              </a:fillRef>
+              <a:effectRef idx="0">
+                <a:schemeClr val="accent1"/>
+              </a:effectRef>
+              <a:fontRef idx="minor">
+                <a:schemeClr val="lt1"/>
+              </a:fontRef>
+            </p:style>
+            <p:txBody>
+              <a:bodyPr rtlCol="0" anchor="ctr"/>
+              <a:lstStyle/>
+              <a:p>
+                <a:pPr algn="ctr"/>
+                <a:endParaRPr kumimoji="1" lang="ja-JP" altLang="en-US" i="1" dirty="0">
+                  <a:solidFill>
+                    <a:schemeClr val="tx1"/>
+                  </a:solidFill>
+                </a:endParaRPr>
+              </a:p>
+            </p:txBody>
+          </p:sp>
+          <p:cxnSp>
+            <p:nvCxnSpPr>
+              <p:cNvPr id="19" name="直線矢印コネクタ 18"/>
+              <p:cNvCxnSpPr>
+                <a:stCxn id="6" idx="3"/>
+                <a:endCxn id="29" idx="7"/>
+              </p:cNvCxnSpPr>
+              <p:nvPr/>
+            </p:nvCxnSpPr>
+            <p:spPr>
+              <a:xfrm flipH="1">
+                <a:off x="4969721" y="544594"/>
+                <a:ext cx="716848" cy="459636"/>
+              </a:xfrm>
+              <a:prstGeom prst="straightConnector1">
+                <a:avLst/>
+              </a:prstGeom>
+              <a:ln w="19050">
+                <a:solidFill>
+                  <a:schemeClr val="tx1"/>
+                </a:solidFill>
+                <a:tailEnd type="triangle"/>
+              </a:ln>
+            </p:spPr>
+            <p:style>
+              <a:lnRef idx="1">
+                <a:schemeClr val="accent1"/>
+              </a:lnRef>
+              <a:fillRef idx="0">
+                <a:schemeClr val="accent1"/>
+              </a:fillRef>
+              <a:effectRef idx="0">
+                <a:schemeClr val="accent1"/>
+              </a:effectRef>
+              <a:fontRef idx="minor">
+                <a:schemeClr val="tx1"/>
+              </a:fontRef>
+            </p:style>
+          </p:cxnSp>
+          <p:cxnSp>
+            <p:nvCxnSpPr>
+              <p:cNvPr id="20" name="直線矢印コネクタ 19"/>
+              <p:cNvCxnSpPr>
+                <a:stCxn id="6" idx="5"/>
+                <a:endCxn id="30" idx="1"/>
+              </p:cNvCxnSpPr>
+              <p:nvPr/>
+            </p:nvCxnSpPr>
+            <p:spPr>
+              <a:xfrm>
+                <a:off x="5968983" y="544594"/>
+                <a:ext cx="612676" cy="460817"/>
+              </a:xfrm>
+              <a:prstGeom prst="straightConnector1">
+                <a:avLst/>
+              </a:prstGeom>
+              <a:ln w="19050">
+                <a:solidFill>
+                  <a:schemeClr val="tx1"/>
+                </a:solidFill>
+                <a:tailEnd type="triangle"/>
+              </a:ln>
+            </p:spPr>
+            <p:style>
+              <a:lnRef idx="1">
+                <a:schemeClr val="accent1"/>
+              </a:lnRef>
+              <a:fillRef idx="0">
+                <a:schemeClr val="accent1"/>
+              </a:fillRef>
+              <a:effectRef idx="0">
+                <a:schemeClr val="accent1"/>
+              </a:effectRef>
+              <a:fontRef idx="minor">
+                <a:schemeClr val="tx1"/>
+              </a:fontRef>
+            </p:style>
+          </p:cxnSp>
+          <p:cxnSp>
+            <p:nvCxnSpPr>
+              <p:cNvPr id="21" name="直線矢印コネクタ 20"/>
+              <p:cNvCxnSpPr>
+                <a:stCxn id="29" idx="5"/>
+                <a:endCxn id="32" idx="1"/>
+              </p:cNvCxnSpPr>
+              <p:nvPr/>
+            </p:nvCxnSpPr>
+            <p:spPr>
+              <a:xfrm>
+                <a:off x="4969721" y="1286644"/>
+                <a:ext cx="716848" cy="522810"/>
+              </a:xfrm>
+              <a:prstGeom prst="straightConnector1">
+                <a:avLst/>
+              </a:prstGeom>
+              <a:ln w="19050">
+                <a:solidFill>
+                  <a:schemeClr val="tx1"/>
+                </a:solidFill>
+                <a:tailEnd type="triangle"/>
+              </a:ln>
+            </p:spPr>
+            <p:style>
+              <a:lnRef idx="1">
+                <a:schemeClr val="accent1"/>
+              </a:lnRef>
+              <a:fillRef idx="0">
+                <a:schemeClr val="accent1"/>
+              </a:fillRef>
+              <a:effectRef idx="0">
+                <a:schemeClr val="accent1"/>
+              </a:effectRef>
+              <a:fontRef idx="minor">
+                <a:schemeClr val="tx1"/>
+              </a:fontRef>
+            </p:style>
+          </p:cxnSp>
+          <p:cxnSp>
+            <p:nvCxnSpPr>
+              <p:cNvPr id="22" name="直線矢印コネクタ 21"/>
+              <p:cNvCxnSpPr>
+                <a:stCxn id="30" idx="3"/>
+                <a:endCxn id="32" idx="7"/>
+              </p:cNvCxnSpPr>
+              <p:nvPr/>
+            </p:nvCxnSpPr>
+            <p:spPr>
+              <a:xfrm flipH="1">
+                <a:off x="5968983" y="1287825"/>
+                <a:ext cx="612676" cy="521629"/>
+              </a:xfrm>
+              <a:prstGeom prst="straightConnector1">
+                <a:avLst/>
+              </a:prstGeom>
+              <a:ln w="19050">
+                <a:solidFill>
+                  <a:schemeClr val="tx1"/>
+                </a:solidFill>
+                <a:tailEnd type="triangle"/>
+              </a:ln>
+            </p:spPr>
+            <p:style>
+              <a:lnRef idx="1">
+                <a:schemeClr val="accent1"/>
+              </a:lnRef>
+              <a:fillRef idx="0">
+                <a:schemeClr val="accent1"/>
+              </a:fillRef>
+              <a:effectRef idx="0">
+                <a:schemeClr val="accent1"/>
+              </a:effectRef>
+              <a:fontRef idx="minor">
+                <a:schemeClr val="tx1"/>
+              </a:fontRef>
+            </p:style>
+          </p:cxnSp>
+          <p:cxnSp>
+            <p:nvCxnSpPr>
+              <p:cNvPr id="23" name="直線矢印コネクタ 22"/>
+              <p:cNvCxnSpPr>
+                <a:stCxn id="29" idx="3"/>
+                <a:endCxn id="31" idx="7"/>
+              </p:cNvCxnSpPr>
+              <p:nvPr/>
+            </p:nvCxnSpPr>
+            <p:spPr>
+              <a:xfrm flipH="1">
+                <a:off x="3997910" y="1286644"/>
+                <a:ext cx="689397" cy="522810"/>
+              </a:xfrm>
+              <a:prstGeom prst="straightConnector1">
+                <a:avLst/>
+              </a:prstGeom>
+              <a:ln w="19050">
+                <a:solidFill>
+                  <a:schemeClr val="tx1"/>
+                </a:solidFill>
+                <a:tailEnd type="triangle"/>
+              </a:ln>
+            </p:spPr>
+            <p:style>
+              <a:lnRef idx="1">
+                <a:schemeClr val="accent1"/>
+              </a:lnRef>
+              <a:fillRef idx="0">
+                <a:schemeClr val="accent1"/>
+              </a:fillRef>
+              <a:effectRef idx="0">
+                <a:schemeClr val="accent1"/>
+              </a:effectRef>
+              <a:fontRef idx="minor">
+                <a:schemeClr val="tx1"/>
+              </a:fontRef>
+            </p:style>
+          </p:cxnSp>
+          <p:cxnSp>
+            <p:nvCxnSpPr>
+              <p:cNvPr id="24" name="直線矢印コネクタ 23"/>
+              <p:cNvCxnSpPr>
+                <a:stCxn id="30" idx="5"/>
+                <a:endCxn id="33" idx="1"/>
+              </p:cNvCxnSpPr>
+              <p:nvPr/>
+            </p:nvCxnSpPr>
+            <p:spPr>
+              <a:xfrm>
+                <a:off x="6864073" y="1287825"/>
+                <a:ext cx="793569" cy="521629"/>
+              </a:xfrm>
+              <a:prstGeom prst="straightConnector1">
+                <a:avLst/>
+              </a:prstGeom>
+              <a:ln w="19050">
+                <a:solidFill>
+                  <a:schemeClr val="tx1"/>
+                </a:solidFill>
+                <a:tailEnd type="triangle"/>
+              </a:ln>
+            </p:spPr>
+            <p:style>
+              <a:lnRef idx="1">
+                <a:schemeClr val="accent1"/>
+              </a:lnRef>
+              <a:fillRef idx="0">
+                <a:schemeClr val="accent1"/>
+              </a:fillRef>
+              <a:effectRef idx="0">
+                <a:schemeClr val="accent1"/>
+              </a:effectRef>
+              <a:fontRef idx="minor">
+                <a:schemeClr val="tx1"/>
+              </a:fontRef>
+            </p:style>
+          </p:cxnSp>
+          <p:cxnSp>
+            <p:nvCxnSpPr>
+              <p:cNvPr id="25" name="直線矢印コネクタ 24"/>
+              <p:cNvCxnSpPr>
+                <a:stCxn id="32" idx="3"/>
+                <a:endCxn id="34" idx="7"/>
+              </p:cNvCxnSpPr>
+              <p:nvPr/>
+            </p:nvCxnSpPr>
+            <p:spPr>
+              <a:xfrm flipH="1">
+                <a:off x="4969721" y="2091868"/>
+                <a:ext cx="716848" cy="580425"/>
+              </a:xfrm>
+              <a:prstGeom prst="straightConnector1">
+                <a:avLst/>
+              </a:prstGeom>
+              <a:ln w="19050">
+                <a:solidFill>
+                  <a:schemeClr val="tx1"/>
+                </a:solidFill>
+                <a:tailEnd type="triangle"/>
+              </a:ln>
+            </p:spPr>
+            <p:style>
+              <a:lnRef idx="1">
+                <a:schemeClr val="accent1"/>
+              </a:lnRef>
+              <a:fillRef idx="0">
+                <a:schemeClr val="accent1"/>
+              </a:fillRef>
+              <a:effectRef idx="0">
+                <a:schemeClr val="accent1"/>
+              </a:effectRef>
+              <a:fontRef idx="minor">
+                <a:schemeClr val="tx1"/>
+              </a:fontRef>
+            </p:style>
+          </p:cxnSp>
+          <p:cxnSp>
+            <p:nvCxnSpPr>
+              <p:cNvPr id="26" name="直線矢印コネクタ 25"/>
+              <p:cNvCxnSpPr>
+                <a:stCxn id="32" idx="5"/>
+                <a:endCxn id="35" idx="1"/>
+              </p:cNvCxnSpPr>
+              <p:nvPr/>
+            </p:nvCxnSpPr>
+            <p:spPr>
+              <a:xfrm>
+                <a:off x="5968983" y="2091868"/>
+                <a:ext cx="612676" cy="580425"/>
+              </a:xfrm>
+              <a:prstGeom prst="straightConnector1">
+                <a:avLst/>
+              </a:prstGeom>
+              <a:ln w="19050">
+                <a:solidFill>
+                  <a:schemeClr val="tx1"/>
+                </a:solidFill>
+                <a:tailEnd type="triangle"/>
+              </a:ln>
+            </p:spPr>
+            <p:style>
+              <a:lnRef idx="1">
+                <a:schemeClr val="accent1"/>
+              </a:lnRef>
+              <a:fillRef idx="0">
+                <a:schemeClr val="accent1"/>
+              </a:fillRef>
+              <a:effectRef idx="0">
+                <a:schemeClr val="accent1"/>
+              </a:effectRef>
+              <a:fontRef idx="minor">
+                <a:schemeClr val="tx1"/>
+              </a:fontRef>
+            </p:style>
+          </p:cxnSp>
+          <p:cxnSp>
+            <p:nvCxnSpPr>
+              <p:cNvPr id="27" name="直線矢印コネクタ 26"/>
+              <p:cNvCxnSpPr>
+                <a:stCxn id="33" idx="3"/>
+                <a:endCxn id="35" idx="7"/>
+              </p:cNvCxnSpPr>
+              <p:nvPr/>
+            </p:nvCxnSpPr>
+            <p:spPr>
+              <a:xfrm flipH="1">
+                <a:off x="6864073" y="2091868"/>
+                <a:ext cx="793569" cy="580425"/>
+              </a:xfrm>
+              <a:prstGeom prst="straightConnector1">
+                <a:avLst/>
+              </a:prstGeom>
+              <a:ln w="19050">
+                <a:solidFill>
+                  <a:schemeClr val="tx1"/>
+                </a:solidFill>
+                <a:tailEnd type="triangle"/>
+              </a:ln>
+            </p:spPr>
+            <p:style>
+              <a:lnRef idx="1">
+                <a:schemeClr val="accent1"/>
+              </a:lnRef>
+              <a:fillRef idx="0">
+                <a:schemeClr val="accent1"/>
+              </a:fillRef>
+              <a:effectRef idx="0">
+                <a:schemeClr val="accent1"/>
+              </a:effectRef>
+              <a:fontRef idx="minor">
+                <a:schemeClr val="tx1"/>
+              </a:fontRef>
+            </p:style>
+          </p:cxnSp>
+          <p:cxnSp>
+            <p:nvCxnSpPr>
+              <p:cNvPr id="28" name="直線矢印コネクタ 27"/>
+              <p:cNvCxnSpPr>
+                <a:stCxn id="33" idx="4"/>
+                <a:endCxn id="38" idx="0"/>
+              </p:cNvCxnSpPr>
+              <p:nvPr/>
+            </p:nvCxnSpPr>
+            <p:spPr>
+              <a:xfrm>
+                <a:off x="7798849" y="2150358"/>
+                <a:ext cx="0" cy="1410551"/>
+              </a:xfrm>
+              <a:prstGeom prst="straightConnector1">
+                <a:avLst/>
+              </a:prstGeom>
+              <a:ln w="19050">
+                <a:solidFill>
+                  <a:schemeClr val="tx1"/>
+                </a:solidFill>
+                <a:tailEnd type="triangle"/>
+              </a:ln>
+            </p:spPr>
+            <p:style>
+              <a:lnRef idx="1">
+                <a:schemeClr val="accent1"/>
+              </a:lnRef>
+              <a:fillRef idx="0">
+                <a:schemeClr val="accent1"/>
+              </a:fillRef>
+              <a:effectRef idx="0">
+                <a:schemeClr val="accent1"/>
+              </a:effectRef>
+              <a:fontRef idx="minor">
+                <a:schemeClr val="tx1"/>
+              </a:fontRef>
+            </p:style>
+          </p:cxnSp>
+          <p:cxnSp>
+            <p:nvCxnSpPr>
+              <p:cNvPr id="29" name="直線矢印コネクタ 28"/>
+              <p:cNvCxnSpPr>
+                <a:stCxn id="31" idx="4"/>
+                <a:endCxn id="36" idx="0"/>
+              </p:cNvCxnSpPr>
+              <p:nvPr/>
+            </p:nvCxnSpPr>
+            <p:spPr>
+              <a:xfrm>
+                <a:off x="3856703" y="2150358"/>
+                <a:ext cx="0" cy="1410551"/>
+              </a:xfrm>
+              <a:prstGeom prst="straightConnector1">
+                <a:avLst/>
+              </a:prstGeom>
+              <a:ln w="19050">
+                <a:solidFill>
+                  <a:schemeClr val="tx1"/>
+                </a:solidFill>
+                <a:tailEnd type="triangle"/>
+              </a:ln>
+            </p:spPr>
+            <p:style>
+              <a:lnRef idx="1">
+                <a:schemeClr val="accent1"/>
+              </a:lnRef>
+              <a:fillRef idx="0">
+                <a:schemeClr val="accent1"/>
+              </a:fillRef>
+              <a:effectRef idx="0">
+                <a:schemeClr val="accent1"/>
+              </a:effectRef>
+              <a:fontRef idx="minor">
+                <a:schemeClr val="tx1"/>
+              </a:fontRef>
+            </p:style>
+          </p:cxnSp>
+          <p:cxnSp>
+            <p:nvCxnSpPr>
+              <p:cNvPr id="30" name="直線矢印コネクタ 29"/>
+              <p:cNvCxnSpPr>
+                <a:stCxn id="31" idx="5"/>
+                <a:endCxn id="34" idx="1"/>
+              </p:cNvCxnSpPr>
+              <p:nvPr/>
+            </p:nvCxnSpPr>
+            <p:spPr>
+              <a:xfrm>
+                <a:off x="3997910" y="2091868"/>
+                <a:ext cx="689397" cy="580425"/>
+              </a:xfrm>
+              <a:prstGeom prst="straightConnector1">
+                <a:avLst/>
+              </a:prstGeom>
+              <a:ln w="19050">
+                <a:solidFill>
+                  <a:schemeClr val="tx1"/>
+                </a:solidFill>
+                <a:tailEnd type="triangle"/>
+              </a:ln>
+            </p:spPr>
+            <p:style>
+              <a:lnRef idx="1">
+                <a:schemeClr val="accent1"/>
+              </a:lnRef>
+              <a:fillRef idx="0">
+                <a:schemeClr val="accent1"/>
+              </a:fillRef>
+              <a:effectRef idx="0">
+                <a:schemeClr val="accent1"/>
+              </a:effectRef>
+              <a:fontRef idx="minor">
+                <a:schemeClr val="tx1"/>
+              </a:fontRef>
+            </p:style>
+          </p:cxnSp>
+          <p:cxnSp>
+            <p:nvCxnSpPr>
+              <p:cNvPr id="31" name="直線矢印コネクタ 30"/>
+              <p:cNvCxnSpPr>
+                <a:stCxn id="35" idx="3"/>
+                <a:endCxn id="37" idx="7"/>
+              </p:cNvCxnSpPr>
+              <p:nvPr/>
+            </p:nvCxnSpPr>
+            <p:spPr>
+              <a:xfrm flipH="1">
+                <a:off x="5962987" y="2954707"/>
+                <a:ext cx="618672" cy="664692"/>
+              </a:xfrm>
+              <a:prstGeom prst="straightConnector1">
+                <a:avLst/>
+              </a:prstGeom>
+              <a:ln w="19050">
+                <a:solidFill>
+                  <a:schemeClr val="tx1"/>
+                </a:solidFill>
+                <a:tailEnd type="triangle"/>
+              </a:ln>
+            </p:spPr>
+            <p:style>
+              <a:lnRef idx="1">
+                <a:schemeClr val="accent1"/>
+              </a:lnRef>
+              <a:fillRef idx="0">
+                <a:schemeClr val="accent1"/>
+              </a:fillRef>
+              <a:effectRef idx="0">
+                <a:schemeClr val="accent1"/>
+              </a:effectRef>
+              <a:fontRef idx="minor">
+                <a:schemeClr val="tx1"/>
+              </a:fontRef>
+            </p:style>
+          </p:cxnSp>
+          <p:cxnSp>
+            <p:nvCxnSpPr>
+              <p:cNvPr id="32" name="直線矢印コネクタ 31"/>
+              <p:cNvCxnSpPr>
+                <a:stCxn id="34" idx="5"/>
+                <a:endCxn id="37" idx="1"/>
+              </p:cNvCxnSpPr>
+              <p:nvPr/>
+            </p:nvCxnSpPr>
+            <p:spPr>
+              <a:xfrm>
+                <a:off x="4969721" y="2954707"/>
+                <a:ext cx="710852" cy="664692"/>
+              </a:xfrm>
+              <a:prstGeom prst="straightConnector1">
+                <a:avLst/>
+              </a:prstGeom>
+              <a:ln w="19050">
+                <a:solidFill>
+                  <a:schemeClr val="tx1"/>
+                </a:solidFill>
+                <a:tailEnd type="triangle"/>
+              </a:ln>
+            </p:spPr>
+            <p:style>
+              <a:lnRef idx="1">
+                <a:schemeClr val="accent1"/>
+              </a:lnRef>
+              <a:fillRef idx="0">
+                <a:schemeClr val="accent1"/>
+              </a:fillRef>
+              <a:effectRef idx="0">
+                <a:schemeClr val="accent1"/>
+              </a:effectRef>
+              <a:fontRef idx="minor">
+                <a:schemeClr val="tx1"/>
+              </a:fontRef>
+            </p:style>
+          </p:cxnSp>
+          <p:cxnSp>
+            <p:nvCxnSpPr>
+              <p:cNvPr id="33" name="直線矢印コネクタ 32"/>
+              <p:cNvCxnSpPr>
+                <a:stCxn id="35" idx="5"/>
+                <a:endCxn id="38" idx="1"/>
+              </p:cNvCxnSpPr>
+              <p:nvPr/>
+            </p:nvCxnSpPr>
+            <p:spPr>
+              <a:xfrm>
+                <a:off x="6864073" y="2954707"/>
+                <a:ext cx="793569" cy="664692"/>
+              </a:xfrm>
+              <a:prstGeom prst="straightConnector1">
+                <a:avLst/>
+              </a:prstGeom>
+              <a:ln w="19050">
+                <a:solidFill>
+                  <a:schemeClr val="tx1"/>
+                </a:solidFill>
+                <a:tailEnd type="triangle"/>
+              </a:ln>
+            </p:spPr>
+            <p:style>
+              <a:lnRef idx="1">
+                <a:schemeClr val="accent1"/>
+              </a:lnRef>
+              <a:fillRef idx="0">
+                <a:schemeClr val="accent1"/>
+              </a:fillRef>
+              <a:effectRef idx="0">
+                <a:schemeClr val="accent1"/>
+              </a:effectRef>
+              <a:fontRef idx="minor">
+                <a:schemeClr val="tx1"/>
+              </a:fontRef>
+            </p:style>
+          </p:cxnSp>
+          <p:cxnSp>
+            <p:nvCxnSpPr>
+              <p:cNvPr id="34" name="直線矢印コネクタ 33"/>
+              <p:cNvCxnSpPr>
+                <a:stCxn id="34" idx="3"/>
+                <a:endCxn id="36" idx="7"/>
+              </p:cNvCxnSpPr>
+              <p:nvPr/>
+            </p:nvCxnSpPr>
+            <p:spPr>
+              <a:xfrm flipH="1">
+                <a:off x="3997910" y="2954707"/>
+                <a:ext cx="689397" cy="664692"/>
+              </a:xfrm>
+              <a:prstGeom prst="straightConnector1">
+                <a:avLst/>
+              </a:prstGeom>
+              <a:ln w="19050">
+                <a:solidFill>
+                  <a:schemeClr val="tx1"/>
+                </a:solidFill>
+                <a:tailEnd type="triangle"/>
+              </a:ln>
+            </p:spPr>
+            <p:style>
+              <a:lnRef idx="1">
+                <a:schemeClr val="accent1"/>
+              </a:lnRef>
+              <a:fillRef idx="0">
+                <a:schemeClr val="accent1"/>
+              </a:fillRef>
+              <a:effectRef idx="0">
+                <a:schemeClr val="accent1"/>
+              </a:effectRef>
+              <a:fontRef idx="minor">
+                <a:schemeClr val="tx1"/>
+              </a:fontRef>
+            </p:style>
+          </p:cxnSp>
+          <p:cxnSp>
+            <p:nvCxnSpPr>
+              <p:cNvPr id="35" name="直線矢印コネクタ 34"/>
+              <p:cNvCxnSpPr>
+                <a:stCxn id="37" idx="5"/>
+                <a:endCxn id="39" idx="1"/>
+              </p:cNvCxnSpPr>
+              <p:nvPr/>
+            </p:nvCxnSpPr>
+            <p:spPr>
+              <a:xfrm>
+                <a:off x="5962987" y="3901813"/>
+                <a:ext cx="626413" cy="754849"/>
+              </a:xfrm>
+              <a:prstGeom prst="straightConnector1">
+                <a:avLst/>
+              </a:prstGeom>
+              <a:ln w="19050">
+                <a:solidFill>
+                  <a:schemeClr val="tx1"/>
+                </a:solidFill>
+                <a:tailEnd type="triangle"/>
+              </a:ln>
+            </p:spPr>
+            <p:style>
+              <a:lnRef idx="1">
+                <a:schemeClr val="accent1"/>
+              </a:lnRef>
+              <a:fillRef idx="0">
+                <a:schemeClr val="accent1"/>
+              </a:fillRef>
+              <a:effectRef idx="0">
+                <a:schemeClr val="accent1"/>
+              </a:effectRef>
+              <a:fontRef idx="minor">
+                <a:schemeClr val="tx1"/>
+              </a:fontRef>
+            </p:style>
+          </p:cxnSp>
+          <p:cxnSp>
+            <p:nvCxnSpPr>
+              <p:cNvPr id="36" name="直線矢印コネクタ 35"/>
+              <p:cNvCxnSpPr>
+                <a:stCxn id="36" idx="5"/>
+                <a:endCxn id="40" idx="1"/>
+              </p:cNvCxnSpPr>
+              <p:nvPr/>
+            </p:nvCxnSpPr>
+            <p:spPr>
+              <a:xfrm>
+                <a:off x="3997910" y="3901813"/>
+                <a:ext cx="689397" cy="754849"/>
+              </a:xfrm>
+              <a:prstGeom prst="straightConnector1">
+                <a:avLst/>
+              </a:prstGeom>
+              <a:ln w="19050">
+                <a:solidFill>
+                  <a:schemeClr val="tx1"/>
+                </a:solidFill>
+                <a:tailEnd type="triangle"/>
+              </a:ln>
+            </p:spPr>
+            <p:style>
+              <a:lnRef idx="1">
+                <a:schemeClr val="accent1"/>
+              </a:lnRef>
+              <a:fillRef idx="0">
+                <a:schemeClr val="accent1"/>
+              </a:fillRef>
+              <a:effectRef idx="0">
+                <a:schemeClr val="accent1"/>
+              </a:effectRef>
+              <a:fontRef idx="minor">
+                <a:schemeClr val="tx1"/>
+              </a:fontRef>
+            </p:style>
+          </p:cxnSp>
+          <p:cxnSp>
+            <p:nvCxnSpPr>
+              <p:cNvPr id="37" name="直線矢印コネクタ 36"/>
+              <p:cNvCxnSpPr>
+                <a:stCxn id="37" idx="3"/>
+                <a:endCxn id="40" idx="7"/>
+              </p:cNvCxnSpPr>
+              <p:nvPr/>
+            </p:nvCxnSpPr>
+            <p:spPr>
+              <a:xfrm flipH="1">
+                <a:off x="4969721" y="3901813"/>
+                <a:ext cx="710852" cy="754849"/>
+              </a:xfrm>
+              <a:prstGeom prst="straightConnector1">
+                <a:avLst/>
+              </a:prstGeom>
+              <a:ln w="19050">
+                <a:solidFill>
+                  <a:schemeClr val="tx1"/>
+                </a:solidFill>
+                <a:tailEnd type="triangle"/>
+              </a:ln>
+            </p:spPr>
+            <p:style>
+              <a:lnRef idx="1">
+                <a:schemeClr val="accent1"/>
+              </a:lnRef>
+              <a:fillRef idx="0">
+                <a:schemeClr val="accent1"/>
+              </a:fillRef>
+              <a:effectRef idx="0">
+                <a:schemeClr val="accent1"/>
+              </a:effectRef>
+              <a:fontRef idx="minor">
+                <a:schemeClr val="tx1"/>
+              </a:fontRef>
+            </p:style>
+          </p:cxnSp>
+          <p:cxnSp>
+            <p:nvCxnSpPr>
+              <p:cNvPr id="38" name="直線矢印コネクタ 37"/>
+              <p:cNvCxnSpPr>
+                <a:stCxn id="38" idx="3"/>
+                <a:endCxn id="39" idx="7"/>
+              </p:cNvCxnSpPr>
+              <p:nvPr/>
+            </p:nvCxnSpPr>
+            <p:spPr>
+              <a:xfrm flipH="1">
+                <a:off x="6871814" y="3901813"/>
+                <a:ext cx="785828" cy="754849"/>
+              </a:xfrm>
+              <a:prstGeom prst="straightConnector1">
+                <a:avLst/>
+              </a:prstGeom>
+              <a:ln w="19050">
+                <a:solidFill>
+                  <a:schemeClr val="tx1"/>
+                </a:solidFill>
+                <a:tailEnd type="triangle"/>
+              </a:ln>
+            </p:spPr>
+            <p:style>
+              <a:lnRef idx="1">
+                <a:schemeClr val="accent1"/>
+              </a:lnRef>
+              <a:fillRef idx="0">
+                <a:schemeClr val="accent1"/>
+              </a:fillRef>
+              <a:effectRef idx="0">
+                <a:schemeClr val="accent1"/>
+              </a:effectRef>
+              <a:fontRef idx="minor">
+                <a:schemeClr val="tx1"/>
+              </a:fontRef>
+            </p:style>
+          </p:cxnSp>
+          <p:cxnSp>
+            <p:nvCxnSpPr>
+              <p:cNvPr id="39" name="直線矢印コネクタ 38"/>
+              <p:cNvCxnSpPr>
+                <a:stCxn id="40" idx="5"/>
+                <a:endCxn id="19" idx="1"/>
+              </p:cNvCxnSpPr>
+              <p:nvPr/>
+            </p:nvCxnSpPr>
+            <p:spPr>
+              <a:xfrm>
+                <a:off x="4969721" y="4939076"/>
+                <a:ext cx="710852" cy="490268"/>
+              </a:xfrm>
+              <a:prstGeom prst="straightConnector1">
+                <a:avLst/>
+              </a:prstGeom>
+              <a:ln w="19050">
+                <a:solidFill>
+                  <a:schemeClr val="tx1"/>
+                </a:solidFill>
+                <a:tailEnd type="triangle"/>
+              </a:ln>
+            </p:spPr>
+            <p:style>
+              <a:lnRef idx="1">
+                <a:schemeClr val="accent1"/>
+              </a:lnRef>
+              <a:fillRef idx="0">
+                <a:schemeClr val="accent1"/>
+              </a:fillRef>
+              <a:effectRef idx="0">
+                <a:schemeClr val="accent1"/>
+              </a:effectRef>
+              <a:fontRef idx="minor">
+                <a:schemeClr val="tx1"/>
+              </a:fontRef>
+            </p:style>
+          </p:cxnSp>
+          <p:cxnSp>
+            <p:nvCxnSpPr>
+              <p:cNvPr id="40" name="直線矢印コネクタ 39"/>
+              <p:cNvCxnSpPr>
+                <a:stCxn id="39" idx="3"/>
+                <a:endCxn id="19" idx="7"/>
+              </p:cNvCxnSpPr>
+              <p:nvPr/>
+            </p:nvCxnSpPr>
+            <p:spPr>
+              <a:xfrm flipH="1">
+                <a:off x="5962987" y="4939076"/>
+                <a:ext cx="626413" cy="490268"/>
+              </a:xfrm>
+              <a:prstGeom prst="straightConnector1">
+                <a:avLst/>
+              </a:prstGeom>
+              <a:ln w="19050">
+                <a:solidFill>
+                  <a:schemeClr val="tx1"/>
+                </a:solidFill>
+                <a:tailEnd type="triangle"/>
+              </a:ln>
+            </p:spPr>
+            <p:style>
+              <a:lnRef idx="1">
+                <a:schemeClr val="accent1"/>
+              </a:lnRef>
+              <a:fillRef idx="0">
+                <a:schemeClr val="accent1"/>
+              </a:fillRef>
+              <a:effectRef idx="0">
+                <a:schemeClr val="accent1"/>
+              </a:effectRef>
+              <a:fontRef idx="minor">
+                <a:schemeClr val="tx1"/>
+              </a:fontRef>
+            </p:style>
+          </p:cxnSp>
+        </p:grpSp>
+        <p:grpSp>
+          <p:nvGrpSpPr>
+            <p:cNvPr id="41" name="図形グループ 40"/>
+            <p:cNvGrpSpPr/>
             <p:nvPr/>
-          </p:nvSpPr>
-          <p:spPr>
+          </p:nvGrpSpPr>
+          <p:grpSpPr>
             <a:xfrm>
-              <a:off x="5541885" y="2093871"/>
-              <a:ext cx="388265" cy="388265"/>
+              <a:off x="3987861" y="1146659"/>
+              <a:ext cx="3799868" cy="3614729"/>
+              <a:chOff x="3541057" y="329066"/>
+              <a:chExt cx="4231964" cy="4025772"/>
             </a:xfrm>
-            <a:prstGeom prst="ellipse">
-              <a:avLst/>
-            </a:prstGeom>
-            <a:noFill/>
-            <a:ln w="19050">
-              <a:solidFill>
-                <a:schemeClr val="tx1"/>
-              </a:solidFill>
-            </a:ln>
-          </p:spPr>
-          <p:style>
-            <a:lnRef idx="2">
-              <a:schemeClr val="accent1">
-                <a:shade val="50000"/>
-              </a:schemeClr>
-            </a:lnRef>
-            <a:fillRef idx="1">
-              <a:schemeClr val="accent1"/>
-            </a:fillRef>
-            <a:effectRef idx="0">
-              <a:schemeClr val="accent1"/>
-            </a:effectRef>
-            <a:fontRef idx="minor">
-              <a:schemeClr val="lt1"/>
-            </a:fontRef>
-          </p:style>
-          <p:txBody>
-            <a:bodyPr rtlCol="0" anchor="ctr"/>
-            <a:lstStyle/>
-            <a:p>
-              <a:pPr algn="ctr"/>
-              <a:endParaRPr kumimoji="1" lang="ja-JP" altLang="en-US" i="1" dirty="0">
-                <a:solidFill>
-                  <a:schemeClr val="tx1"/>
-                </a:solidFill>
-              </a:endParaRPr>
-            </a:p>
-          </p:txBody>
-        </p:sp>
-        <p:sp>
-          <p:nvSpPr>
-            <p:cNvPr id="82" name="円/楕円 81"/>
-            <p:cNvSpPr/>
+          </p:grpSpPr>
+          <p:sp>
+            <p:nvSpPr>
+              <p:cNvPr id="42" name="円/楕円 41"/>
+              <p:cNvSpPr/>
+              <p:nvPr/>
+            </p:nvSpPr>
+            <p:spPr>
+              <a:xfrm>
+                <a:off x="5441576" y="329066"/>
+                <a:ext cx="430925" cy="430925"/>
+              </a:xfrm>
+              <a:prstGeom prst="ellipse">
+                <a:avLst/>
+              </a:prstGeom>
+              <a:noFill/>
+              <a:ln w="19050">
+                <a:solidFill>
+                  <a:schemeClr val="tx1"/>
+                </a:solidFill>
+              </a:ln>
+            </p:spPr>
+            <p:style>
+              <a:lnRef idx="2">
+                <a:schemeClr val="accent1">
+                  <a:shade val="50000"/>
+                </a:schemeClr>
+              </a:lnRef>
+              <a:fillRef idx="1">
+                <a:schemeClr val="accent1"/>
+              </a:fillRef>
+              <a:effectRef idx="0">
+                <a:schemeClr val="accent1"/>
+              </a:effectRef>
+              <a:fontRef idx="minor">
+                <a:schemeClr val="lt1"/>
+              </a:fontRef>
+            </p:style>
+            <p:txBody>
+              <a:bodyPr rtlCol="0" anchor="ctr"/>
+              <a:lstStyle/>
+              <a:p>
+                <a:pPr algn="ctr"/>
+                <a:r>
+                  <a:rPr lang="en-US" altLang="ja-JP" i="1" dirty="0" smtClean="0">
+                    <a:solidFill>
+                      <a:schemeClr val="tx1"/>
+                    </a:solidFill>
+                  </a:rPr>
+                  <a:t>s</a:t>
+                </a:r>
+                <a:endParaRPr kumimoji="1" lang="ja-JP" altLang="en-US" i="1" dirty="0">
+                  <a:solidFill>
+                    <a:schemeClr val="tx1"/>
+                  </a:solidFill>
+                </a:endParaRPr>
+              </a:p>
+            </p:txBody>
+          </p:sp>
+          <p:sp>
+            <p:nvSpPr>
+              <p:cNvPr id="43" name="円/楕円 42"/>
+              <p:cNvSpPr/>
+              <p:nvPr/>
+            </p:nvSpPr>
+            <p:spPr>
+              <a:xfrm>
+                <a:off x="5441576" y="3923913"/>
+                <a:ext cx="430925" cy="430925"/>
+              </a:xfrm>
+              <a:prstGeom prst="ellipse">
+                <a:avLst/>
+              </a:prstGeom>
+              <a:noFill/>
+              <a:ln w="19050">
+                <a:solidFill>
+                  <a:schemeClr val="tx1"/>
+                </a:solidFill>
+              </a:ln>
+            </p:spPr>
+            <p:style>
+              <a:lnRef idx="2">
+                <a:schemeClr val="accent1">
+                  <a:shade val="50000"/>
+                </a:schemeClr>
+              </a:lnRef>
+              <a:fillRef idx="1">
+                <a:schemeClr val="accent1"/>
+              </a:fillRef>
+              <a:effectRef idx="0">
+                <a:schemeClr val="accent1"/>
+              </a:effectRef>
+              <a:fontRef idx="minor">
+                <a:schemeClr val="lt1"/>
+              </a:fontRef>
+            </p:style>
+            <p:txBody>
+              <a:bodyPr rtlCol="0" anchor="ctr"/>
+              <a:lstStyle/>
+              <a:p>
+                <a:pPr algn="ctr"/>
+                <a:r>
+                  <a:rPr lang="en-US" altLang="ja-JP" i="1" dirty="0">
+                    <a:solidFill>
+                      <a:schemeClr val="tx1"/>
+                    </a:solidFill>
+                  </a:rPr>
+                  <a:t>g</a:t>
+                </a:r>
+                <a:endParaRPr kumimoji="1" lang="ja-JP" altLang="en-US" i="1" dirty="0">
+                  <a:solidFill>
+                    <a:schemeClr val="tx1"/>
+                  </a:solidFill>
+                </a:endParaRPr>
+              </a:p>
+            </p:txBody>
+          </p:sp>
+          <p:sp>
+            <p:nvSpPr>
+              <p:cNvPr id="44" name="円/楕円 43"/>
+              <p:cNvSpPr/>
+              <p:nvPr/>
+            </p:nvSpPr>
+            <p:spPr>
+              <a:xfrm>
+                <a:off x="4491317" y="969688"/>
+                <a:ext cx="430925" cy="430925"/>
+              </a:xfrm>
+              <a:prstGeom prst="ellipse">
+                <a:avLst/>
+              </a:prstGeom>
+              <a:noFill/>
+              <a:ln w="19050">
+                <a:solidFill>
+                  <a:schemeClr val="tx1"/>
+                </a:solidFill>
+              </a:ln>
+            </p:spPr>
+            <p:style>
+              <a:lnRef idx="2">
+                <a:schemeClr val="accent1">
+                  <a:shade val="50000"/>
+                </a:schemeClr>
+              </a:lnRef>
+              <a:fillRef idx="1">
+                <a:schemeClr val="accent1"/>
+              </a:fillRef>
+              <a:effectRef idx="0">
+                <a:schemeClr val="accent1"/>
+              </a:effectRef>
+              <a:fontRef idx="minor">
+                <a:schemeClr val="lt1"/>
+              </a:fontRef>
+            </p:style>
+            <p:txBody>
+              <a:bodyPr rtlCol="0" anchor="ctr"/>
+              <a:lstStyle/>
+              <a:p>
+                <a:pPr algn="ctr"/>
+                <a:endParaRPr kumimoji="1" lang="ja-JP" altLang="en-US" i="1" dirty="0">
+                  <a:solidFill>
+                    <a:schemeClr val="tx1"/>
+                  </a:solidFill>
+                </a:endParaRPr>
+              </a:p>
+            </p:txBody>
+          </p:sp>
+          <p:sp>
+            <p:nvSpPr>
+              <p:cNvPr id="45" name="円/楕円 44"/>
+              <p:cNvSpPr/>
+              <p:nvPr/>
+            </p:nvSpPr>
+            <p:spPr>
+              <a:xfrm>
+                <a:off x="6391835" y="969687"/>
+                <a:ext cx="430925" cy="430925"/>
+              </a:xfrm>
+              <a:prstGeom prst="ellipse">
+                <a:avLst/>
+              </a:prstGeom>
+              <a:noFill/>
+              <a:ln w="19050">
+                <a:solidFill>
+                  <a:schemeClr val="tx1"/>
+                </a:solidFill>
+              </a:ln>
+            </p:spPr>
+            <p:style>
+              <a:lnRef idx="2">
+                <a:schemeClr val="accent1">
+                  <a:shade val="50000"/>
+                </a:schemeClr>
+              </a:lnRef>
+              <a:fillRef idx="1">
+                <a:schemeClr val="accent1"/>
+              </a:fillRef>
+              <a:effectRef idx="0">
+                <a:schemeClr val="accent1"/>
+              </a:effectRef>
+              <a:fontRef idx="minor">
+                <a:schemeClr val="lt1"/>
+              </a:fontRef>
+            </p:style>
+            <p:txBody>
+              <a:bodyPr rtlCol="0" anchor="ctr"/>
+              <a:lstStyle/>
+              <a:p>
+                <a:pPr algn="ctr"/>
+                <a:endParaRPr kumimoji="1" lang="ja-JP" altLang="en-US" i="1" dirty="0">
+                  <a:solidFill>
+                    <a:schemeClr val="tx1"/>
+                  </a:solidFill>
+                </a:endParaRPr>
+              </a:p>
+            </p:txBody>
+          </p:sp>
+          <p:sp>
+            <p:nvSpPr>
+              <p:cNvPr id="46" name="円/楕円 45"/>
+              <p:cNvSpPr/>
+              <p:nvPr/>
+            </p:nvSpPr>
+            <p:spPr>
+              <a:xfrm>
+                <a:off x="5441576" y="2078727"/>
+                <a:ext cx="430925" cy="430925"/>
+              </a:xfrm>
+              <a:prstGeom prst="ellipse">
+                <a:avLst/>
+              </a:prstGeom>
+              <a:noFill/>
+              <a:ln w="19050">
+                <a:solidFill>
+                  <a:schemeClr val="tx1"/>
+                </a:solidFill>
+              </a:ln>
+            </p:spPr>
+            <p:style>
+              <a:lnRef idx="2">
+                <a:schemeClr val="accent1">
+                  <a:shade val="50000"/>
+                </a:schemeClr>
+              </a:lnRef>
+              <a:fillRef idx="1">
+                <a:schemeClr val="accent1"/>
+              </a:fillRef>
+              <a:effectRef idx="0">
+                <a:schemeClr val="accent1"/>
+              </a:effectRef>
+              <a:fontRef idx="minor">
+                <a:schemeClr val="lt1"/>
+              </a:fontRef>
+            </p:style>
+            <p:txBody>
+              <a:bodyPr rtlCol="0" anchor="ctr"/>
+              <a:lstStyle/>
+              <a:p>
+                <a:pPr algn="ctr"/>
+                <a:endParaRPr kumimoji="1" lang="ja-JP" altLang="en-US" i="1" dirty="0">
+                  <a:solidFill>
+                    <a:schemeClr val="tx1"/>
+                  </a:solidFill>
+                </a:endParaRPr>
+              </a:p>
+            </p:txBody>
+          </p:sp>
+          <p:sp>
+            <p:nvSpPr>
+              <p:cNvPr id="47" name="円/楕円 46"/>
+              <p:cNvSpPr/>
+              <p:nvPr/>
+            </p:nvSpPr>
+            <p:spPr>
+              <a:xfrm>
+                <a:off x="4491317" y="2078726"/>
+                <a:ext cx="430925" cy="430925"/>
+              </a:xfrm>
+              <a:prstGeom prst="ellipse">
+                <a:avLst/>
+              </a:prstGeom>
+              <a:noFill/>
+              <a:ln w="19050">
+                <a:solidFill>
+                  <a:schemeClr val="tx1"/>
+                </a:solidFill>
+              </a:ln>
+            </p:spPr>
+            <p:style>
+              <a:lnRef idx="2">
+                <a:schemeClr val="accent1">
+                  <a:shade val="50000"/>
+                </a:schemeClr>
+              </a:lnRef>
+              <a:fillRef idx="1">
+                <a:schemeClr val="accent1"/>
+              </a:fillRef>
+              <a:effectRef idx="0">
+                <a:schemeClr val="accent1"/>
+              </a:effectRef>
+              <a:fontRef idx="minor">
+                <a:schemeClr val="lt1"/>
+              </a:fontRef>
+            </p:style>
+            <p:txBody>
+              <a:bodyPr rtlCol="0" anchor="ctr"/>
+              <a:lstStyle/>
+              <a:p>
+                <a:pPr algn="ctr"/>
+                <a:endParaRPr kumimoji="1" lang="ja-JP" altLang="en-US" i="1" dirty="0">
+                  <a:solidFill>
+                    <a:schemeClr val="tx1"/>
+                  </a:solidFill>
+                </a:endParaRPr>
+              </a:p>
+            </p:txBody>
+          </p:sp>
+          <p:sp>
+            <p:nvSpPr>
+              <p:cNvPr id="48" name="円/楕円 47"/>
+              <p:cNvSpPr/>
+              <p:nvPr/>
+            </p:nvSpPr>
+            <p:spPr>
+              <a:xfrm>
+                <a:off x="6391836" y="2078726"/>
+                <a:ext cx="430925" cy="430925"/>
+              </a:xfrm>
+              <a:prstGeom prst="ellipse">
+                <a:avLst/>
+              </a:prstGeom>
+              <a:noFill/>
+              <a:ln w="19050">
+                <a:solidFill>
+                  <a:schemeClr val="tx1"/>
+                </a:solidFill>
+              </a:ln>
+            </p:spPr>
+            <p:style>
+              <a:lnRef idx="2">
+                <a:schemeClr val="accent1">
+                  <a:shade val="50000"/>
+                </a:schemeClr>
+              </a:lnRef>
+              <a:fillRef idx="1">
+                <a:schemeClr val="accent1"/>
+              </a:fillRef>
+              <a:effectRef idx="0">
+                <a:schemeClr val="accent1"/>
+              </a:effectRef>
+              <a:fontRef idx="minor">
+                <a:schemeClr val="lt1"/>
+              </a:fontRef>
+            </p:style>
+            <p:txBody>
+              <a:bodyPr rtlCol="0" anchor="ctr"/>
+              <a:lstStyle/>
+              <a:p>
+                <a:pPr algn="ctr"/>
+                <a:endParaRPr kumimoji="1" lang="ja-JP" altLang="en-US" i="1" dirty="0">
+                  <a:solidFill>
+                    <a:schemeClr val="tx1"/>
+                  </a:solidFill>
+                </a:endParaRPr>
+              </a:p>
+            </p:txBody>
+          </p:sp>
+          <p:sp>
+            <p:nvSpPr>
+              <p:cNvPr id="49" name="円/楕円 48"/>
+              <p:cNvSpPr/>
+              <p:nvPr/>
+            </p:nvSpPr>
+            <p:spPr>
+              <a:xfrm>
+                <a:off x="3541057" y="2078725"/>
+                <a:ext cx="430925" cy="430925"/>
+              </a:xfrm>
+              <a:prstGeom prst="ellipse">
+                <a:avLst/>
+              </a:prstGeom>
+              <a:noFill/>
+              <a:ln w="19050">
+                <a:solidFill>
+                  <a:schemeClr val="tx1"/>
+                </a:solidFill>
+              </a:ln>
+            </p:spPr>
+            <p:style>
+              <a:lnRef idx="2">
+                <a:schemeClr val="accent1">
+                  <a:shade val="50000"/>
+                </a:schemeClr>
+              </a:lnRef>
+              <a:fillRef idx="1">
+                <a:schemeClr val="accent1"/>
+              </a:fillRef>
+              <a:effectRef idx="0">
+                <a:schemeClr val="accent1"/>
+              </a:effectRef>
+              <a:fontRef idx="minor">
+                <a:schemeClr val="lt1"/>
+              </a:fontRef>
+            </p:style>
+            <p:txBody>
+              <a:bodyPr rtlCol="0" anchor="ctr"/>
+              <a:lstStyle/>
+              <a:p>
+                <a:pPr algn="ctr"/>
+                <a:endParaRPr kumimoji="1" lang="ja-JP" altLang="en-US" i="1" dirty="0">
+                  <a:solidFill>
+                    <a:schemeClr val="tx1"/>
+                  </a:solidFill>
+                </a:endParaRPr>
+              </a:p>
+            </p:txBody>
+          </p:sp>
+          <p:sp>
+            <p:nvSpPr>
+              <p:cNvPr id="50" name="円/楕円 49"/>
+              <p:cNvSpPr/>
+              <p:nvPr/>
+            </p:nvSpPr>
+            <p:spPr>
+              <a:xfrm>
+                <a:off x="7342096" y="2078726"/>
+                <a:ext cx="430925" cy="430925"/>
+              </a:xfrm>
+              <a:prstGeom prst="ellipse">
+                <a:avLst/>
+              </a:prstGeom>
+              <a:noFill/>
+              <a:ln w="19050">
+                <a:solidFill>
+                  <a:schemeClr val="tx1"/>
+                </a:solidFill>
+              </a:ln>
+            </p:spPr>
+            <p:style>
+              <a:lnRef idx="2">
+                <a:schemeClr val="accent1">
+                  <a:shade val="50000"/>
+                </a:schemeClr>
+              </a:lnRef>
+              <a:fillRef idx="1">
+                <a:schemeClr val="accent1"/>
+              </a:fillRef>
+              <a:effectRef idx="0">
+                <a:schemeClr val="accent1"/>
+              </a:effectRef>
+              <a:fontRef idx="minor">
+                <a:schemeClr val="lt1"/>
+              </a:fontRef>
+            </p:style>
+            <p:txBody>
+              <a:bodyPr rtlCol="0" anchor="ctr"/>
+              <a:lstStyle/>
+              <a:p>
+                <a:pPr algn="ctr"/>
+                <a:endParaRPr kumimoji="1" lang="ja-JP" altLang="en-US" i="1" dirty="0">
+                  <a:solidFill>
+                    <a:schemeClr val="tx1"/>
+                  </a:solidFill>
+                </a:endParaRPr>
+              </a:p>
+            </p:txBody>
+          </p:sp>
+          <p:sp>
+            <p:nvSpPr>
+              <p:cNvPr id="51" name="円/楕円 50"/>
+              <p:cNvSpPr/>
+              <p:nvPr/>
+            </p:nvSpPr>
+            <p:spPr>
+              <a:xfrm>
+                <a:off x="4491317" y="3011275"/>
+                <a:ext cx="430925" cy="430925"/>
+              </a:xfrm>
+              <a:prstGeom prst="ellipse">
+                <a:avLst/>
+              </a:prstGeom>
+              <a:noFill/>
+              <a:ln w="19050">
+                <a:solidFill>
+                  <a:schemeClr val="tx1"/>
+                </a:solidFill>
+              </a:ln>
+            </p:spPr>
+            <p:style>
+              <a:lnRef idx="2">
+                <a:schemeClr val="accent1">
+                  <a:shade val="50000"/>
+                </a:schemeClr>
+              </a:lnRef>
+              <a:fillRef idx="1">
+                <a:schemeClr val="accent1"/>
+              </a:fillRef>
+              <a:effectRef idx="0">
+                <a:schemeClr val="accent1"/>
+              </a:effectRef>
+              <a:fontRef idx="minor">
+                <a:schemeClr val="lt1"/>
+              </a:fontRef>
+            </p:style>
+            <p:txBody>
+              <a:bodyPr rtlCol="0" anchor="ctr"/>
+              <a:lstStyle/>
+              <a:p>
+                <a:pPr algn="ctr"/>
+                <a:endParaRPr kumimoji="1" lang="ja-JP" altLang="en-US" i="1" dirty="0">
+                  <a:solidFill>
+                    <a:schemeClr val="tx1"/>
+                  </a:solidFill>
+                </a:endParaRPr>
+              </a:p>
+            </p:txBody>
+          </p:sp>
+          <p:sp>
+            <p:nvSpPr>
+              <p:cNvPr id="52" name="円/楕円 51"/>
+              <p:cNvSpPr/>
+              <p:nvPr/>
+            </p:nvSpPr>
+            <p:spPr>
+              <a:xfrm>
+                <a:off x="6396936" y="3011275"/>
+                <a:ext cx="430925" cy="430925"/>
+              </a:xfrm>
+              <a:prstGeom prst="ellipse">
+                <a:avLst/>
+              </a:prstGeom>
+              <a:noFill/>
+              <a:ln w="19050">
+                <a:solidFill>
+                  <a:schemeClr val="tx1"/>
+                </a:solidFill>
+              </a:ln>
+            </p:spPr>
+            <p:style>
+              <a:lnRef idx="2">
+                <a:schemeClr val="accent1">
+                  <a:shade val="50000"/>
+                </a:schemeClr>
+              </a:lnRef>
+              <a:fillRef idx="1">
+                <a:schemeClr val="accent1"/>
+              </a:fillRef>
+              <a:effectRef idx="0">
+                <a:schemeClr val="accent1"/>
+              </a:effectRef>
+              <a:fontRef idx="minor">
+                <a:schemeClr val="lt1"/>
+              </a:fontRef>
+            </p:style>
+            <p:txBody>
+              <a:bodyPr rtlCol="0" anchor="ctr"/>
+              <a:lstStyle/>
+              <a:p>
+                <a:pPr algn="ctr"/>
+                <a:endParaRPr kumimoji="1" lang="ja-JP" altLang="en-US" i="1" dirty="0">
+                  <a:solidFill>
+                    <a:schemeClr val="tx1"/>
+                  </a:solidFill>
+                </a:endParaRPr>
+              </a:p>
+            </p:txBody>
+          </p:sp>
+          <p:sp>
+            <p:nvSpPr>
+              <p:cNvPr id="53" name="円/楕円 52"/>
+              <p:cNvSpPr/>
+              <p:nvPr/>
+            </p:nvSpPr>
+            <p:spPr>
+              <a:xfrm>
+                <a:off x="3541057" y="3923911"/>
+                <a:ext cx="430925" cy="430925"/>
+              </a:xfrm>
+              <a:prstGeom prst="ellipse">
+                <a:avLst/>
+              </a:prstGeom>
+              <a:noFill/>
+              <a:ln w="19050">
+                <a:solidFill>
+                  <a:schemeClr val="tx1"/>
+                </a:solidFill>
+              </a:ln>
+            </p:spPr>
+            <p:style>
+              <a:lnRef idx="2">
+                <a:schemeClr val="accent1">
+                  <a:shade val="50000"/>
+                </a:schemeClr>
+              </a:lnRef>
+              <a:fillRef idx="1">
+                <a:schemeClr val="accent1"/>
+              </a:fillRef>
+              <a:effectRef idx="0">
+                <a:schemeClr val="accent1"/>
+              </a:effectRef>
+              <a:fontRef idx="minor">
+                <a:schemeClr val="lt1"/>
+              </a:fontRef>
+            </p:style>
+            <p:txBody>
+              <a:bodyPr rtlCol="0" anchor="ctr"/>
+              <a:lstStyle/>
+              <a:p>
+                <a:pPr algn="ctr"/>
+                <a:endParaRPr kumimoji="1" lang="ja-JP" altLang="en-US" i="1" dirty="0">
+                  <a:solidFill>
+                    <a:schemeClr val="tx1"/>
+                  </a:solidFill>
+                </a:endParaRPr>
+              </a:p>
+            </p:txBody>
+          </p:sp>
+          <p:sp>
+            <p:nvSpPr>
+              <p:cNvPr id="54" name="円/楕円 53"/>
+              <p:cNvSpPr/>
+              <p:nvPr/>
+            </p:nvSpPr>
+            <p:spPr>
+              <a:xfrm>
+                <a:off x="7342095" y="3923912"/>
+                <a:ext cx="430925" cy="430925"/>
+              </a:xfrm>
+              <a:prstGeom prst="ellipse">
+                <a:avLst/>
+              </a:prstGeom>
+              <a:noFill/>
+              <a:ln w="19050">
+                <a:solidFill>
+                  <a:schemeClr val="tx1"/>
+                </a:solidFill>
+              </a:ln>
+            </p:spPr>
+            <p:style>
+              <a:lnRef idx="2">
+                <a:schemeClr val="accent1">
+                  <a:shade val="50000"/>
+                </a:schemeClr>
+              </a:lnRef>
+              <a:fillRef idx="1">
+                <a:schemeClr val="accent1"/>
+              </a:fillRef>
+              <a:effectRef idx="0">
+                <a:schemeClr val="accent1"/>
+              </a:effectRef>
+              <a:fontRef idx="minor">
+                <a:schemeClr val="lt1"/>
+              </a:fontRef>
+            </p:style>
+            <p:txBody>
+              <a:bodyPr rtlCol="0" anchor="ctr"/>
+              <a:lstStyle/>
+              <a:p>
+                <a:pPr algn="ctr"/>
+                <a:endParaRPr kumimoji="1" lang="ja-JP" altLang="en-US" i="1" dirty="0">
+                  <a:solidFill>
+                    <a:schemeClr val="tx1"/>
+                  </a:solidFill>
+                </a:endParaRPr>
+              </a:p>
+            </p:txBody>
+          </p:sp>
+          <p:cxnSp>
+            <p:nvCxnSpPr>
+              <p:cNvPr id="55" name="直線矢印コネクタ 54"/>
+              <p:cNvCxnSpPr>
+                <a:stCxn id="43" idx="3"/>
+                <a:endCxn id="45" idx="7"/>
+              </p:cNvCxnSpPr>
+              <p:nvPr/>
+            </p:nvCxnSpPr>
+            <p:spPr>
+              <a:xfrm flipH="1">
+                <a:off x="4859134" y="696883"/>
+                <a:ext cx="645550" cy="335913"/>
+              </a:xfrm>
+              <a:prstGeom prst="straightConnector1">
+                <a:avLst/>
+              </a:prstGeom>
+              <a:ln w="19050">
+                <a:solidFill>
+                  <a:schemeClr val="tx1"/>
+                </a:solidFill>
+                <a:tailEnd type="triangle"/>
+              </a:ln>
+            </p:spPr>
+            <p:style>
+              <a:lnRef idx="1">
+                <a:schemeClr val="accent1"/>
+              </a:lnRef>
+              <a:fillRef idx="0">
+                <a:schemeClr val="accent1"/>
+              </a:fillRef>
+              <a:effectRef idx="0">
+                <a:schemeClr val="accent1"/>
+              </a:effectRef>
+              <a:fontRef idx="minor">
+                <a:schemeClr val="tx1"/>
+              </a:fontRef>
+            </p:style>
+          </p:cxnSp>
+          <p:cxnSp>
+            <p:nvCxnSpPr>
+              <p:cNvPr id="56" name="直線矢印コネクタ 55"/>
+              <p:cNvCxnSpPr>
+                <a:stCxn id="43" idx="5"/>
+                <a:endCxn id="46" idx="1"/>
+              </p:cNvCxnSpPr>
+              <p:nvPr/>
+            </p:nvCxnSpPr>
+            <p:spPr>
+              <a:xfrm>
+                <a:off x="5809393" y="696883"/>
+                <a:ext cx="645550" cy="335912"/>
+              </a:xfrm>
+              <a:prstGeom prst="straightConnector1">
+                <a:avLst/>
+              </a:prstGeom>
+              <a:ln w="19050">
+                <a:solidFill>
+                  <a:schemeClr val="tx1"/>
+                </a:solidFill>
+                <a:tailEnd type="triangle"/>
+              </a:ln>
+            </p:spPr>
+            <p:style>
+              <a:lnRef idx="1">
+                <a:schemeClr val="accent1"/>
+              </a:lnRef>
+              <a:fillRef idx="0">
+                <a:schemeClr val="accent1"/>
+              </a:fillRef>
+              <a:effectRef idx="0">
+                <a:schemeClr val="accent1"/>
+              </a:effectRef>
+              <a:fontRef idx="minor">
+                <a:schemeClr val="tx1"/>
+              </a:fontRef>
+            </p:style>
+          </p:cxnSp>
+          <p:cxnSp>
+            <p:nvCxnSpPr>
+              <p:cNvPr id="57" name="直線矢印コネクタ 56"/>
+              <p:cNvCxnSpPr>
+                <a:stCxn id="43" idx="4"/>
+                <a:endCxn id="47" idx="0"/>
+              </p:cNvCxnSpPr>
+              <p:nvPr/>
+            </p:nvCxnSpPr>
+            <p:spPr>
+              <a:xfrm>
+                <a:off x="5657039" y="759991"/>
+                <a:ext cx="0" cy="1318736"/>
+              </a:xfrm>
+              <a:prstGeom prst="straightConnector1">
+                <a:avLst/>
+              </a:prstGeom>
+              <a:ln w="19050">
+                <a:solidFill>
+                  <a:schemeClr val="tx1"/>
+                </a:solidFill>
+                <a:tailEnd type="triangle"/>
+              </a:ln>
+            </p:spPr>
+            <p:style>
+              <a:lnRef idx="1">
+                <a:schemeClr val="accent1"/>
+              </a:lnRef>
+              <a:fillRef idx="0">
+                <a:schemeClr val="accent1"/>
+              </a:fillRef>
+              <a:effectRef idx="0">
+                <a:schemeClr val="accent1"/>
+              </a:effectRef>
+              <a:fontRef idx="minor">
+                <a:schemeClr val="tx1"/>
+              </a:fontRef>
+            </p:style>
+          </p:cxnSp>
+          <p:cxnSp>
+            <p:nvCxnSpPr>
+              <p:cNvPr id="58" name="直線矢印コネクタ 57"/>
+              <p:cNvCxnSpPr>
+                <a:stCxn id="45" idx="3"/>
+                <a:endCxn id="50" idx="7"/>
+              </p:cNvCxnSpPr>
+              <p:nvPr/>
+            </p:nvCxnSpPr>
+            <p:spPr>
+              <a:xfrm flipH="1">
+                <a:off x="3908874" y="1337505"/>
+                <a:ext cx="645551" cy="804328"/>
+              </a:xfrm>
+              <a:prstGeom prst="straightConnector1">
+                <a:avLst/>
+              </a:prstGeom>
+              <a:ln w="19050">
+                <a:solidFill>
+                  <a:schemeClr val="tx1"/>
+                </a:solidFill>
+                <a:tailEnd type="triangle"/>
+              </a:ln>
+            </p:spPr>
+            <p:style>
+              <a:lnRef idx="1">
+                <a:schemeClr val="accent1"/>
+              </a:lnRef>
+              <a:fillRef idx="0">
+                <a:schemeClr val="accent1"/>
+              </a:fillRef>
+              <a:effectRef idx="0">
+                <a:schemeClr val="accent1"/>
+              </a:effectRef>
+              <a:fontRef idx="minor">
+                <a:schemeClr val="tx1"/>
+              </a:fontRef>
+            </p:style>
+          </p:cxnSp>
+          <p:cxnSp>
+            <p:nvCxnSpPr>
+              <p:cNvPr id="59" name="直線矢印コネクタ 58"/>
+              <p:cNvCxnSpPr>
+                <a:stCxn id="45" idx="4"/>
+                <a:endCxn id="48" idx="0"/>
+              </p:cNvCxnSpPr>
+              <p:nvPr/>
+            </p:nvCxnSpPr>
+            <p:spPr>
+              <a:xfrm>
+                <a:off x="4706780" y="1400613"/>
+                <a:ext cx="0" cy="678113"/>
+              </a:xfrm>
+              <a:prstGeom prst="straightConnector1">
+                <a:avLst/>
+              </a:prstGeom>
+              <a:ln w="19050">
+                <a:solidFill>
+                  <a:schemeClr val="tx1"/>
+                </a:solidFill>
+                <a:tailEnd type="triangle"/>
+              </a:ln>
+            </p:spPr>
+            <p:style>
+              <a:lnRef idx="1">
+                <a:schemeClr val="accent1"/>
+              </a:lnRef>
+              <a:fillRef idx="0">
+                <a:schemeClr val="accent1"/>
+              </a:fillRef>
+              <a:effectRef idx="0">
+                <a:schemeClr val="accent1"/>
+              </a:effectRef>
+              <a:fontRef idx="minor">
+                <a:schemeClr val="tx1"/>
+              </a:fontRef>
+            </p:style>
+          </p:cxnSp>
+          <p:cxnSp>
+            <p:nvCxnSpPr>
+              <p:cNvPr id="60" name="直線矢印コネクタ 59"/>
+              <p:cNvCxnSpPr>
+                <a:stCxn id="45" idx="5"/>
+                <a:endCxn id="47" idx="1"/>
+              </p:cNvCxnSpPr>
+              <p:nvPr/>
+            </p:nvCxnSpPr>
+            <p:spPr>
+              <a:xfrm>
+                <a:off x="4859134" y="1337505"/>
+                <a:ext cx="645550" cy="804330"/>
+              </a:xfrm>
+              <a:prstGeom prst="straightConnector1">
+                <a:avLst/>
+              </a:prstGeom>
+              <a:ln w="19050">
+                <a:solidFill>
+                  <a:schemeClr val="tx1"/>
+                </a:solidFill>
+                <a:tailEnd type="triangle"/>
+              </a:ln>
+            </p:spPr>
+            <p:style>
+              <a:lnRef idx="1">
+                <a:schemeClr val="accent1"/>
+              </a:lnRef>
+              <a:fillRef idx="0">
+                <a:schemeClr val="accent1"/>
+              </a:fillRef>
+              <a:effectRef idx="0">
+                <a:schemeClr val="accent1"/>
+              </a:effectRef>
+              <a:fontRef idx="minor">
+                <a:schemeClr val="tx1"/>
+              </a:fontRef>
+            </p:style>
+          </p:cxnSp>
+          <p:cxnSp>
+            <p:nvCxnSpPr>
+              <p:cNvPr id="61" name="直線矢印コネクタ 60"/>
+              <p:cNvCxnSpPr>
+                <a:stCxn id="46" idx="3"/>
+                <a:endCxn id="47" idx="7"/>
+              </p:cNvCxnSpPr>
+              <p:nvPr/>
+            </p:nvCxnSpPr>
+            <p:spPr>
+              <a:xfrm flipH="1">
+                <a:off x="5809393" y="1337504"/>
+                <a:ext cx="645550" cy="804331"/>
+              </a:xfrm>
+              <a:prstGeom prst="straightConnector1">
+                <a:avLst/>
+              </a:prstGeom>
+              <a:ln w="19050">
+                <a:solidFill>
+                  <a:schemeClr val="tx1"/>
+                </a:solidFill>
+                <a:tailEnd type="triangle"/>
+              </a:ln>
+            </p:spPr>
+            <p:style>
+              <a:lnRef idx="1">
+                <a:schemeClr val="accent1"/>
+              </a:lnRef>
+              <a:fillRef idx="0">
+                <a:schemeClr val="accent1"/>
+              </a:fillRef>
+              <a:effectRef idx="0">
+                <a:schemeClr val="accent1"/>
+              </a:effectRef>
+              <a:fontRef idx="minor">
+                <a:schemeClr val="tx1"/>
+              </a:fontRef>
+            </p:style>
+          </p:cxnSp>
+          <p:cxnSp>
+            <p:nvCxnSpPr>
+              <p:cNvPr id="62" name="直線矢印コネクタ 61"/>
+              <p:cNvCxnSpPr>
+                <a:stCxn id="46" idx="4"/>
+                <a:endCxn id="49" idx="0"/>
+              </p:cNvCxnSpPr>
+              <p:nvPr/>
+            </p:nvCxnSpPr>
+            <p:spPr>
+              <a:xfrm>
+                <a:off x="6607298" y="1400612"/>
+                <a:ext cx="1" cy="678114"/>
+              </a:xfrm>
+              <a:prstGeom prst="straightConnector1">
+                <a:avLst/>
+              </a:prstGeom>
+              <a:ln w="19050">
+                <a:solidFill>
+                  <a:schemeClr val="tx1"/>
+                </a:solidFill>
+                <a:tailEnd type="triangle"/>
+              </a:ln>
+            </p:spPr>
+            <p:style>
+              <a:lnRef idx="1">
+                <a:schemeClr val="accent1"/>
+              </a:lnRef>
+              <a:fillRef idx="0">
+                <a:schemeClr val="accent1"/>
+              </a:fillRef>
+              <a:effectRef idx="0">
+                <a:schemeClr val="accent1"/>
+              </a:effectRef>
+              <a:fontRef idx="minor">
+                <a:schemeClr val="tx1"/>
+              </a:fontRef>
+            </p:style>
+          </p:cxnSp>
+          <p:cxnSp>
+            <p:nvCxnSpPr>
+              <p:cNvPr id="63" name="直線矢印コネクタ 62"/>
+              <p:cNvCxnSpPr>
+                <a:stCxn id="46" idx="5"/>
+                <a:endCxn id="51" idx="1"/>
+              </p:cNvCxnSpPr>
+              <p:nvPr/>
+            </p:nvCxnSpPr>
+            <p:spPr>
+              <a:xfrm>
+                <a:off x="6759652" y="1337504"/>
+                <a:ext cx="645552" cy="804330"/>
+              </a:xfrm>
+              <a:prstGeom prst="straightConnector1">
+                <a:avLst/>
+              </a:prstGeom>
+              <a:ln w="19050">
+                <a:solidFill>
+                  <a:schemeClr val="tx1"/>
+                </a:solidFill>
+                <a:tailEnd type="triangle"/>
+              </a:ln>
+            </p:spPr>
+            <p:style>
+              <a:lnRef idx="1">
+                <a:schemeClr val="accent1"/>
+              </a:lnRef>
+              <a:fillRef idx="0">
+                <a:schemeClr val="accent1"/>
+              </a:fillRef>
+              <a:effectRef idx="0">
+                <a:schemeClr val="accent1"/>
+              </a:effectRef>
+              <a:fontRef idx="minor">
+                <a:schemeClr val="tx1"/>
+              </a:fontRef>
+            </p:style>
+          </p:cxnSp>
+          <p:cxnSp>
+            <p:nvCxnSpPr>
+              <p:cNvPr id="64" name="直線矢印コネクタ 63"/>
+              <p:cNvCxnSpPr>
+                <a:stCxn id="50" idx="4"/>
+                <a:endCxn id="54" idx="0"/>
+              </p:cNvCxnSpPr>
+              <p:nvPr/>
+            </p:nvCxnSpPr>
+            <p:spPr>
+              <a:xfrm>
+                <a:off x="3756520" y="2509650"/>
+                <a:ext cx="0" cy="1414261"/>
+              </a:xfrm>
+              <a:prstGeom prst="straightConnector1">
+                <a:avLst/>
+              </a:prstGeom>
+              <a:ln w="19050">
+                <a:solidFill>
+                  <a:schemeClr val="tx1"/>
+                </a:solidFill>
+                <a:tailEnd type="triangle"/>
+              </a:ln>
+            </p:spPr>
+            <p:style>
+              <a:lnRef idx="1">
+                <a:schemeClr val="accent1"/>
+              </a:lnRef>
+              <a:fillRef idx="0">
+                <a:schemeClr val="accent1"/>
+              </a:fillRef>
+              <a:effectRef idx="0">
+                <a:schemeClr val="accent1"/>
+              </a:effectRef>
+              <a:fontRef idx="minor">
+                <a:schemeClr val="tx1"/>
+              </a:fontRef>
+            </p:style>
+          </p:cxnSp>
+          <p:cxnSp>
+            <p:nvCxnSpPr>
+              <p:cNvPr id="65" name="直線矢印コネクタ 64"/>
+              <p:cNvCxnSpPr>
+                <a:stCxn id="55" idx="2"/>
+                <a:endCxn id="44" idx="6"/>
+              </p:cNvCxnSpPr>
+              <p:nvPr/>
+            </p:nvCxnSpPr>
+            <p:spPr>
+              <a:xfrm flipH="1">
+                <a:off x="5872501" y="4139375"/>
+                <a:ext cx="1469594" cy="1"/>
+              </a:xfrm>
+              <a:prstGeom prst="straightConnector1">
+                <a:avLst/>
+              </a:prstGeom>
+              <a:ln w="19050">
+                <a:solidFill>
+                  <a:schemeClr val="tx1"/>
+                </a:solidFill>
+                <a:tailEnd type="triangle"/>
+              </a:ln>
+            </p:spPr>
+            <p:style>
+              <a:lnRef idx="1">
+                <a:schemeClr val="accent1"/>
+              </a:lnRef>
+              <a:fillRef idx="0">
+                <a:schemeClr val="accent1"/>
+              </a:fillRef>
+              <a:effectRef idx="0">
+                <a:schemeClr val="accent1"/>
+              </a:effectRef>
+              <a:fontRef idx="minor">
+                <a:schemeClr val="tx1"/>
+              </a:fontRef>
+            </p:style>
+          </p:cxnSp>
+          <p:cxnSp>
+            <p:nvCxnSpPr>
+              <p:cNvPr id="66" name="直線矢印コネクタ 65"/>
+              <p:cNvCxnSpPr>
+                <a:stCxn id="51" idx="4"/>
+                <a:endCxn id="55" idx="0"/>
+              </p:cNvCxnSpPr>
+              <p:nvPr/>
+            </p:nvCxnSpPr>
+            <p:spPr>
+              <a:xfrm flipH="1">
+                <a:off x="7557558" y="2509651"/>
+                <a:ext cx="1" cy="1414261"/>
+              </a:xfrm>
+              <a:prstGeom prst="straightConnector1">
+                <a:avLst/>
+              </a:prstGeom>
+              <a:ln w="19050">
+                <a:solidFill>
+                  <a:schemeClr val="tx1"/>
+                </a:solidFill>
+                <a:tailEnd type="triangle"/>
+              </a:ln>
+            </p:spPr>
+            <p:style>
+              <a:lnRef idx="1">
+                <a:schemeClr val="accent1"/>
+              </a:lnRef>
+              <a:fillRef idx="0">
+                <a:schemeClr val="accent1"/>
+              </a:fillRef>
+              <a:effectRef idx="0">
+                <a:schemeClr val="accent1"/>
+              </a:effectRef>
+              <a:fontRef idx="minor">
+                <a:schemeClr val="tx1"/>
+              </a:fontRef>
+            </p:style>
+          </p:cxnSp>
+          <p:cxnSp>
+            <p:nvCxnSpPr>
+              <p:cNvPr id="67" name="直線矢印コネクタ 66"/>
+              <p:cNvCxnSpPr>
+                <a:stCxn id="54" idx="6"/>
+                <a:endCxn id="44" idx="2"/>
+              </p:cNvCxnSpPr>
+              <p:nvPr/>
+            </p:nvCxnSpPr>
+            <p:spPr>
+              <a:xfrm>
+                <a:off x="3971982" y="4139374"/>
+                <a:ext cx="1469594" cy="2"/>
+              </a:xfrm>
+              <a:prstGeom prst="straightConnector1">
+                <a:avLst/>
+              </a:prstGeom>
+              <a:ln w="19050">
+                <a:solidFill>
+                  <a:schemeClr val="tx1"/>
+                </a:solidFill>
+                <a:tailEnd type="triangle"/>
+              </a:ln>
+            </p:spPr>
+            <p:style>
+              <a:lnRef idx="1">
+                <a:schemeClr val="accent1"/>
+              </a:lnRef>
+              <a:fillRef idx="0">
+                <a:schemeClr val="accent1"/>
+              </a:fillRef>
+              <a:effectRef idx="0">
+                <a:schemeClr val="accent1"/>
+              </a:effectRef>
+              <a:fontRef idx="minor">
+                <a:schemeClr val="tx1"/>
+              </a:fontRef>
+            </p:style>
+          </p:cxnSp>
+          <p:cxnSp>
+            <p:nvCxnSpPr>
+              <p:cNvPr id="68" name="直線矢印コネクタ 67"/>
+              <p:cNvCxnSpPr>
+                <a:stCxn id="49" idx="4"/>
+                <a:endCxn id="53" idx="0"/>
+              </p:cNvCxnSpPr>
+              <p:nvPr/>
+            </p:nvCxnSpPr>
+            <p:spPr>
+              <a:xfrm>
+                <a:off x="6607299" y="2509651"/>
+                <a:ext cx="5100" cy="501624"/>
+              </a:xfrm>
+              <a:prstGeom prst="straightConnector1">
+                <a:avLst/>
+              </a:prstGeom>
+              <a:ln w="19050">
+                <a:solidFill>
+                  <a:schemeClr val="tx1"/>
+                </a:solidFill>
+                <a:tailEnd type="triangle"/>
+              </a:ln>
+            </p:spPr>
+            <p:style>
+              <a:lnRef idx="1">
+                <a:schemeClr val="accent1"/>
+              </a:lnRef>
+              <a:fillRef idx="0">
+                <a:schemeClr val="accent1"/>
+              </a:fillRef>
+              <a:effectRef idx="0">
+                <a:schemeClr val="accent1"/>
+              </a:effectRef>
+              <a:fontRef idx="minor">
+                <a:schemeClr val="tx1"/>
+              </a:fontRef>
+            </p:style>
+          </p:cxnSp>
+          <p:cxnSp>
+            <p:nvCxnSpPr>
+              <p:cNvPr id="69" name="直線矢印コネクタ 68"/>
+              <p:cNvCxnSpPr>
+                <a:stCxn id="51" idx="3"/>
+                <a:endCxn id="53" idx="7"/>
+              </p:cNvCxnSpPr>
+              <p:nvPr/>
+            </p:nvCxnSpPr>
+            <p:spPr>
+              <a:xfrm flipH="1">
+                <a:off x="6764753" y="2446543"/>
+                <a:ext cx="640451" cy="627840"/>
+              </a:xfrm>
+              <a:prstGeom prst="straightConnector1">
+                <a:avLst/>
+              </a:prstGeom>
+              <a:ln w="19050">
+                <a:solidFill>
+                  <a:schemeClr val="tx1"/>
+                </a:solidFill>
+                <a:tailEnd type="triangle"/>
+              </a:ln>
+            </p:spPr>
+            <p:style>
+              <a:lnRef idx="1">
+                <a:schemeClr val="accent1"/>
+              </a:lnRef>
+              <a:fillRef idx="0">
+                <a:schemeClr val="accent1"/>
+              </a:fillRef>
+              <a:effectRef idx="0">
+                <a:schemeClr val="accent1"/>
+              </a:effectRef>
+              <a:fontRef idx="minor">
+                <a:schemeClr val="tx1"/>
+              </a:fontRef>
+            </p:style>
+          </p:cxnSp>
+          <p:cxnSp>
+            <p:nvCxnSpPr>
+              <p:cNvPr id="70" name="直線矢印コネクタ 69"/>
+              <p:cNvCxnSpPr>
+                <a:stCxn id="48" idx="4"/>
+                <a:endCxn id="52" idx="0"/>
+              </p:cNvCxnSpPr>
+              <p:nvPr/>
+            </p:nvCxnSpPr>
+            <p:spPr>
+              <a:xfrm>
+                <a:off x="4706780" y="2509651"/>
+                <a:ext cx="0" cy="501624"/>
+              </a:xfrm>
+              <a:prstGeom prst="straightConnector1">
+                <a:avLst/>
+              </a:prstGeom>
+              <a:ln w="19050">
+                <a:solidFill>
+                  <a:schemeClr val="tx1"/>
+                </a:solidFill>
+                <a:tailEnd type="triangle"/>
+              </a:ln>
+            </p:spPr>
+            <p:style>
+              <a:lnRef idx="1">
+                <a:schemeClr val="accent1"/>
+              </a:lnRef>
+              <a:fillRef idx="0">
+                <a:schemeClr val="accent1"/>
+              </a:fillRef>
+              <a:effectRef idx="0">
+                <a:schemeClr val="accent1"/>
+              </a:effectRef>
+              <a:fontRef idx="minor">
+                <a:schemeClr val="tx1"/>
+              </a:fontRef>
+            </p:style>
+          </p:cxnSp>
+          <p:cxnSp>
+            <p:nvCxnSpPr>
+              <p:cNvPr id="71" name="直線矢印コネクタ 70"/>
+              <p:cNvCxnSpPr>
+                <a:stCxn id="47" idx="3"/>
+                <a:endCxn id="52" idx="7"/>
+              </p:cNvCxnSpPr>
+              <p:nvPr/>
+            </p:nvCxnSpPr>
+            <p:spPr>
+              <a:xfrm flipH="1">
+                <a:off x="4859134" y="2446544"/>
+                <a:ext cx="645550" cy="627839"/>
+              </a:xfrm>
+              <a:prstGeom prst="straightConnector1">
+                <a:avLst/>
+              </a:prstGeom>
+              <a:ln w="19050">
+                <a:solidFill>
+                  <a:schemeClr val="tx1"/>
+                </a:solidFill>
+                <a:tailEnd type="triangle"/>
+              </a:ln>
+            </p:spPr>
+            <p:style>
+              <a:lnRef idx="1">
+                <a:schemeClr val="accent1"/>
+              </a:lnRef>
+              <a:fillRef idx="0">
+                <a:schemeClr val="accent1"/>
+              </a:fillRef>
+              <a:effectRef idx="0">
+                <a:schemeClr val="accent1"/>
+              </a:effectRef>
+              <a:fontRef idx="minor">
+                <a:schemeClr val="tx1"/>
+              </a:fontRef>
+            </p:style>
+          </p:cxnSp>
+          <p:cxnSp>
+            <p:nvCxnSpPr>
+              <p:cNvPr id="72" name="直線矢印コネクタ 71"/>
+              <p:cNvCxnSpPr>
+                <a:stCxn id="47" idx="5"/>
+                <a:endCxn id="53" idx="1"/>
+              </p:cNvCxnSpPr>
+              <p:nvPr/>
+            </p:nvCxnSpPr>
+            <p:spPr>
+              <a:xfrm>
+                <a:off x="5809393" y="2446544"/>
+                <a:ext cx="650651" cy="627839"/>
+              </a:xfrm>
+              <a:prstGeom prst="straightConnector1">
+                <a:avLst/>
+              </a:prstGeom>
+              <a:ln w="19050">
+                <a:solidFill>
+                  <a:schemeClr val="tx1"/>
+                </a:solidFill>
+                <a:tailEnd type="triangle"/>
+              </a:ln>
+            </p:spPr>
+            <p:style>
+              <a:lnRef idx="1">
+                <a:schemeClr val="accent1"/>
+              </a:lnRef>
+              <a:fillRef idx="0">
+                <a:schemeClr val="accent1"/>
+              </a:fillRef>
+              <a:effectRef idx="0">
+                <a:schemeClr val="accent1"/>
+              </a:effectRef>
+              <a:fontRef idx="minor">
+                <a:schemeClr val="tx1"/>
+              </a:fontRef>
+            </p:style>
+          </p:cxnSp>
+          <p:cxnSp>
+            <p:nvCxnSpPr>
+              <p:cNvPr id="73" name="直線矢印コネクタ 72"/>
+              <p:cNvCxnSpPr>
+                <a:stCxn id="52" idx="3"/>
+                <a:endCxn id="54" idx="7"/>
+              </p:cNvCxnSpPr>
+              <p:nvPr/>
+            </p:nvCxnSpPr>
+            <p:spPr>
+              <a:xfrm flipH="1">
+                <a:off x="3908874" y="3379092"/>
+                <a:ext cx="645551" cy="607927"/>
+              </a:xfrm>
+              <a:prstGeom prst="straightConnector1">
+                <a:avLst/>
+              </a:prstGeom>
+              <a:ln w="19050">
+                <a:solidFill>
+                  <a:schemeClr val="tx1"/>
+                </a:solidFill>
+                <a:tailEnd type="triangle"/>
+              </a:ln>
+            </p:spPr>
+            <p:style>
+              <a:lnRef idx="1">
+                <a:schemeClr val="accent1"/>
+              </a:lnRef>
+              <a:fillRef idx="0">
+                <a:schemeClr val="accent1"/>
+              </a:fillRef>
+              <a:effectRef idx="0">
+                <a:schemeClr val="accent1"/>
+              </a:effectRef>
+              <a:fontRef idx="minor">
+                <a:schemeClr val="tx1"/>
+              </a:fontRef>
+            </p:style>
+          </p:cxnSp>
+          <p:cxnSp>
+            <p:nvCxnSpPr>
+              <p:cNvPr id="74" name="直線矢印コネクタ 73"/>
+              <p:cNvCxnSpPr>
+                <a:stCxn id="50" idx="5"/>
+                <a:endCxn id="52" idx="1"/>
+              </p:cNvCxnSpPr>
+              <p:nvPr/>
+            </p:nvCxnSpPr>
+            <p:spPr>
+              <a:xfrm>
+                <a:off x="3908874" y="2446542"/>
+                <a:ext cx="645551" cy="627841"/>
+              </a:xfrm>
+              <a:prstGeom prst="straightConnector1">
+                <a:avLst/>
+              </a:prstGeom>
+              <a:ln w="19050">
+                <a:solidFill>
+                  <a:schemeClr val="tx1"/>
+                </a:solidFill>
+                <a:tailEnd type="triangle"/>
+              </a:ln>
+            </p:spPr>
+            <p:style>
+              <a:lnRef idx="1">
+                <a:schemeClr val="accent1"/>
+              </a:lnRef>
+              <a:fillRef idx="0">
+                <a:schemeClr val="accent1"/>
+              </a:fillRef>
+              <a:effectRef idx="0">
+                <a:schemeClr val="accent1"/>
+              </a:effectRef>
+              <a:fontRef idx="minor">
+                <a:schemeClr val="tx1"/>
+              </a:fontRef>
+            </p:style>
+          </p:cxnSp>
+          <p:cxnSp>
+            <p:nvCxnSpPr>
+              <p:cNvPr id="75" name="直線矢印コネクタ 74"/>
+              <p:cNvCxnSpPr>
+                <a:stCxn id="53" idx="3"/>
+                <a:endCxn id="44" idx="7"/>
+              </p:cNvCxnSpPr>
+              <p:nvPr/>
+            </p:nvCxnSpPr>
+            <p:spPr>
+              <a:xfrm flipH="1">
+                <a:off x="5809393" y="3379092"/>
+                <a:ext cx="650651" cy="607929"/>
+              </a:xfrm>
+              <a:prstGeom prst="straightConnector1">
+                <a:avLst/>
+              </a:prstGeom>
+              <a:ln w="19050">
+                <a:solidFill>
+                  <a:schemeClr val="tx1"/>
+                </a:solidFill>
+                <a:tailEnd type="triangle"/>
+              </a:ln>
+            </p:spPr>
+            <p:style>
+              <a:lnRef idx="1">
+                <a:schemeClr val="accent1"/>
+              </a:lnRef>
+              <a:fillRef idx="0">
+                <a:schemeClr val="accent1"/>
+              </a:fillRef>
+              <a:effectRef idx="0">
+                <a:schemeClr val="accent1"/>
+              </a:effectRef>
+              <a:fontRef idx="minor">
+                <a:schemeClr val="tx1"/>
+              </a:fontRef>
+            </p:style>
+          </p:cxnSp>
+          <p:cxnSp>
+            <p:nvCxnSpPr>
+              <p:cNvPr id="76" name="直線矢印コネクタ 75"/>
+              <p:cNvCxnSpPr>
+                <a:stCxn id="52" idx="5"/>
+                <a:endCxn id="44" idx="1"/>
+              </p:cNvCxnSpPr>
+              <p:nvPr/>
+            </p:nvCxnSpPr>
+            <p:spPr>
+              <a:xfrm>
+                <a:off x="4859134" y="3379092"/>
+                <a:ext cx="645550" cy="607929"/>
+              </a:xfrm>
+              <a:prstGeom prst="straightConnector1">
+                <a:avLst/>
+              </a:prstGeom>
+              <a:ln w="19050">
+                <a:solidFill>
+                  <a:schemeClr val="tx1"/>
+                </a:solidFill>
+                <a:tailEnd type="triangle"/>
+              </a:ln>
+            </p:spPr>
+            <p:style>
+              <a:lnRef idx="1">
+                <a:schemeClr val="accent1"/>
+              </a:lnRef>
+              <a:fillRef idx="0">
+                <a:schemeClr val="accent1"/>
+              </a:fillRef>
+              <a:effectRef idx="0">
+                <a:schemeClr val="accent1"/>
+              </a:effectRef>
+              <a:fontRef idx="minor">
+                <a:schemeClr val="tx1"/>
+              </a:fontRef>
+            </p:style>
+          </p:cxnSp>
+          <p:cxnSp>
+            <p:nvCxnSpPr>
+              <p:cNvPr id="77" name="直線矢印コネクタ 76"/>
+              <p:cNvCxnSpPr>
+                <a:stCxn id="53" idx="5"/>
+                <a:endCxn id="55" idx="1"/>
+              </p:cNvCxnSpPr>
+              <p:nvPr/>
+            </p:nvCxnSpPr>
+            <p:spPr>
+              <a:xfrm>
+                <a:off x="6764753" y="3379092"/>
+                <a:ext cx="640450" cy="607928"/>
+              </a:xfrm>
+              <a:prstGeom prst="straightConnector1">
+                <a:avLst/>
+              </a:prstGeom>
+              <a:ln w="19050">
+                <a:solidFill>
+                  <a:schemeClr val="tx1"/>
+                </a:solidFill>
+                <a:tailEnd type="triangle"/>
+              </a:ln>
+            </p:spPr>
+            <p:style>
+              <a:lnRef idx="1">
+                <a:schemeClr val="accent1"/>
+              </a:lnRef>
+              <a:fillRef idx="0">
+                <a:schemeClr val="accent1"/>
+              </a:fillRef>
+              <a:effectRef idx="0">
+                <a:schemeClr val="accent1"/>
+              </a:effectRef>
+              <a:fontRef idx="minor">
+                <a:schemeClr val="tx1"/>
+              </a:fontRef>
+            </p:style>
+          </p:cxnSp>
+        </p:grpSp>
+        <p:grpSp>
+          <p:nvGrpSpPr>
+            <p:cNvPr id="78" name="図形グループ 77"/>
+            <p:cNvGrpSpPr/>
             <p:nvPr/>
-          </p:nvSpPr>
-          <p:spPr>
+          </p:nvGrpSpPr>
+          <p:grpSpPr>
             <a:xfrm>
-              <a:off x="4016496" y="2089932"/>
-              <a:ext cx="388265" cy="388265"/>
+              <a:off x="8163245" y="911831"/>
+              <a:ext cx="3099768" cy="4084385"/>
+              <a:chOff x="2837032" y="552720"/>
+              <a:chExt cx="3869957" cy="5099218"/>
             </a:xfrm>
-            <a:prstGeom prst="ellipse">
-              <a:avLst/>
-            </a:prstGeom>
-            <a:noFill/>
-            <a:ln w="19050">
-              <a:solidFill>
-                <a:schemeClr val="tx1"/>
-              </a:solidFill>
-            </a:ln>
-          </p:spPr>
-          <p:style>
-            <a:lnRef idx="2">
-              <a:schemeClr val="accent1">
-                <a:shade val="50000"/>
-              </a:schemeClr>
-            </a:lnRef>
-            <a:fillRef idx="1">
-              <a:schemeClr val="accent1"/>
-            </a:fillRef>
-            <a:effectRef idx="0">
-              <a:schemeClr val="accent1"/>
-            </a:effectRef>
-            <a:fontRef idx="minor">
-              <a:schemeClr val="lt1"/>
-            </a:fontRef>
-          </p:style>
-          <p:txBody>
-            <a:bodyPr rtlCol="0" anchor="ctr"/>
-            <a:lstStyle/>
-            <a:p>
-              <a:pPr algn="ctr"/>
-              <a:endParaRPr kumimoji="1" lang="ja-JP" altLang="en-US" i="1" dirty="0">
-                <a:solidFill>
-                  <a:schemeClr val="tx1"/>
-                </a:solidFill>
-              </a:endParaRPr>
-            </a:p>
-          </p:txBody>
-        </p:sp>
-        <p:sp>
-          <p:nvSpPr>
-            <p:cNvPr id="83" name="円/楕円 82"/>
-            <p:cNvSpPr/>
-            <p:nvPr/>
-          </p:nvSpPr>
-          <p:spPr>
-            <a:xfrm>
-              <a:off x="4791941" y="2840100"/>
-              <a:ext cx="388265" cy="388265"/>
-            </a:xfrm>
-            <a:prstGeom prst="ellipse">
-              <a:avLst/>
-            </a:prstGeom>
-            <a:noFill/>
-            <a:ln w="19050">
-              <a:solidFill>
-                <a:schemeClr val="tx1"/>
-              </a:solidFill>
-            </a:ln>
-          </p:spPr>
-          <p:style>
-            <a:lnRef idx="2">
-              <a:schemeClr val="accent1">
-                <a:shade val="50000"/>
-              </a:schemeClr>
-            </a:lnRef>
-            <a:fillRef idx="1">
-              <a:schemeClr val="accent1"/>
-            </a:fillRef>
-            <a:effectRef idx="0">
-              <a:schemeClr val="accent1"/>
-            </a:effectRef>
-            <a:fontRef idx="minor">
-              <a:schemeClr val="lt1"/>
-            </a:fontRef>
-          </p:style>
-          <p:txBody>
-            <a:bodyPr rtlCol="0" anchor="ctr"/>
-            <a:lstStyle/>
-            <a:p>
-              <a:pPr algn="ctr"/>
-              <a:endParaRPr kumimoji="1" lang="ja-JP" altLang="en-US" i="1" dirty="0">
-                <a:solidFill>
-                  <a:schemeClr val="tx1"/>
-                </a:solidFill>
-              </a:endParaRPr>
-            </a:p>
-          </p:txBody>
-        </p:sp>
-        <p:sp>
-          <p:nvSpPr>
-            <p:cNvPr id="84" name="円/楕円 83"/>
-            <p:cNvSpPr/>
-            <p:nvPr/>
-          </p:nvSpPr>
-          <p:spPr>
-            <a:xfrm>
-              <a:off x="6317328" y="4483742"/>
-              <a:ext cx="388265" cy="388265"/>
-            </a:xfrm>
-            <a:prstGeom prst="ellipse">
-              <a:avLst/>
-            </a:prstGeom>
-            <a:noFill/>
-            <a:ln w="19050">
-              <a:solidFill>
-                <a:schemeClr val="tx1"/>
-              </a:solidFill>
-            </a:ln>
-          </p:spPr>
-          <p:style>
-            <a:lnRef idx="2">
-              <a:schemeClr val="accent1">
-                <a:shade val="50000"/>
-              </a:schemeClr>
-            </a:lnRef>
-            <a:fillRef idx="1">
-              <a:schemeClr val="accent1"/>
-            </a:fillRef>
-            <a:effectRef idx="0">
-              <a:schemeClr val="accent1"/>
-            </a:effectRef>
-            <a:fontRef idx="minor">
-              <a:schemeClr val="lt1"/>
-            </a:fontRef>
-          </p:style>
-          <p:txBody>
-            <a:bodyPr rtlCol="0" anchor="ctr"/>
-            <a:lstStyle/>
-            <a:p>
-              <a:pPr algn="ctr"/>
-              <a:endParaRPr kumimoji="1" lang="ja-JP" altLang="en-US" i="1" dirty="0">
-                <a:solidFill>
-                  <a:schemeClr val="tx1"/>
-                </a:solidFill>
-              </a:endParaRPr>
-            </a:p>
-          </p:txBody>
-        </p:sp>
-        <p:sp>
-          <p:nvSpPr>
-            <p:cNvPr id="85" name="円/楕円 84"/>
-            <p:cNvSpPr/>
-            <p:nvPr/>
-          </p:nvSpPr>
-          <p:spPr>
-            <a:xfrm>
-              <a:off x="4793334" y="1278860"/>
-              <a:ext cx="388265" cy="388265"/>
-            </a:xfrm>
-            <a:prstGeom prst="ellipse">
-              <a:avLst/>
-            </a:prstGeom>
-            <a:noFill/>
-            <a:ln w="19050">
-              <a:solidFill>
-                <a:schemeClr val="tx1"/>
-              </a:solidFill>
-            </a:ln>
-          </p:spPr>
-          <p:style>
-            <a:lnRef idx="2">
-              <a:schemeClr val="accent1">
-                <a:shade val="50000"/>
-              </a:schemeClr>
-            </a:lnRef>
-            <a:fillRef idx="1">
-              <a:schemeClr val="accent1"/>
-            </a:fillRef>
-            <a:effectRef idx="0">
-              <a:schemeClr val="accent1"/>
-            </a:effectRef>
-            <a:fontRef idx="minor">
-              <a:schemeClr val="lt1"/>
-            </a:fontRef>
-          </p:style>
-          <p:txBody>
-            <a:bodyPr rtlCol="0" anchor="ctr"/>
-            <a:lstStyle/>
-            <a:p>
-              <a:pPr algn="ctr"/>
-              <a:endParaRPr kumimoji="1" lang="ja-JP" altLang="en-US" i="1" dirty="0">
-                <a:solidFill>
-                  <a:schemeClr val="tx1"/>
-                </a:solidFill>
-              </a:endParaRPr>
-            </a:p>
-          </p:txBody>
-        </p:sp>
-        <p:sp>
-          <p:nvSpPr>
-            <p:cNvPr id="86" name="円/楕円 85"/>
-            <p:cNvSpPr/>
-            <p:nvPr/>
-          </p:nvSpPr>
-          <p:spPr>
-            <a:xfrm>
-              <a:off x="6318724" y="1278861"/>
-              <a:ext cx="388265" cy="388265"/>
-            </a:xfrm>
-            <a:prstGeom prst="ellipse">
-              <a:avLst/>
-            </a:prstGeom>
-            <a:noFill/>
-            <a:ln w="19050">
-              <a:solidFill>
-                <a:schemeClr val="tx1"/>
-              </a:solidFill>
-            </a:ln>
-          </p:spPr>
-          <p:style>
-            <a:lnRef idx="2">
-              <a:schemeClr val="accent1">
-                <a:shade val="50000"/>
-              </a:schemeClr>
-            </a:lnRef>
-            <a:fillRef idx="1">
-              <a:schemeClr val="accent1"/>
-            </a:fillRef>
-            <a:effectRef idx="0">
-              <a:schemeClr val="accent1"/>
-            </a:effectRef>
-            <a:fontRef idx="minor">
-              <a:schemeClr val="lt1"/>
-            </a:fontRef>
-          </p:style>
-          <p:txBody>
-            <a:bodyPr rtlCol="0" anchor="ctr"/>
-            <a:lstStyle/>
-            <a:p>
-              <a:pPr algn="ctr"/>
-              <a:endParaRPr kumimoji="1" lang="ja-JP" altLang="en-US" i="1" dirty="0">
-                <a:solidFill>
-                  <a:schemeClr val="tx1"/>
-                </a:solidFill>
-              </a:endParaRPr>
-            </a:p>
-          </p:txBody>
-        </p:sp>
-        <p:cxnSp>
-          <p:nvCxnSpPr>
-            <p:cNvPr id="87" name="直線矢印コネクタ 86"/>
-            <p:cNvCxnSpPr>
-              <a:stCxn id="86" idx="5"/>
-              <a:endCxn id="82" idx="1"/>
-            </p:cNvCxnSpPr>
-            <p:nvPr/>
-          </p:nvCxnSpPr>
-          <p:spPr>
-            <a:xfrm>
-              <a:off x="5124739" y="1610265"/>
-              <a:ext cx="474006" cy="540466"/>
-            </a:xfrm>
-            <a:prstGeom prst="straightConnector1">
-              <a:avLst/>
-            </a:prstGeom>
-            <a:ln w="19050">
-              <a:solidFill>
-                <a:schemeClr val="tx1"/>
-              </a:solidFill>
-              <a:tailEnd type="triangle"/>
-            </a:ln>
-          </p:spPr>
-          <p:style>
-            <a:lnRef idx="1">
-              <a:schemeClr val="accent1"/>
-            </a:lnRef>
-            <a:fillRef idx="0">
-              <a:schemeClr val="accent1"/>
-            </a:fillRef>
-            <a:effectRef idx="0">
-              <a:schemeClr val="accent1"/>
-            </a:effectRef>
-            <a:fontRef idx="minor">
-              <a:schemeClr val="tx1"/>
-            </a:fontRef>
-          </p:style>
-        </p:cxnSp>
-        <p:cxnSp>
-          <p:nvCxnSpPr>
-            <p:cNvPr id="88" name="直線矢印コネクタ 87"/>
-            <p:cNvCxnSpPr>
-              <a:stCxn id="87" idx="3"/>
-              <a:endCxn id="82" idx="7"/>
-            </p:cNvCxnSpPr>
-            <p:nvPr/>
-          </p:nvCxnSpPr>
-          <p:spPr>
-            <a:xfrm flipH="1">
-              <a:off x="5873290" y="1610266"/>
-              <a:ext cx="502294" cy="540465"/>
-            </a:xfrm>
-            <a:prstGeom prst="straightConnector1">
-              <a:avLst/>
-            </a:prstGeom>
-            <a:ln w="19050">
-              <a:solidFill>
-                <a:schemeClr val="tx1"/>
-              </a:solidFill>
-              <a:tailEnd type="triangle"/>
-            </a:ln>
-          </p:spPr>
-          <p:style>
-            <a:lnRef idx="1">
-              <a:schemeClr val="accent1"/>
-            </a:lnRef>
-            <a:fillRef idx="0">
-              <a:schemeClr val="accent1"/>
-            </a:fillRef>
-            <a:effectRef idx="0">
-              <a:schemeClr val="accent1"/>
-            </a:effectRef>
-            <a:fontRef idx="minor">
-              <a:schemeClr val="tx1"/>
-            </a:fontRef>
-          </p:style>
-        </p:cxnSp>
-        <p:cxnSp>
-          <p:nvCxnSpPr>
-            <p:cNvPr id="89" name="直線矢印コネクタ 88"/>
-            <p:cNvCxnSpPr>
-              <a:stCxn id="80" idx="3"/>
-              <a:endCxn id="86" idx="7"/>
-            </p:cNvCxnSpPr>
-            <p:nvPr/>
-          </p:nvCxnSpPr>
-          <p:spPr>
-            <a:xfrm flipH="1">
-              <a:off x="5124739" y="884125"/>
-              <a:ext cx="474009" cy="451595"/>
-            </a:xfrm>
-            <a:prstGeom prst="straightConnector1">
-              <a:avLst/>
-            </a:prstGeom>
-            <a:ln w="19050">
-              <a:solidFill>
-                <a:schemeClr val="tx1"/>
-              </a:solidFill>
-              <a:tailEnd type="triangle"/>
-            </a:ln>
-          </p:spPr>
-          <p:style>
-            <a:lnRef idx="1">
-              <a:schemeClr val="accent1"/>
-            </a:lnRef>
-            <a:fillRef idx="0">
-              <a:schemeClr val="accent1"/>
-            </a:fillRef>
-            <a:effectRef idx="0">
-              <a:schemeClr val="accent1"/>
-            </a:effectRef>
-            <a:fontRef idx="minor">
-              <a:schemeClr val="tx1"/>
-            </a:fontRef>
-          </p:style>
-        </p:cxnSp>
-        <p:cxnSp>
-          <p:nvCxnSpPr>
-            <p:cNvPr id="90" name="直線矢印コネクタ 89"/>
-            <p:cNvCxnSpPr>
-              <a:stCxn id="80" idx="5"/>
-              <a:endCxn id="87" idx="1"/>
-            </p:cNvCxnSpPr>
-            <p:nvPr/>
-          </p:nvCxnSpPr>
-          <p:spPr>
-            <a:xfrm>
-              <a:off x="5873293" y="884125"/>
-              <a:ext cx="502291" cy="451596"/>
-            </a:xfrm>
-            <a:prstGeom prst="straightConnector1">
-              <a:avLst/>
-            </a:prstGeom>
-            <a:ln w="19050">
-              <a:solidFill>
-                <a:schemeClr val="tx1"/>
-              </a:solidFill>
-              <a:tailEnd type="triangle"/>
-            </a:ln>
-          </p:spPr>
-          <p:style>
-            <a:lnRef idx="1">
-              <a:schemeClr val="accent1"/>
-            </a:lnRef>
-            <a:fillRef idx="0">
-              <a:schemeClr val="accent1"/>
-            </a:fillRef>
-            <a:effectRef idx="0">
-              <a:schemeClr val="accent1"/>
-            </a:effectRef>
-            <a:fontRef idx="minor">
-              <a:schemeClr val="tx1"/>
-            </a:fontRef>
-          </p:style>
-        </p:cxnSp>
-        <p:cxnSp>
-          <p:nvCxnSpPr>
-            <p:cNvPr id="91" name="直線矢印コネクタ 90"/>
-            <p:cNvCxnSpPr>
-              <a:stCxn id="86" idx="3"/>
-              <a:endCxn id="83" idx="7"/>
-            </p:cNvCxnSpPr>
-            <p:nvPr/>
-          </p:nvCxnSpPr>
-          <p:spPr>
-            <a:xfrm flipH="1">
-              <a:off x="4347901" y="1610265"/>
-              <a:ext cx="502293" cy="536527"/>
-            </a:xfrm>
-            <a:prstGeom prst="straightConnector1">
-              <a:avLst/>
-            </a:prstGeom>
-            <a:ln w="19050">
-              <a:solidFill>
-                <a:schemeClr val="tx1"/>
-              </a:solidFill>
-              <a:tailEnd type="triangle"/>
-            </a:ln>
-          </p:spPr>
-          <p:style>
-            <a:lnRef idx="1">
-              <a:schemeClr val="accent1"/>
-            </a:lnRef>
-            <a:fillRef idx="0">
-              <a:schemeClr val="accent1"/>
-            </a:fillRef>
-            <a:effectRef idx="0">
-              <a:schemeClr val="accent1"/>
-            </a:effectRef>
-            <a:fontRef idx="minor">
-              <a:schemeClr val="tx1"/>
-            </a:fontRef>
-          </p:style>
-        </p:cxnSp>
-        <p:cxnSp>
-          <p:nvCxnSpPr>
-            <p:cNvPr id="92" name="直線矢印コネクタ 91"/>
-            <p:cNvCxnSpPr>
-              <a:stCxn id="83" idx="5"/>
-              <a:endCxn id="84" idx="1"/>
-            </p:cNvCxnSpPr>
-            <p:nvPr/>
-          </p:nvCxnSpPr>
-          <p:spPr>
-            <a:xfrm>
-              <a:off x="4347901" y="2421337"/>
-              <a:ext cx="500900" cy="475623"/>
-            </a:xfrm>
-            <a:prstGeom prst="straightConnector1">
-              <a:avLst/>
-            </a:prstGeom>
-            <a:ln w="19050">
-              <a:solidFill>
-                <a:schemeClr val="tx1"/>
-              </a:solidFill>
-              <a:tailEnd type="triangle"/>
-            </a:ln>
-          </p:spPr>
-          <p:style>
-            <a:lnRef idx="1">
-              <a:schemeClr val="accent1"/>
-            </a:lnRef>
-            <a:fillRef idx="0">
-              <a:schemeClr val="accent1"/>
-            </a:fillRef>
-            <a:effectRef idx="0">
-              <a:schemeClr val="accent1"/>
-            </a:effectRef>
-            <a:fontRef idx="minor">
-              <a:schemeClr val="tx1"/>
-            </a:fontRef>
-          </p:style>
-        </p:cxnSp>
-        <p:cxnSp>
-          <p:nvCxnSpPr>
-            <p:cNvPr id="93" name="直線矢印コネクタ 92"/>
-            <p:cNvCxnSpPr>
-              <a:stCxn id="87" idx="4"/>
-              <a:endCxn id="85" idx="0"/>
-            </p:cNvCxnSpPr>
-            <p:nvPr/>
-          </p:nvCxnSpPr>
-          <p:spPr>
-            <a:xfrm flipH="1">
-              <a:off x="6511461" y="1667126"/>
-              <a:ext cx="1396" cy="2816616"/>
-            </a:xfrm>
-            <a:prstGeom prst="straightConnector1">
-              <a:avLst/>
-            </a:prstGeom>
-            <a:ln w="19050">
-              <a:solidFill>
-                <a:schemeClr val="tx1"/>
-              </a:solidFill>
-              <a:tailEnd type="triangle"/>
-            </a:ln>
-          </p:spPr>
-          <p:style>
-            <a:lnRef idx="1">
-              <a:schemeClr val="accent1"/>
-            </a:lnRef>
-            <a:fillRef idx="0">
-              <a:schemeClr val="accent1"/>
-            </a:fillRef>
-            <a:effectRef idx="0">
-              <a:schemeClr val="accent1"/>
-            </a:effectRef>
-            <a:fontRef idx="minor">
-              <a:schemeClr val="tx1"/>
-            </a:fontRef>
-          </p:style>
-        </p:cxnSp>
-        <p:cxnSp>
-          <p:nvCxnSpPr>
-            <p:cNvPr id="94" name="直線矢印コネクタ 93"/>
-            <p:cNvCxnSpPr>
-              <a:stCxn id="83" idx="3"/>
-            </p:cNvCxnSpPr>
-            <p:nvPr/>
-          </p:nvCxnSpPr>
-          <p:spPr>
-            <a:xfrm flipH="1">
-              <a:off x="3168437" y="2421337"/>
-              <a:ext cx="904919" cy="1316615"/>
-            </a:xfrm>
-            <a:prstGeom prst="straightConnector1">
-              <a:avLst/>
-            </a:prstGeom>
-            <a:ln w="19050">
-              <a:solidFill>
-                <a:schemeClr val="tx1"/>
-              </a:solidFill>
-              <a:tailEnd type="triangle"/>
-            </a:ln>
-          </p:spPr>
-          <p:style>
-            <a:lnRef idx="1">
-              <a:schemeClr val="accent1"/>
-            </a:lnRef>
-            <a:fillRef idx="0">
-              <a:schemeClr val="accent1"/>
-            </a:fillRef>
-            <a:effectRef idx="0">
-              <a:schemeClr val="accent1"/>
-            </a:effectRef>
-            <a:fontRef idx="minor">
-              <a:schemeClr val="tx1"/>
-            </a:fontRef>
-          </p:style>
-        </p:cxnSp>
-        <p:cxnSp>
-          <p:nvCxnSpPr>
-            <p:cNvPr id="95" name="直線矢印コネクタ 94"/>
-            <p:cNvCxnSpPr>
-              <a:stCxn id="82" idx="3"/>
-              <a:endCxn id="84" idx="7"/>
-            </p:cNvCxnSpPr>
-            <p:nvPr/>
-          </p:nvCxnSpPr>
-          <p:spPr>
-            <a:xfrm flipH="1">
-              <a:off x="5123346" y="2425276"/>
-              <a:ext cx="475399" cy="471684"/>
-            </a:xfrm>
-            <a:prstGeom prst="straightConnector1">
-              <a:avLst/>
-            </a:prstGeom>
-            <a:ln w="19050">
-              <a:solidFill>
-                <a:schemeClr val="tx1"/>
-              </a:solidFill>
-              <a:tailEnd type="triangle"/>
-            </a:ln>
-          </p:spPr>
-          <p:style>
-            <a:lnRef idx="1">
-              <a:schemeClr val="accent1"/>
-            </a:lnRef>
-            <a:fillRef idx="0">
-              <a:schemeClr val="accent1"/>
-            </a:fillRef>
-            <a:effectRef idx="0">
-              <a:schemeClr val="accent1"/>
-            </a:effectRef>
-            <a:fontRef idx="minor">
-              <a:schemeClr val="tx1"/>
-            </a:fontRef>
-          </p:style>
-        </p:cxnSp>
-        <p:sp>
-          <p:nvSpPr>
-            <p:cNvPr id="96" name="円/楕円 95"/>
-            <p:cNvSpPr/>
-            <p:nvPr/>
-          </p:nvSpPr>
-          <p:spPr>
-            <a:xfrm>
-              <a:off x="4016495" y="5263673"/>
-              <a:ext cx="388265" cy="388265"/>
-            </a:xfrm>
-            <a:prstGeom prst="ellipse">
-              <a:avLst/>
-            </a:prstGeom>
-            <a:noFill/>
-            <a:ln w="19050">
-              <a:solidFill>
-                <a:schemeClr val="tx1"/>
-              </a:solidFill>
-            </a:ln>
-          </p:spPr>
-          <p:style>
-            <a:lnRef idx="2">
-              <a:schemeClr val="accent1">
-                <a:shade val="50000"/>
-              </a:schemeClr>
-            </a:lnRef>
-            <a:fillRef idx="1">
-              <a:schemeClr val="accent1"/>
-            </a:fillRef>
-            <a:effectRef idx="0">
-              <a:schemeClr val="accent1"/>
-            </a:effectRef>
-            <a:fontRef idx="minor">
-              <a:schemeClr val="lt1"/>
-            </a:fontRef>
-          </p:style>
-          <p:txBody>
-            <a:bodyPr rtlCol="0" anchor="ctr"/>
-            <a:lstStyle/>
-            <a:p>
-              <a:pPr algn="ctr"/>
-              <a:endParaRPr kumimoji="1" lang="ja-JP" altLang="en-US" i="1" dirty="0">
-                <a:solidFill>
-                  <a:schemeClr val="tx1"/>
-                </a:solidFill>
-              </a:endParaRPr>
-            </a:p>
-          </p:txBody>
-        </p:sp>
-        <p:sp>
-          <p:nvSpPr>
-            <p:cNvPr id="97" name="円/楕円 96"/>
-            <p:cNvSpPr/>
-            <p:nvPr/>
-          </p:nvSpPr>
-          <p:spPr>
-            <a:xfrm>
-              <a:off x="2837032" y="3681092"/>
-              <a:ext cx="388265" cy="388265"/>
-            </a:xfrm>
-            <a:prstGeom prst="ellipse">
-              <a:avLst/>
-            </a:prstGeom>
-            <a:noFill/>
-            <a:ln w="19050">
-              <a:solidFill>
-                <a:schemeClr val="tx1"/>
-              </a:solidFill>
-            </a:ln>
-          </p:spPr>
-          <p:style>
-            <a:lnRef idx="2">
-              <a:schemeClr val="accent1">
-                <a:shade val="50000"/>
-              </a:schemeClr>
-            </a:lnRef>
-            <a:fillRef idx="1">
-              <a:schemeClr val="accent1"/>
-            </a:fillRef>
-            <a:effectRef idx="0">
-              <a:schemeClr val="accent1"/>
-            </a:effectRef>
-            <a:fontRef idx="minor">
-              <a:schemeClr val="lt1"/>
-            </a:fontRef>
-          </p:style>
-          <p:txBody>
-            <a:bodyPr rtlCol="0" anchor="ctr"/>
-            <a:lstStyle/>
-            <a:p>
-              <a:pPr algn="ctr"/>
-              <a:endParaRPr kumimoji="1" lang="ja-JP" altLang="en-US" i="1" dirty="0">
-                <a:solidFill>
-                  <a:schemeClr val="tx1"/>
-                </a:solidFill>
-              </a:endParaRPr>
-            </a:p>
-          </p:txBody>
-        </p:sp>
-        <p:sp>
-          <p:nvSpPr>
-            <p:cNvPr id="98" name="円/楕円 97"/>
-            <p:cNvSpPr/>
-            <p:nvPr/>
-          </p:nvSpPr>
-          <p:spPr>
-            <a:xfrm>
-              <a:off x="4016495" y="3672436"/>
-              <a:ext cx="388265" cy="388265"/>
-            </a:xfrm>
-            <a:prstGeom prst="ellipse">
-              <a:avLst/>
-            </a:prstGeom>
-            <a:noFill/>
-            <a:ln w="19050">
-              <a:solidFill>
-                <a:schemeClr val="tx1"/>
-              </a:solidFill>
-            </a:ln>
-          </p:spPr>
-          <p:style>
-            <a:lnRef idx="2">
-              <a:schemeClr val="accent1">
-                <a:shade val="50000"/>
-              </a:schemeClr>
-            </a:lnRef>
-            <a:fillRef idx="1">
-              <a:schemeClr val="accent1"/>
-            </a:fillRef>
-            <a:effectRef idx="0">
-              <a:schemeClr val="accent1"/>
-            </a:effectRef>
-            <a:fontRef idx="minor">
-              <a:schemeClr val="lt1"/>
-            </a:fontRef>
-          </p:style>
-          <p:txBody>
-            <a:bodyPr rtlCol="0" anchor="ctr"/>
-            <a:lstStyle/>
-            <a:p>
-              <a:pPr algn="ctr"/>
-              <a:endParaRPr kumimoji="1" lang="ja-JP" altLang="en-US" i="1" dirty="0">
-                <a:solidFill>
-                  <a:schemeClr val="tx1"/>
-                </a:solidFill>
-              </a:endParaRPr>
-            </a:p>
-          </p:txBody>
-        </p:sp>
-        <p:sp>
-          <p:nvSpPr>
-            <p:cNvPr id="99" name="円/楕円 98"/>
-            <p:cNvSpPr/>
-            <p:nvPr/>
-          </p:nvSpPr>
-          <p:spPr>
-            <a:xfrm>
-              <a:off x="5541885" y="3681092"/>
-              <a:ext cx="388265" cy="388265"/>
-            </a:xfrm>
-            <a:prstGeom prst="ellipse">
-              <a:avLst/>
-            </a:prstGeom>
-            <a:noFill/>
-            <a:ln w="19050">
-              <a:solidFill>
-                <a:schemeClr val="tx1"/>
-              </a:solidFill>
-            </a:ln>
-          </p:spPr>
-          <p:style>
-            <a:lnRef idx="2">
-              <a:schemeClr val="accent1">
-                <a:shade val="50000"/>
-              </a:schemeClr>
-            </a:lnRef>
-            <a:fillRef idx="1">
-              <a:schemeClr val="accent1"/>
-            </a:fillRef>
-            <a:effectRef idx="0">
-              <a:schemeClr val="accent1"/>
-            </a:effectRef>
-            <a:fontRef idx="minor">
-              <a:schemeClr val="lt1"/>
-            </a:fontRef>
-          </p:style>
-          <p:txBody>
-            <a:bodyPr rtlCol="0" anchor="ctr"/>
-            <a:lstStyle/>
-            <a:p>
-              <a:pPr algn="ctr"/>
-              <a:endParaRPr kumimoji="1" lang="ja-JP" altLang="en-US" i="1" dirty="0">
-                <a:solidFill>
-                  <a:schemeClr val="tx1"/>
-                </a:solidFill>
-              </a:endParaRPr>
-            </a:p>
-          </p:txBody>
-        </p:sp>
-        <p:sp>
-          <p:nvSpPr>
-            <p:cNvPr id="100" name="円/楕円 99"/>
-            <p:cNvSpPr/>
-            <p:nvPr/>
-          </p:nvSpPr>
-          <p:spPr>
-            <a:xfrm>
-              <a:off x="4791940" y="4483743"/>
-              <a:ext cx="388265" cy="388265"/>
-            </a:xfrm>
-            <a:prstGeom prst="ellipse">
-              <a:avLst/>
-            </a:prstGeom>
-            <a:noFill/>
-            <a:ln w="19050">
-              <a:solidFill>
-                <a:schemeClr val="tx1"/>
-              </a:solidFill>
-            </a:ln>
-          </p:spPr>
-          <p:style>
-            <a:lnRef idx="2">
-              <a:schemeClr val="accent1">
-                <a:shade val="50000"/>
-              </a:schemeClr>
-            </a:lnRef>
-            <a:fillRef idx="1">
-              <a:schemeClr val="accent1"/>
-            </a:fillRef>
-            <a:effectRef idx="0">
-              <a:schemeClr val="accent1"/>
-            </a:effectRef>
-            <a:fontRef idx="minor">
-              <a:schemeClr val="lt1"/>
-            </a:fontRef>
-          </p:style>
-          <p:txBody>
-            <a:bodyPr rtlCol="0" anchor="ctr"/>
-            <a:lstStyle/>
-            <a:p>
-              <a:pPr algn="ctr"/>
-              <a:endParaRPr kumimoji="1" lang="ja-JP" altLang="en-US" i="1" dirty="0">
-                <a:solidFill>
-                  <a:schemeClr val="tx1"/>
-                </a:solidFill>
-              </a:endParaRPr>
-            </a:p>
-          </p:txBody>
-        </p:sp>
-        <p:cxnSp>
-          <p:nvCxnSpPr>
-            <p:cNvPr id="101" name="直線矢印コネクタ 100"/>
-            <p:cNvCxnSpPr>
-              <a:stCxn id="82" idx="4"/>
-            </p:cNvCxnSpPr>
-            <p:nvPr/>
-          </p:nvCxnSpPr>
-          <p:spPr>
-            <a:xfrm>
-              <a:off x="5736018" y="2482136"/>
-              <a:ext cx="0" cy="1198956"/>
-            </a:xfrm>
-            <a:prstGeom prst="straightConnector1">
-              <a:avLst/>
-            </a:prstGeom>
-            <a:ln w="19050">
-              <a:solidFill>
-                <a:schemeClr val="tx1"/>
-              </a:solidFill>
-              <a:tailEnd type="triangle"/>
-            </a:ln>
-          </p:spPr>
-          <p:style>
-            <a:lnRef idx="1">
-              <a:schemeClr val="accent1"/>
-            </a:lnRef>
-            <a:fillRef idx="0">
-              <a:schemeClr val="accent1"/>
-            </a:fillRef>
-            <a:effectRef idx="0">
-              <a:schemeClr val="accent1"/>
-            </a:effectRef>
-            <a:fontRef idx="minor">
-              <a:schemeClr val="tx1"/>
-            </a:fontRef>
-          </p:style>
-        </p:cxnSp>
-        <p:cxnSp>
-          <p:nvCxnSpPr>
-            <p:cNvPr id="102" name="直線矢印コネクタ 101"/>
-            <p:cNvCxnSpPr/>
-            <p:nvPr/>
-          </p:nvCxnSpPr>
-          <p:spPr>
-            <a:xfrm flipH="1">
-              <a:off x="5123345" y="4012497"/>
-              <a:ext cx="475400" cy="528106"/>
-            </a:xfrm>
-            <a:prstGeom prst="straightConnector1">
-              <a:avLst/>
-            </a:prstGeom>
-            <a:ln w="19050">
-              <a:solidFill>
-                <a:schemeClr val="tx1"/>
-              </a:solidFill>
-              <a:tailEnd type="triangle"/>
-            </a:ln>
-          </p:spPr>
-          <p:style>
-            <a:lnRef idx="1">
-              <a:schemeClr val="accent1"/>
-            </a:lnRef>
-            <a:fillRef idx="0">
-              <a:schemeClr val="accent1"/>
-            </a:fillRef>
-            <a:effectRef idx="0">
-              <a:schemeClr val="accent1"/>
-            </a:effectRef>
-            <a:fontRef idx="minor">
-              <a:schemeClr val="tx1"/>
-            </a:fontRef>
-          </p:style>
-        </p:cxnSp>
-        <p:cxnSp>
-          <p:nvCxnSpPr>
-            <p:cNvPr id="103" name="直線矢印コネクタ 102"/>
-            <p:cNvCxnSpPr>
-              <a:endCxn id="85" idx="1"/>
-            </p:cNvCxnSpPr>
-            <p:nvPr/>
-          </p:nvCxnSpPr>
-          <p:spPr>
-            <a:xfrm>
-              <a:off x="5873290" y="4012497"/>
-              <a:ext cx="500898" cy="528105"/>
-            </a:xfrm>
-            <a:prstGeom prst="straightConnector1">
-              <a:avLst/>
-            </a:prstGeom>
-            <a:ln w="19050">
-              <a:solidFill>
-                <a:schemeClr val="tx1"/>
-              </a:solidFill>
-              <a:tailEnd type="triangle"/>
-            </a:ln>
-          </p:spPr>
-          <p:style>
-            <a:lnRef idx="1">
-              <a:schemeClr val="accent1"/>
-            </a:lnRef>
-            <a:fillRef idx="0">
-              <a:schemeClr val="accent1"/>
-            </a:fillRef>
-            <a:effectRef idx="0">
-              <a:schemeClr val="accent1"/>
-            </a:effectRef>
-            <a:fontRef idx="minor">
-              <a:schemeClr val="tx1"/>
-            </a:fontRef>
-          </p:style>
-        </p:cxnSp>
-        <p:cxnSp>
-          <p:nvCxnSpPr>
-            <p:cNvPr id="104" name="直線矢印コネクタ 103"/>
-            <p:cNvCxnSpPr/>
-            <p:nvPr/>
-          </p:nvCxnSpPr>
-          <p:spPr>
-            <a:xfrm flipH="1">
-              <a:off x="5873290" y="1664055"/>
-              <a:ext cx="562435" cy="2073897"/>
-            </a:xfrm>
-            <a:prstGeom prst="straightConnector1">
-              <a:avLst/>
-            </a:prstGeom>
-            <a:ln w="19050">
-              <a:solidFill>
-                <a:schemeClr val="tx1"/>
-              </a:solidFill>
-              <a:tailEnd type="triangle"/>
-            </a:ln>
-          </p:spPr>
-          <p:style>
-            <a:lnRef idx="1">
-              <a:schemeClr val="accent1"/>
-            </a:lnRef>
-            <a:fillRef idx="0">
-              <a:schemeClr val="accent1"/>
-            </a:fillRef>
-            <a:effectRef idx="0">
-              <a:schemeClr val="accent1"/>
-            </a:effectRef>
-            <a:fontRef idx="minor">
-              <a:schemeClr val="tx1"/>
-            </a:fontRef>
-          </p:style>
-        </p:cxnSp>
-        <p:cxnSp>
-          <p:nvCxnSpPr>
-            <p:cNvPr id="105" name="直線矢印コネクタ 104"/>
-            <p:cNvCxnSpPr>
-              <a:stCxn id="85" idx="3"/>
-              <a:endCxn id="81" idx="7"/>
-            </p:cNvCxnSpPr>
-            <p:nvPr/>
-          </p:nvCxnSpPr>
-          <p:spPr>
-            <a:xfrm flipH="1">
-              <a:off x="5873292" y="4815147"/>
-              <a:ext cx="500896" cy="505386"/>
-            </a:xfrm>
-            <a:prstGeom prst="straightConnector1">
-              <a:avLst/>
-            </a:prstGeom>
-            <a:ln w="19050">
-              <a:solidFill>
-                <a:schemeClr val="tx1"/>
-              </a:solidFill>
-              <a:tailEnd type="triangle"/>
-            </a:ln>
-          </p:spPr>
-          <p:style>
-            <a:lnRef idx="1">
-              <a:schemeClr val="accent1"/>
-            </a:lnRef>
-            <a:fillRef idx="0">
-              <a:schemeClr val="accent1"/>
-            </a:fillRef>
-            <a:effectRef idx="0">
-              <a:schemeClr val="accent1"/>
-            </a:effectRef>
-            <a:fontRef idx="minor">
-              <a:schemeClr val="tx1"/>
-            </a:fontRef>
-          </p:style>
-        </p:cxnSp>
-        <p:cxnSp>
-          <p:nvCxnSpPr>
-            <p:cNvPr id="106" name="直線矢印コネクタ 105"/>
-            <p:cNvCxnSpPr>
-              <a:endCxn id="81" idx="2"/>
-            </p:cNvCxnSpPr>
-            <p:nvPr/>
-          </p:nvCxnSpPr>
-          <p:spPr>
-            <a:xfrm>
-              <a:off x="4404760" y="5457806"/>
-              <a:ext cx="1137127" cy="0"/>
-            </a:xfrm>
-            <a:prstGeom prst="straightConnector1">
-              <a:avLst/>
-            </a:prstGeom>
-            <a:ln w="19050">
-              <a:solidFill>
-                <a:schemeClr val="tx1"/>
-              </a:solidFill>
-              <a:tailEnd type="triangle"/>
-            </a:ln>
-          </p:spPr>
-          <p:style>
-            <a:lnRef idx="1">
-              <a:schemeClr val="accent1"/>
-            </a:lnRef>
-            <a:fillRef idx="0">
-              <a:schemeClr val="accent1"/>
-            </a:fillRef>
-            <a:effectRef idx="0">
-              <a:schemeClr val="accent1"/>
-            </a:effectRef>
-            <a:fontRef idx="minor">
-              <a:schemeClr val="tx1"/>
-            </a:fontRef>
-          </p:style>
-        </p:cxnSp>
-        <p:cxnSp>
-          <p:nvCxnSpPr>
-            <p:cNvPr id="107" name="直線矢印コネクタ 106"/>
-            <p:cNvCxnSpPr>
-              <a:stCxn id="83" idx="4"/>
-            </p:cNvCxnSpPr>
-            <p:nvPr/>
-          </p:nvCxnSpPr>
-          <p:spPr>
-            <a:xfrm flipH="1">
-              <a:off x="4210628" y="2478197"/>
-              <a:ext cx="1" cy="1194239"/>
-            </a:xfrm>
-            <a:prstGeom prst="straightConnector1">
-              <a:avLst/>
-            </a:prstGeom>
-            <a:ln w="19050">
-              <a:solidFill>
-                <a:schemeClr val="tx1"/>
-              </a:solidFill>
-              <a:tailEnd type="triangle"/>
-            </a:ln>
-          </p:spPr>
-          <p:style>
-            <a:lnRef idx="1">
-              <a:schemeClr val="accent1"/>
-            </a:lnRef>
-            <a:fillRef idx="0">
-              <a:schemeClr val="accent1"/>
-            </a:fillRef>
-            <a:effectRef idx="0">
-              <a:schemeClr val="accent1"/>
-            </a:effectRef>
-            <a:fontRef idx="minor">
-              <a:schemeClr val="tx1"/>
-            </a:fontRef>
-          </p:style>
-        </p:cxnSp>
-        <p:cxnSp>
-          <p:nvCxnSpPr>
-            <p:cNvPr id="108" name="直線矢印コネクタ 107"/>
-            <p:cNvCxnSpPr>
-              <a:stCxn id="84" idx="3"/>
-            </p:cNvCxnSpPr>
-            <p:nvPr/>
-          </p:nvCxnSpPr>
-          <p:spPr>
-            <a:xfrm flipH="1">
-              <a:off x="4347900" y="3171505"/>
-              <a:ext cx="500901" cy="557791"/>
-            </a:xfrm>
-            <a:prstGeom prst="straightConnector1">
-              <a:avLst/>
-            </a:prstGeom>
-            <a:ln w="19050">
-              <a:solidFill>
-                <a:schemeClr val="tx1"/>
-              </a:solidFill>
-              <a:tailEnd type="triangle"/>
-            </a:ln>
-          </p:spPr>
-          <p:style>
-            <a:lnRef idx="1">
-              <a:schemeClr val="accent1"/>
-            </a:lnRef>
-            <a:fillRef idx="0">
-              <a:schemeClr val="accent1"/>
-            </a:fillRef>
-            <a:effectRef idx="0">
-              <a:schemeClr val="accent1"/>
-            </a:effectRef>
-            <a:fontRef idx="minor">
-              <a:schemeClr val="tx1"/>
-            </a:fontRef>
-          </p:style>
-        </p:cxnSp>
-        <p:cxnSp>
-          <p:nvCxnSpPr>
-            <p:cNvPr id="109" name="直線矢印コネクタ 108"/>
-            <p:cNvCxnSpPr>
-              <a:stCxn id="84" idx="5"/>
-            </p:cNvCxnSpPr>
-            <p:nvPr/>
-          </p:nvCxnSpPr>
-          <p:spPr>
-            <a:xfrm>
-              <a:off x="5123346" y="3171505"/>
-              <a:ext cx="475399" cy="566447"/>
-            </a:xfrm>
-            <a:prstGeom prst="straightConnector1">
-              <a:avLst/>
-            </a:prstGeom>
-            <a:ln w="19050">
-              <a:solidFill>
-                <a:schemeClr val="tx1"/>
-              </a:solidFill>
-              <a:tailEnd type="triangle"/>
-            </a:ln>
-          </p:spPr>
-          <p:style>
-            <a:lnRef idx="1">
-              <a:schemeClr val="accent1"/>
-            </a:lnRef>
-            <a:fillRef idx="0">
-              <a:schemeClr val="accent1"/>
-            </a:fillRef>
-            <a:effectRef idx="0">
-              <a:schemeClr val="accent1"/>
-            </a:effectRef>
-            <a:fontRef idx="minor">
-              <a:schemeClr val="tx1"/>
-            </a:fontRef>
-          </p:style>
-        </p:cxnSp>
-        <p:cxnSp>
-          <p:nvCxnSpPr>
-            <p:cNvPr id="110" name="直線矢印コネクタ 109"/>
-            <p:cNvCxnSpPr/>
-            <p:nvPr/>
-          </p:nvCxnSpPr>
-          <p:spPr>
-            <a:xfrm>
-              <a:off x="4347900" y="4003841"/>
-              <a:ext cx="500900" cy="536762"/>
-            </a:xfrm>
-            <a:prstGeom prst="straightConnector1">
-              <a:avLst/>
-            </a:prstGeom>
-            <a:ln w="19050">
-              <a:solidFill>
-                <a:schemeClr val="tx1"/>
-              </a:solidFill>
-              <a:tailEnd type="triangle"/>
-            </a:ln>
-          </p:spPr>
-          <p:style>
-            <a:lnRef idx="1">
-              <a:schemeClr val="accent1"/>
-            </a:lnRef>
-            <a:fillRef idx="0">
-              <a:schemeClr val="accent1"/>
-            </a:fillRef>
-            <a:effectRef idx="0">
-              <a:schemeClr val="accent1"/>
-            </a:effectRef>
-            <a:fontRef idx="minor">
-              <a:schemeClr val="tx1"/>
-            </a:fontRef>
-          </p:style>
-        </p:cxnSp>
-        <p:cxnSp>
-          <p:nvCxnSpPr>
-            <p:cNvPr id="111" name="直線矢印コネクタ 110"/>
-            <p:cNvCxnSpPr/>
-            <p:nvPr/>
-          </p:nvCxnSpPr>
-          <p:spPr>
-            <a:xfrm>
-              <a:off x="3168437" y="4012497"/>
-              <a:ext cx="904918" cy="1308036"/>
-            </a:xfrm>
-            <a:prstGeom prst="straightConnector1">
-              <a:avLst/>
-            </a:prstGeom>
-            <a:ln w="19050">
-              <a:solidFill>
-                <a:schemeClr val="tx1"/>
-              </a:solidFill>
-              <a:tailEnd type="triangle"/>
-            </a:ln>
-          </p:spPr>
-          <p:style>
-            <a:lnRef idx="1">
-              <a:schemeClr val="accent1"/>
-            </a:lnRef>
-            <a:fillRef idx="0">
-              <a:schemeClr val="accent1"/>
-            </a:fillRef>
-            <a:effectRef idx="0">
-              <a:schemeClr val="accent1"/>
-            </a:effectRef>
-            <a:fontRef idx="minor">
-              <a:schemeClr val="tx1"/>
-            </a:fontRef>
-          </p:style>
-        </p:cxnSp>
-        <p:cxnSp>
-          <p:nvCxnSpPr>
-            <p:cNvPr id="112" name="直線矢印コネクタ 111"/>
-            <p:cNvCxnSpPr/>
-            <p:nvPr/>
-          </p:nvCxnSpPr>
-          <p:spPr>
-            <a:xfrm>
-              <a:off x="4210628" y="4060701"/>
-              <a:ext cx="0" cy="1202972"/>
-            </a:xfrm>
-            <a:prstGeom prst="straightConnector1">
-              <a:avLst/>
-            </a:prstGeom>
-            <a:ln w="19050">
-              <a:solidFill>
-                <a:schemeClr val="tx1"/>
-              </a:solidFill>
-              <a:tailEnd type="triangle"/>
-            </a:ln>
-          </p:spPr>
-          <p:style>
-            <a:lnRef idx="1">
-              <a:schemeClr val="accent1"/>
-            </a:lnRef>
-            <a:fillRef idx="0">
-              <a:schemeClr val="accent1"/>
-            </a:fillRef>
-            <a:effectRef idx="0">
-              <a:schemeClr val="accent1"/>
-            </a:effectRef>
-            <a:fontRef idx="minor">
-              <a:schemeClr val="tx1"/>
-            </a:fontRef>
-          </p:style>
-        </p:cxnSp>
-        <p:cxnSp>
-          <p:nvCxnSpPr>
-            <p:cNvPr id="113" name="直線矢印コネクタ 112"/>
-            <p:cNvCxnSpPr>
-              <a:endCxn id="81" idx="1"/>
-            </p:cNvCxnSpPr>
-            <p:nvPr/>
-          </p:nvCxnSpPr>
-          <p:spPr>
-            <a:xfrm>
-              <a:off x="5123345" y="4815148"/>
-              <a:ext cx="475402" cy="505385"/>
-            </a:xfrm>
-            <a:prstGeom prst="straightConnector1">
-              <a:avLst/>
-            </a:prstGeom>
-            <a:ln w="19050">
-              <a:solidFill>
-                <a:schemeClr val="tx1"/>
-              </a:solidFill>
-              <a:tailEnd type="triangle"/>
-            </a:ln>
-          </p:spPr>
-          <p:style>
-            <a:lnRef idx="1">
-              <a:schemeClr val="accent1"/>
-            </a:lnRef>
-            <a:fillRef idx="0">
-              <a:schemeClr val="accent1"/>
-            </a:fillRef>
-            <a:effectRef idx="0">
-              <a:schemeClr val="accent1"/>
-            </a:effectRef>
-            <a:fontRef idx="minor">
-              <a:schemeClr val="tx1"/>
-            </a:fontRef>
-          </p:style>
-        </p:cxnSp>
+          </p:grpSpPr>
+          <p:sp>
+            <p:nvSpPr>
+              <p:cNvPr id="79" name="円/楕円 78"/>
+              <p:cNvSpPr/>
+              <p:nvPr/>
+            </p:nvSpPr>
+            <p:spPr>
+              <a:xfrm>
+                <a:off x="5541888" y="552720"/>
+                <a:ext cx="388265" cy="388265"/>
+              </a:xfrm>
+              <a:prstGeom prst="ellipse">
+                <a:avLst/>
+              </a:prstGeom>
+              <a:noFill/>
+              <a:ln w="19050">
+                <a:solidFill>
+                  <a:schemeClr val="tx1"/>
+                </a:solidFill>
+              </a:ln>
+            </p:spPr>
+            <p:style>
+              <a:lnRef idx="2">
+                <a:schemeClr val="accent1">
+                  <a:shade val="50000"/>
+                </a:schemeClr>
+              </a:lnRef>
+              <a:fillRef idx="1">
+                <a:schemeClr val="accent1"/>
+              </a:fillRef>
+              <a:effectRef idx="0">
+                <a:schemeClr val="accent1"/>
+              </a:effectRef>
+              <a:fontRef idx="minor">
+                <a:schemeClr val="lt1"/>
+              </a:fontRef>
+            </p:style>
+            <p:txBody>
+              <a:bodyPr rtlCol="0" anchor="ctr"/>
+              <a:lstStyle/>
+              <a:p>
+                <a:pPr algn="ctr"/>
+                <a:r>
+                  <a:rPr kumimoji="1" lang="en-US" altLang="ja-JP" i="1" smtClean="0">
+                    <a:solidFill>
+                      <a:schemeClr val="tx1"/>
+                    </a:solidFill>
+                  </a:rPr>
+                  <a:t>s</a:t>
+                </a:r>
+                <a:endParaRPr kumimoji="1" lang="ja-JP" altLang="en-US" i="1" dirty="0">
+                  <a:solidFill>
+                    <a:schemeClr val="tx1"/>
+                  </a:solidFill>
+                </a:endParaRPr>
+              </a:p>
+            </p:txBody>
+          </p:sp>
+          <p:sp>
+            <p:nvSpPr>
+              <p:cNvPr id="80" name="円/楕円 79"/>
+              <p:cNvSpPr/>
+              <p:nvPr/>
+            </p:nvSpPr>
+            <p:spPr>
+              <a:xfrm>
+                <a:off x="5541887" y="5263673"/>
+                <a:ext cx="388265" cy="388265"/>
+              </a:xfrm>
+              <a:prstGeom prst="ellipse">
+                <a:avLst/>
+              </a:prstGeom>
+              <a:noFill/>
+              <a:ln w="19050">
+                <a:solidFill>
+                  <a:schemeClr val="tx1"/>
+                </a:solidFill>
+              </a:ln>
+            </p:spPr>
+            <p:style>
+              <a:lnRef idx="2">
+                <a:schemeClr val="accent1">
+                  <a:shade val="50000"/>
+                </a:schemeClr>
+              </a:lnRef>
+              <a:fillRef idx="1">
+                <a:schemeClr val="accent1"/>
+              </a:fillRef>
+              <a:effectRef idx="0">
+                <a:schemeClr val="accent1"/>
+              </a:effectRef>
+              <a:fontRef idx="minor">
+                <a:schemeClr val="lt1"/>
+              </a:fontRef>
+            </p:style>
+            <p:txBody>
+              <a:bodyPr rtlCol="0" anchor="ctr"/>
+              <a:lstStyle/>
+              <a:p>
+                <a:pPr algn="ctr"/>
+                <a:r>
+                  <a:rPr lang="en-US" altLang="ja-JP" i="1" dirty="0">
+                    <a:solidFill>
+                      <a:schemeClr val="tx1"/>
+                    </a:solidFill>
+                  </a:rPr>
+                  <a:t>g</a:t>
+                </a:r>
+                <a:endParaRPr kumimoji="1" lang="ja-JP" altLang="en-US" i="1" dirty="0">
+                  <a:solidFill>
+                    <a:schemeClr val="tx1"/>
+                  </a:solidFill>
+                </a:endParaRPr>
+              </a:p>
+            </p:txBody>
+          </p:sp>
+          <p:sp>
+            <p:nvSpPr>
+              <p:cNvPr id="81" name="円/楕円 80"/>
+              <p:cNvSpPr/>
+              <p:nvPr/>
+            </p:nvSpPr>
+            <p:spPr>
+              <a:xfrm>
+                <a:off x="5541885" y="2093871"/>
+                <a:ext cx="388265" cy="388265"/>
+              </a:xfrm>
+              <a:prstGeom prst="ellipse">
+                <a:avLst/>
+              </a:prstGeom>
+              <a:noFill/>
+              <a:ln w="19050">
+                <a:solidFill>
+                  <a:schemeClr val="tx1"/>
+                </a:solidFill>
+              </a:ln>
+            </p:spPr>
+            <p:style>
+              <a:lnRef idx="2">
+                <a:schemeClr val="accent1">
+                  <a:shade val="50000"/>
+                </a:schemeClr>
+              </a:lnRef>
+              <a:fillRef idx="1">
+                <a:schemeClr val="accent1"/>
+              </a:fillRef>
+              <a:effectRef idx="0">
+                <a:schemeClr val="accent1"/>
+              </a:effectRef>
+              <a:fontRef idx="minor">
+                <a:schemeClr val="lt1"/>
+              </a:fontRef>
+            </p:style>
+            <p:txBody>
+              <a:bodyPr rtlCol="0" anchor="ctr"/>
+              <a:lstStyle/>
+              <a:p>
+                <a:pPr algn="ctr"/>
+                <a:endParaRPr kumimoji="1" lang="ja-JP" altLang="en-US" i="1" dirty="0">
+                  <a:solidFill>
+                    <a:schemeClr val="tx1"/>
+                  </a:solidFill>
+                </a:endParaRPr>
+              </a:p>
+            </p:txBody>
+          </p:sp>
+          <p:sp>
+            <p:nvSpPr>
+              <p:cNvPr id="82" name="円/楕円 81"/>
+              <p:cNvSpPr/>
+              <p:nvPr/>
+            </p:nvSpPr>
+            <p:spPr>
+              <a:xfrm>
+                <a:off x="4016496" y="2089932"/>
+                <a:ext cx="388265" cy="388265"/>
+              </a:xfrm>
+              <a:prstGeom prst="ellipse">
+                <a:avLst/>
+              </a:prstGeom>
+              <a:noFill/>
+              <a:ln w="19050">
+                <a:solidFill>
+                  <a:schemeClr val="tx1"/>
+                </a:solidFill>
+              </a:ln>
+            </p:spPr>
+            <p:style>
+              <a:lnRef idx="2">
+                <a:schemeClr val="accent1">
+                  <a:shade val="50000"/>
+                </a:schemeClr>
+              </a:lnRef>
+              <a:fillRef idx="1">
+                <a:schemeClr val="accent1"/>
+              </a:fillRef>
+              <a:effectRef idx="0">
+                <a:schemeClr val="accent1"/>
+              </a:effectRef>
+              <a:fontRef idx="minor">
+                <a:schemeClr val="lt1"/>
+              </a:fontRef>
+            </p:style>
+            <p:txBody>
+              <a:bodyPr rtlCol="0" anchor="ctr"/>
+              <a:lstStyle/>
+              <a:p>
+                <a:pPr algn="ctr"/>
+                <a:endParaRPr kumimoji="1" lang="ja-JP" altLang="en-US" i="1" dirty="0">
+                  <a:solidFill>
+                    <a:schemeClr val="tx1"/>
+                  </a:solidFill>
+                </a:endParaRPr>
+              </a:p>
+            </p:txBody>
+          </p:sp>
+          <p:sp>
+            <p:nvSpPr>
+              <p:cNvPr id="83" name="円/楕円 82"/>
+              <p:cNvSpPr/>
+              <p:nvPr/>
+            </p:nvSpPr>
+            <p:spPr>
+              <a:xfrm>
+                <a:off x="4791941" y="2840100"/>
+                <a:ext cx="388265" cy="388265"/>
+              </a:xfrm>
+              <a:prstGeom prst="ellipse">
+                <a:avLst/>
+              </a:prstGeom>
+              <a:noFill/>
+              <a:ln w="19050">
+                <a:solidFill>
+                  <a:schemeClr val="tx1"/>
+                </a:solidFill>
+              </a:ln>
+            </p:spPr>
+            <p:style>
+              <a:lnRef idx="2">
+                <a:schemeClr val="accent1">
+                  <a:shade val="50000"/>
+                </a:schemeClr>
+              </a:lnRef>
+              <a:fillRef idx="1">
+                <a:schemeClr val="accent1"/>
+              </a:fillRef>
+              <a:effectRef idx="0">
+                <a:schemeClr val="accent1"/>
+              </a:effectRef>
+              <a:fontRef idx="minor">
+                <a:schemeClr val="lt1"/>
+              </a:fontRef>
+            </p:style>
+            <p:txBody>
+              <a:bodyPr rtlCol="0" anchor="ctr"/>
+              <a:lstStyle/>
+              <a:p>
+                <a:pPr algn="ctr"/>
+                <a:endParaRPr kumimoji="1" lang="ja-JP" altLang="en-US" i="1" dirty="0">
+                  <a:solidFill>
+                    <a:schemeClr val="tx1"/>
+                  </a:solidFill>
+                </a:endParaRPr>
+              </a:p>
+            </p:txBody>
+          </p:sp>
+          <p:sp>
+            <p:nvSpPr>
+              <p:cNvPr id="84" name="円/楕円 83"/>
+              <p:cNvSpPr/>
+              <p:nvPr/>
+            </p:nvSpPr>
+            <p:spPr>
+              <a:xfrm>
+                <a:off x="6317328" y="4483742"/>
+                <a:ext cx="388265" cy="388265"/>
+              </a:xfrm>
+              <a:prstGeom prst="ellipse">
+                <a:avLst/>
+              </a:prstGeom>
+              <a:noFill/>
+              <a:ln w="19050">
+                <a:solidFill>
+                  <a:schemeClr val="tx1"/>
+                </a:solidFill>
+              </a:ln>
+            </p:spPr>
+            <p:style>
+              <a:lnRef idx="2">
+                <a:schemeClr val="accent1">
+                  <a:shade val="50000"/>
+                </a:schemeClr>
+              </a:lnRef>
+              <a:fillRef idx="1">
+                <a:schemeClr val="accent1"/>
+              </a:fillRef>
+              <a:effectRef idx="0">
+                <a:schemeClr val="accent1"/>
+              </a:effectRef>
+              <a:fontRef idx="minor">
+                <a:schemeClr val="lt1"/>
+              </a:fontRef>
+            </p:style>
+            <p:txBody>
+              <a:bodyPr rtlCol="0" anchor="ctr"/>
+              <a:lstStyle/>
+              <a:p>
+                <a:pPr algn="ctr"/>
+                <a:endParaRPr kumimoji="1" lang="ja-JP" altLang="en-US" i="1" dirty="0">
+                  <a:solidFill>
+                    <a:schemeClr val="tx1"/>
+                  </a:solidFill>
+                </a:endParaRPr>
+              </a:p>
+            </p:txBody>
+          </p:sp>
+          <p:sp>
+            <p:nvSpPr>
+              <p:cNvPr id="85" name="円/楕円 84"/>
+              <p:cNvSpPr/>
+              <p:nvPr/>
+            </p:nvSpPr>
+            <p:spPr>
+              <a:xfrm>
+                <a:off x="4793334" y="1278860"/>
+                <a:ext cx="388265" cy="388265"/>
+              </a:xfrm>
+              <a:prstGeom prst="ellipse">
+                <a:avLst/>
+              </a:prstGeom>
+              <a:noFill/>
+              <a:ln w="19050">
+                <a:solidFill>
+                  <a:schemeClr val="tx1"/>
+                </a:solidFill>
+              </a:ln>
+            </p:spPr>
+            <p:style>
+              <a:lnRef idx="2">
+                <a:schemeClr val="accent1">
+                  <a:shade val="50000"/>
+                </a:schemeClr>
+              </a:lnRef>
+              <a:fillRef idx="1">
+                <a:schemeClr val="accent1"/>
+              </a:fillRef>
+              <a:effectRef idx="0">
+                <a:schemeClr val="accent1"/>
+              </a:effectRef>
+              <a:fontRef idx="minor">
+                <a:schemeClr val="lt1"/>
+              </a:fontRef>
+            </p:style>
+            <p:txBody>
+              <a:bodyPr rtlCol="0" anchor="ctr"/>
+              <a:lstStyle/>
+              <a:p>
+                <a:pPr algn="ctr"/>
+                <a:endParaRPr kumimoji="1" lang="ja-JP" altLang="en-US" i="1" dirty="0">
+                  <a:solidFill>
+                    <a:schemeClr val="tx1"/>
+                  </a:solidFill>
+                </a:endParaRPr>
+              </a:p>
+            </p:txBody>
+          </p:sp>
+          <p:sp>
+            <p:nvSpPr>
+              <p:cNvPr id="86" name="円/楕円 85"/>
+              <p:cNvSpPr/>
+              <p:nvPr/>
+            </p:nvSpPr>
+            <p:spPr>
+              <a:xfrm>
+                <a:off x="6318724" y="1278861"/>
+                <a:ext cx="388265" cy="388265"/>
+              </a:xfrm>
+              <a:prstGeom prst="ellipse">
+                <a:avLst/>
+              </a:prstGeom>
+              <a:noFill/>
+              <a:ln w="19050">
+                <a:solidFill>
+                  <a:schemeClr val="tx1"/>
+                </a:solidFill>
+              </a:ln>
+            </p:spPr>
+            <p:style>
+              <a:lnRef idx="2">
+                <a:schemeClr val="accent1">
+                  <a:shade val="50000"/>
+                </a:schemeClr>
+              </a:lnRef>
+              <a:fillRef idx="1">
+                <a:schemeClr val="accent1"/>
+              </a:fillRef>
+              <a:effectRef idx="0">
+                <a:schemeClr val="accent1"/>
+              </a:effectRef>
+              <a:fontRef idx="minor">
+                <a:schemeClr val="lt1"/>
+              </a:fontRef>
+            </p:style>
+            <p:txBody>
+              <a:bodyPr rtlCol="0" anchor="ctr"/>
+              <a:lstStyle/>
+              <a:p>
+                <a:pPr algn="ctr"/>
+                <a:endParaRPr kumimoji="1" lang="ja-JP" altLang="en-US" i="1" dirty="0">
+                  <a:solidFill>
+                    <a:schemeClr val="tx1"/>
+                  </a:solidFill>
+                </a:endParaRPr>
+              </a:p>
+            </p:txBody>
+          </p:sp>
+          <p:cxnSp>
+            <p:nvCxnSpPr>
+              <p:cNvPr id="87" name="直線矢印コネクタ 86"/>
+              <p:cNvCxnSpPr>
+                <a:stCxn id="86" idx="5"/>
+                <a:endCxn id="82" idx="1"/>
+              </p:cNvCxnSpPr>
+              <p:nvPr/>
+            </p:nvCxnSpPr>
+            <p:spPr>
+              <a:xfrm>
+                <a:off x="5124739" y="1610265"/>
+                <a:ext cx="474006" cy="540466"/>
+              </a:xfrm>
+              <a:prstGeom prst="straightConnector1">
+                <a:avLst/>
+              </a:prstGeom>
+              <a:ln w="19050">
+                <a:solidFill>
+                  <a:schemeClr val="tx1"/>
+                </a:solidFill>
+                <a:tailEnd type="triangle"/>
+              </a:ln>
+            </p:spPr>
+            <p:style>
+              <a:lnRef idx="1">
+                <a:schemeClr val="accent1"/>
+              </a:lnRef>
+              <a:fillRef idx="0">
+                <a:schemeClr val="accent1"/>
+              </a:fillRef>
+              <a:effectRef idx="0">
+                <a:schemeClr val="accent1"/>
+              </a:effectRef>
+              <a:fontRef idx="minor">
+                <a:schemeClr val="tx1"/>
+              </a:fontRef>
+            </p:style>
+          </p:cxnSp>
+          <p:cxnSp>
+            <p:nvCxnSpPr>
+              <p:cNvPr id="88" name="直線矢印コネクタ 87"/>
+              <p:cNvCxnSpPr>
+                <a:stCxn id="87" idx="3"/>
+                <a:endCxn id="82" idx="7"/>
+              </p:cNvCxnSpPr>
+              <p:nvPr/>
+            </p:nvCxnSpPr>
+            <p:spPr>
+              <a:xfrm flipH="1">
+                <a:off x="5873290" y="1610266"/>
+                <a:ext cx="502294" cy="540465"/>
+              </a:xfrm>
+              <a:prstGeom prst="straightConnector1">
+                <a:avLst/>
+              </a:prstGeom>
+              <a:ln w="19050">
+                <a:solidFill>
+                  <a:schemeClr val="tx1"/>
+                </a:solidFill>
+                <a:tailEnd type="triangle"/>
+              </a:ln>
+            </p:spPr>
+            <p:style>
+              <a:lnRef idx="1">
+                <a:schemeClr val="accent1"/>
+              </a:lnRef>
+              <a:fillRef idx="0">
+                <a:schemeClr val="accent1"/>
+              </a:fillRef>
+              <a:effectRef idx="0">
+                <a:schemeClr val="accent1"/>
+              </a:effectRef>
+              <a:fontRef idx="minor">
+                <a:schemeClr val="tx1"/>
+              </a:fontRef>
+            </p:style>
+          </p:cxnSp>
+          <p:cxnSp>
+            <p:nvCxnSpPr>
+              <p:cNvPr id="89" name="直線矢印コネクタ 88"/>
+              <p:cNvCxnSpPr>
+                <a:stCxn id="80" idx="3"/>
+                <a:endCxn id="86" idx="7"/>
+              </p:cNvCxnSpPr>
+              <p:nvPr/>
+            </p:nvCxnSpPr>
+            <p:spPr>
+              <a:xfrm flipH="1">
+                <a:off x="5124739" y="884125"/>
+                <a:ext cx="474009" cy="451595"/>
+              </a:xfrm>
+              <a:prstGeom prst="straightConnector1">
+                <a:avLst/>
+              </a:prstGeom>
+              <a:ln w="19050">
+                <a:solidFill>
+                  <a:schemeClr val="tx1"/>
+                </a:solidFill>
+                <a:tailEnd type="triangle"/>
+              </a:ln>
+            </p:spPr>
+            <p:style>
+              <a:lnRef idx="1">
+                <a:schemeClr val="accent1"/>
+              </a:lnRef>
+              <a:fillRef idx="0">
+                <a:schemeClr val="accent1"/>
+              </a:fillRef>
+              <a:effectRef idx="0">
+                <a:schemeClr val="accent1"/>
+              </a:effectRef>
+              <a:fontRef idx="minor">
+                <a:schemeClr val="tx1"/>
+              </a:fontRef>
+            </p:style>
+          </p:cxnSp>
+          <p:cxnSp>
+            <p:nvCxnSpPr>
+              <p:cNvPr id="90" name="直線矢印コネクタ 89"/>
+              <p:cNvCxnSpPr>
+                <a:stCxn id="80" idx="5"/>
+                <a:endCxn id="87" idx="1"/>
+              </p:cNvCxnSpPr>
+              <p:nvPr/>
+            </p:nvCxnSpPr>
+            <p:spPr>
+              <a:xfrm>
+                <a:off x="5873293" y="884125"/>
+                <a:ext cx="502291" cy="451596"/>
+              </a:xfrm>
+              <a:prstGeom prst="straightConnector1">
+                <a:avLst/>
+              </a:prstGeom>
+              <a:ln w="19050">
+                <a:solidFill>
+                  <a:schemeClr val="tx1"/>
+                </a:solidFill>
+                <a:tailEnd type="triangle"/>
+              </a:ln>
+            </p:spPr>
+            <p:style>
+              <a:lnRef idx="1">
+                <a:schemeClr val="accent1"/>
+              </a:lnRef>
+              <a:fillRef idx="0">
+                <a:schemeClr val="accent1"/>
+              </a:fillRef>
+              <a:effectRef idx="0">
+                <a:schemeClr val="accent1"/>
+              </a:effectRef>
+              <a:fontRef idx="minor">
+                <a:schemeClr val="tx1"/>
+              </a:fontRef>
+            </p:style>
+          </p:cxnSp>
+          <p:cxnSp>
+            <p:nvCxnSpPr>
+              <p:cNvPr id="91" name="直線矢印コネクタ 90"/>
+              <p:cNvCxnSpPr>
+                <a:stCxn id="86" idx="3"/>
+                <a:endCxn id="83" idx="7"/>
+              </p:cNvCxnSpPr>
+              <p:nvPr/>
+            </p:nvCxnSpPr>
+            <p:spPr>
+              <a:xfrm flipH="1">
+                <a:off x="4347901" y="1610265"/>
+                <a:ext cx="502293" cy="536527"/>
+              </a:xfrm>
+              <a:prstGeom prst="straightConnector1">
+                <a:avLst/>
+              </a:prstGeom>
+              <a:ln w="19050">
+                <a:solidFill>
+                  <a:schemeClr val="tx1"/>
+                </a:solidFill>
+                <a:tailEnd type="triangle"/>
+              </a:ln>
+            </p:spPr>
+            <p:style>
+              <a:lnRef idx="1">
+                <a:schemeClr val="accent1"/>
+              </a:lnRef>
+              <a:fillRef idx="0">
+                <a:schemeClr val="accent1"/>
+              </a:fillRef>
+              <a:effectRef idx="0">
+                <a:schemeClr val="accent1"/>
+              </a:effectRef>
+              <a:fontRef idx="minor">
+                <a:schemeClr val="tx1"/>
+              </a:fontRef>
+            </p:style>
+          </p:cxnSp>
+          <p:cxnSp>
+            <p:nvCxnSpPr>
+              <p:cNvPr id="92" name="直線矢印コネクタ 91"/>
+              <p:cNvCxnSpPr>
+                <a:stCxn id="83" idx="5"/>
+                <a:endCxn id="84" idx="1"/>
+              </p:cNvCxnSpPr>
+              <p:nvPr/>
+            </p:nvCxnSpPr>
+            <p:spPr>
+              <a:xfrm>
+                <a:off x="4347901" y="2421337"/>
+                <a:ext cx="500900" cy="475623"/>
+              </a:xfrm>
+              <a:prstGeom prst="straightConnector1">
+                <a:avLst/>
+              </a:prstGeom>
+              <a:ln w="19050">
+                <a:solidFill>
+                  <a:schemeClr val="tx1"/>
+                </a:solidFill>
+                <a:tailEnd type="triangle"/>
+              </a:ln>
+            </p:spPr>
+            <p:style>
+              <a:lnRef idx="1">
+                <a:schemeClr val="accent1"/>
+              </a:lnRef>
+              <a:fillRef idx="0">
+                <a:schemeClr val="accent1"/>
+              </a:fillRef>
+              <a:effectRef idx="0">
+                <a:schemeClr val="accent1"/>
+              </a:effectRef>
+              <a:fontRef idx="minor">
+                <a:schemeClr val="tx1"/>
+              </a:fontRef>
+            </p:style>
+          </p:cxnSp>
+          <p:cxnSp>
+            <p:nvCxnSpPr>
+              <p:cNvPr id="93" name="直線矢印コネクタ 92"/>
+              <p:cNvCxnSpPr>
+                <a:stCxn id="87" idx="4"/>
+                <a:endCxn id="85" idx="0"/>
+              </p:cNvCxnSpPr>
+              <p:nvPr/>
+            </p:nvCxnSpPr>
+            <p:spPr>
+              <a:xfrm flipH="1">
+                <a:off x="6511461" y="1667126"/>
+                <a:ext cx="1396" cy="2816616"/>
+              </a:xfrm>
+              <a:prstGeom prst="straightConnector1">
+                <a:avLst/>
+              </a:prstGeom>
+              <a:ln w="19050">
+                <a:solidFill>
+                  <a:schemeClr val="tx1"/>
+                </a:solidFill>
+                <a:tailEnd type="triangle"/>
+              </a:ln>
+            </p:spPr>
+            <p:style>
+              <a:lnRef idx="1">
+                <a:schemeClr val="accent1"/>
+              </a:lnRef>
+              <a:fillRef idx="0">
+                <a:schemeClr val="accent1"/>
+              </a:fillRef>
+              <a:effectRef idx="0">
+                <a:schemeClr val="accent1"/>
+              </a:effectRef>
+              <a:fontRef idx="minor">
+                <a:schemeClr val="tx1"/>
+              </a:fontRef>
+            </p:style>
+          </p:cxnSp>
+          <p:cxnSp>
+            <p:nvCxnSpPr>
+              <p:cNvPr id="94" name="直線矢印コネクタ 93"/>
+              <p:cNvCxnSpPr>
+                <a:stCxn id="83" idx="3"/>
+              </p:cNvCxnSpPr>
+              <p:nvPr/>
+            </p:nvCxnSpPr>
+            <p:spPr>
+              <a:xfrm flipH="1">
+                <a:off x="3168437" y="2421337"/>
+                <a:ext cx="904919" cy="1316615"/>
+              </a:xfrm>
+              <a:prstGeom prst="straightConnector1">
+                <a:avLst/>
+              </a:prstGeom>
+              <a:ln w="19050">
+                <a:solidFill>
+                  <a:schemeClr val="tx1"/>
+                </a:solidFill>
+                <a:tailEnd type="triangle"/>
+              </a:ln>
+            </p:spPr>
+            <p:style>
+              <a:lnRef idx="1">
+                <a:schemeClr val="accent1"/>
+              </a:lnRef>
+              <a:fillRef idx="0">
+                <a:schemeClr val="accent1"/>
+              </a:fillRef>
+              <a:effectRef idx="0">
+                <a:schemeClr val="accent1"/>
+              </a:effectRef>
+              <a:fontRef idx="minor">
+                <a:schemeClr val="tx1"/>
+              </a:fontRef>
+            </p:style>
+          </p:cxnSp>
+          <p:cxnSp>
+            <p:nvCxnSpPr>
+              <p:cNvPr id="95" name="直線矢印コネクタ 94"/>
+              <p:cNvCxnSpPr>
+                <a:stCxn id="82" idx="3"/>
+                <a:endCxn id="84" idx="7"/>
+              </p:cNvCxnSpPr>
+              <p:nvPr/>
+            </p:nvCxnSpPr>
+            <p:spPr>
+              <a:xfrm flipH="1">
+                <a:off x="5123346" y="2425276"/>
+                <a:ext cx="475399" cy="471684"/>
+              </a:xfrm>
+              <a:prstGeom prst="straightConnector1">
+                <a:avLst/>
+              </a:prstGeom>
+              <a:ln w="19050">
+                <a:solidFill>
+                  <a:schemeClr val="tx1"/>
+                </a:solidFill>
+                <a:tailEnd type="triangle"/>
+              </a:ln>
+            </p:spPr>
+            <p:style>
+              <a:lnRef idx="1">
+                <a:schemeClr val="accent1"/>
+              </a:lnRef>
+              <a:fillRef idx="0">
+                <a:schemeClr val="accent1"/>
+              </a:fillRef>
+              <a:effectRef idx="0">
+                <a:schemeClr val="accent1"/>
+              </a:effectRef>
+              <a:fontRef idx="minor">
+                <a:schemeClr val="tx1"/>
+              </a:fontRef>
+            </p:style>
+          </p:cxnSp>
+          <p:sp>
+            <p:nvSpPr>
+              <p:cNvPr id="96" name="円/楕円 95"/>
+              <p:cNvSpPr/>
+              <p:nvPr/>
+            </p:nvSpPr>
+            <p:spPr>
+              <a:xfrm>
+                <a:off x="4016495" y="5263673"/>
+                <a:ext cx="388265" cy="388265"/>
+              </a:xfrm>
+              <a:prstGeom prst="ellipse">
+                <a:avLst/>
+              </a:prstGeom>
+              <a:noFill/>
+              <a:ln w="19050">
+                <a:solidFill>
+                  <a:schemeClr val="tx1"/>
+                </a:solidFill>
+              </a:ln>
+            </p:spPr>
+            <p:style>
+              <a:lnRef idx="2">
+                <a:schemeClr val="accent1">
+                  <a:shade val="50000"/>
+                </a:schemeClr>
+              </a:lnRef>
+              <a:fillRef idx="1">
+                <a:schemeClr val="accent1"/>
+              </a:fillRef>
+              <a:effectRef idx="0">
+                <a:schemeClr val="accent1"/>
+              </a:effectRef>
+              <a:fontRef idx="minor">
+                <a:schemeClr val="lt1"/>
+              </a:fontRef>
+            </p:style>
+            <p:txBody>
+              <a:bodyPr rtlCol="0" anchor="ctr"/>
+              <a:lstStyle/>
+              <a:p>
+                <a:pPr algn="ctr"/>
+                <a:endParaRPr kumimoji="1" lang="ja-JP" altLang="en-US" i="1" dirty="0">
+                  <a:solidFill>
+                    <a:schemeClr val="tx1"/>
+                  </a:solidFill>
+                </a:endParaRPr>
+              </a:p>
+            </p:txBody>
+          </p:sp>
+          <p:sp>
+            <p:nvSpPr>
+              <p:cNvPr id="97" name="円/楕円 96"/>
+              <p:cNvSpPr/>
+              <p:nvPr/>
+            </p:nvSpPr>
+            <p:spPr>
+              <a:xfrm>
+                <a:off x="2837032" y="3681092"/>
+                <a:ext cx="388265" cy="388265"/>
+              </a:xfrm>
+              <a:prstGeom prst="ellipse">
+                <a:avLst/>
+              </a:prstGeom>
+              <a:noFill/>
+              <a:ln w="19050">
+                <a:solidFill>
+                  <a:schemeClr val="tx1"/>
+                </a:solidFill>
+              </a:ln>
+            </p:spPr>
+            <p:style>
+              <a:lnRef idx="2">
+                <a:schemeClr val="accent1">
+                  <a:shade val="50000"/>
+                </a:schemeClr>
+              </a:lnRef>
+              <a:fillRef idx="1">
+                <a:schemeClr val="accent1"/>
+              </a:fillRef>
+              <a:effectRef idx="0">
+                <a:schemeClr val="accent1"/>
+              </a:effectRef>
+              <a:fontRef idx="minor">
+                <a:schemeClr val="lt1"/>
+              </a:fontRef>
+            </p:style>
+            <p:txBody>
+              <a:bodyPr rtlCol="0" anchor="ctr"/>
+              <a:lstStyle/>
+              <a:p>
+                <a:pPr algn="ctr"/>
+                <a:endParaRPr kumimoji="1" lang="ja-JP" altLang="en-US" i="1" dirty="0">
+                  <a:solidFill>
+                    <a:schemeClr val="tx1"/>
+                  </a:solidFill>
+                </a:endParaRPr>
+              </a:p>
+            </p:txBody>
+          </p:sp>
+          <p:sp>
+            <p:nvSpPr>
+              <p:cNvPr id="98" name="円/楕円 97"/>
+              <p:cNvSpPr/>
+              <p:nvPr/>
+            </p:nvSpPr>
+            <p:spPr>
+              <a:xfrm>
+                <a:off x="4016495" y="3672436"/>
+                <a:ext cx="388265" cy="388265"/>
+              </a:xfrm>
+              <a:prstGeom prst="ellipse">
+                <a:avLst/>
+              </a:prstGeom>
+              <a:noFill/>
+              <a:ln w="19050">
+                <a:solidFill>
+                  <a:schemeClr val="tx1"/>
+                </a:solidFill>
+              </a:ln>
+            </p:spPr>
+            <p:style>
+              <a:lnRef idx="2">
+                <a:schemeClr val="accent1">
+                  <a:shade val="50000"/>
+                </a:schemeClr>
+              </a:lnRef>
+              <a:fillRef idx="1">
+                <a:schemeClr val="accent1"/>
+              </a:fillRef>
+              <a:effectRef idx="0">
+                <a:schemeClr val="accent1"/>
+              </a:effectRef>
+              <a:fontRef idx="minor">
+                <a:schemeClr val="lt1"/>
+              </a:fontRef>
+            </p:style>
+            <p:txBody>
+              <a:bodyPr rtlCol="0" anchor="ctr"/>
+              <a:lstStyle/>
+              <a:p>
+                <a:pPr algn="ctr"/>
+                <a:endParaRPr kumimoji="1" lang="ja-JP" altLang="en-US" i="1" dirty="0">
+                  <a:solidFill>
+                    <a:schemeClr val="tx1"/>
+                  </a:solidFill>
+                </a:endParaRPr>
+              </a:p>
+            </p:txBody>
+          </p:sp>
+          <p:sp>
+            <p:nvSpPr>
+              <p:cNvPr id="99" name="円/楕円 98"/>
+              <p:cNvSpPr/>
+              <p:nvPr/>
+            </p:nvSpPr>
+            <p:spPr>
+              <a:xfrm>
+                <a:off x="5541885" y="3681092"/>
+                <a:ext cx="388265" cy="388265"/>
+              </a:xfrm>
+              <a:prstGeom prst="ellipse">
+                <a:avLst/>
+              </a:prstGeom>
+              <a:noFill/>
+              <a:ln w="19050">
+                <a:solidFill>
+                  <a:schemeClr val="tx1"/>
+                </a:solidFill>
+              </a:ln>
+            </p:spPr>
+            <p:style>
+              <a:lnRef idx="2">
+                <a:schemeClr val="accent1">
+                  <a:shade val="50000"/>
+                </a:schemeClr>
+              </a:lnRef>
+              <a:fillRef idx="1">
+                <a:schemeClr val="accent1"/>
+              </a:fillRef>
+              <a:effectRef idx="0">
+                <a:schemeClr val="accent1"/>
+              </a:effectRef>
+              <a:fontRef idx="minor">
+                <a:schemeClr val="lt1"/>
+              </a:fontRef>
+            </p:style>
+            <p:txBody>
+              <a:bodyPr rtlCol="0" anchor="ctr"/>
+              <a:lstStyle/>
+              <a:p>
+                <a:pPr algn="ctr"/>
+                <a:endParaRPr kumimoji="1" lang="ja-JP" altLang="en-US" i="1" dirty="0">
+                  <a:solidFill>
+                    <a:schemeClr val="tx1"/>
+                  </a:solidFill>
+                </a:endParaRPr>
+              </a:p>
+            </p:txBody>
+          </p:sp>
+          <p:sp>
+            <p:nvSpPr>
+              <p:cNvPr id="100" name="円/楕円 99"/>
+              <p:cNvSpPr/>
+              <p:nvPr/>
+            </p:nvSpPr>
+            <p:spPr>
+              <a:xfrm>
+                <a:off x="4791940" y="4483743"/>
+                <a:ext cx="388265" cy="388265"/>
+              </a:xfrm>
+              <a:prstGeom prst="ellipse">
+                <a:avLst/>
+              </a:prstGeom>
+              <a:noFill/>
+              <a:ln w="19050">
+                <a:solidFill>
+                  <a:schemeClr val="tx1"/>
+                </a:solidFill>
+              </a:ln>
+            </p:spPr>
+            <p:style>
+              <a:lnRef idx="2">
+                <a:schemeClr val="accent1">
+                  <a:shade val="50000"/>
+                </a:schemeClr>
+              </a:lnRef>
+              <a:fillRef idx="1">
+                <a:schemeClr val="accent1"/>
+              </a:fillRef>
+              <a:effectRef idx="0">
+                <a:schemeClr val="accent1"/>
+              </a:effectRef>
+              <a:fontRef idx="minor">
+                <a:schemeClr val="lt1"/>
+              </a:fontRef>
+            </p:style>
+            <p:txBody>
+              <a:bodyPr rtlCol="0" anchor="ctr"/>
+              <a:lstStyle/>
+              <a:p>
+                <a:pPr algn="ctr"/>
+                <a:endParaRPr kumimoji="1" lang="ja-JP" altLang="en-US" i="1" dirty="0">
+                  <a:solidFill>
+                    <a:schemeClr val="tx1"/>
+                  </a:solidFill>
+                </a:endParaRPr>
+              </a:p>
+            </p:txBody>
+          </p:sp>
+          <p:cxnSp>
+            <p:nvCxnSpPr>
+              <p:cNvPr id="101" name="直線矢印コネクタ 100"/>
+              <p:cNvCxnSpPr>
+                <a:stCxn id="82" idx="4"/>
+              </p:cNvCxnSpPr>
+              <p:nvPr/>
+            </p:nvCxnSpPr>
+            <p:spPr>
+              <a:xfrm>
+                <a:off x="5736018" y="2482136"/>
+                <a:ext cx="0" cy="1198956"/>
+              </a:xfrm>
+              <a:prstGeom prst="straightConnector1">
+                <a:avLst/>
+              </a:prstGeom>
+              <a:ln w="19050">
+                <a:solidFill>
+                  <a:schemeClr val="tx1"/>
+                </a:solidFill>
+                <a:tailEnd type="triangle"/>
+              </a:ln>
+            </p:spPr>
+            <p:style>
+              <a:lnRef idx="1">
+                <a:schemeClr val="accent1"/>
+              </a:lnRef>
+              <a:fillRef idx="0">
+                <a:schemeClr val="accent1"/>
+              </a:fillRef>
+              <a:effectRef idx="0">
+                <a:schemeClr val="accent1"/>
+              </a:effectRef>
+              <a:fontRef idx="minor">
+                <a:schemeClr val="tx1"/>
+              </a:fontRef>
+            </p:style>
+          </p:cxnSp>
+          <p:cxnSp>
+            <p:nvCxnSpPr>
+              <p:cNvPr id="102" name="直線矢印コネクタ 101"/>
+              <p:cNvCxnSpPr/>
+              <p:nvPr/>
+            </p:nvCxnSpPr>
+            <p:spPr>
+              <a:xfrm flipH="1">
+                <a:off x="5123345" y="4012497"/>
+                <a:ext cx="475400" cy="528106"/>
+              </a:xfrm>
+              <a:prstGeom prst="straightConnector1">
+                <a:avLst/>
+              </a:prstGeom>
+              <a:ln w="19050">
+                <a:solidFill>
+                  <a:schemeClr val="tx1"/>
+                </a:solidFill>
+                <a:tailEnd type="triangle"/>
+              </a:ln>
+            </p:spPr>
+            <p:style>
+              <a:lnRef idx="1">
+                <a:schemeClr val="accent1"/>
+              </a:lnRef>
+              <a:fillRef idx="0">
+                <a:schemeClr val="accent1"/>
+              </a:fillRef>
+              <a:effectRef idx="0">
+                <a:schemeClr val="accent1"/>
+              </a:effectRef>
+              <a:fontRef idx="minor">
+                <a:schemeClr val="tx1"/>
+              </a:fontRef>
+            </p:style>
+          </p:cxnSp>
+          <p:cxnSp>
+            <p:nvCxnSpPr>
+              <p:cNvPr id="103" name="直線矢印コネクタ 102"/>
+              <p:cNvCxnSpPr>
+                <a:endCxn id="85" idx="1"/>
+              </p:cNvCxnSpPr>
+              <p:nvPr/>
+            </p:nvCxnSpPr>
+            <p:spPr>
+              <a:xfrm>
+                <a:off x="5873290" y="4012497"/>
+                <a:ext cx="500898" cy="528105"/>
+              </a:xfrm>
+              <a:prstGeom prst="straightConnector1">
+                <a:avLst/>
+              </a:prstGeom>
+              <a:ln w="19050">
+                <a:solidFill>
+                  <a:schemeClr val="tx1"/>
+                </a:solidFill>
+                <a:tailEnd type="triangle"/>
+              </a:ln>
+            </p:spPr>
+            <p:style>
+              <a:lnRef idx="1">
+                <a:schemeClr val="accent1"/>
+              </a:lnRef>
+              <a:fillRef idx="0">
+                <a:schemeClr val="accent1"/>
+              </a:fillRef>
+              <a:effectRef idx="0">
+                <a:schemeClr val="accent1"/>
+              </a:effectRef>
+              <a:fontRef idx="minor">
+                <a:schemeClr val="tx1"/>
+              </a:fontRef>
+            </p:style>
+          </p:cxnSp>
+          <p:cxnSp>
+            <p:nvCxnSpPr>
+              <p:cNvPr id="104" name="直線矢印コネクタ 103"/>
+              <p:cNvCxnSpPr/>
+              <p:nvPr/>
+            </p:nvCxnSpPr>
+            <p:spPr>
+              <a:xfrm flipH="1">
+                <a:off x="5873290" y="1664055"/>
+                <a:ext cx="562435" cy="2073897"/>
+              </a:xfrm>
+              <a:prstGeom prst="straightConnector1">
+                <a:avLst/>
+              </a:prstGeom>
+              <a:ln w="19050">
+                <a:solidFill>
+                  <a:schemeClr val="tx1"/>
+                </a:solidFill>
+                <a:tailEnd type="triangle"/>
+              </a:ln>
+            </p:spPr>
+            <p:style>
+              <a:lnRef idx="1">
+                <a:schemeClr val="accent1"/>
+              </a:lnRef>
+              <a:fillRef idx="0">
+                <a:schemeClr val="accent1"/>
+              </a:fillRef>
+              <a:effectRef idx="0">
+                <a:schemeClr val="accent1"/>
+              </a:effectRef>
+              <a:fontRef idx="minor">
+                <a:schemeClr val="tx1"/>
+              </a:fontRef>
+            </p:style>
+          </p:cxnSp>
+          <p:cxnSp>
+            <p:nvCxnSpPr>
+              <p:cNvPr id="105" name="直線矢印コネクタ 104"/>
+              <p:cNvCxnSpPr>
+                <a:stCxn id="85" idx="3"/>
+                <a:endCxn id="81" idx="7"/>
+              </p:cNvCxnSpPr>
+              <p:nvPr/>
+            </p:nvCxnSpPr>
+            <p:spPr>
+              <a:xfrm flipH="1">
+                <a:off x="5873292" y="4815147"/>
+                <a:ext cx="500896" cy="505386"/>
+              </a:xfrm>
+              <a:prstGeom prst="straightConnector1">
+                <a:avLst/>
+              </a:prstGeom>
+              <a:ln w="19050">
+                <a:solidFill>
+                  <a:schemeClr val="tx1"/>
+                </a:solidFill>
+                <a:tailEnd type="triangle"/>
+              </a:ln>
+            </p:spPr>
+            <p:style>
+              <a:lnRef idx="1">
+                <a:schemeClr val="accent1"/>
+              </a:lnRef>
+              <a:fillRef idx="0">
+                <a:schemeClr val="accent1"/>
+              </a:fillRef>
+              <a:effectRef idx="0">
+                <a:schemeClr val="accent1"/>
+              </a:effectRef>
+              <a:fontRef idx="minor">
+                <a:schemeClr val="tx1"/>
+              </a:fontRef>
+            </p:style>
+          </p:cxnSp>
+          <p:cxnSp>
+            <p:nvCxnSpPr>
+              <p:cNvPr id="106" name="直線矢印コネクタ 105"/>
+              <p:cNvCxnSpPr>
+                <a:endCxn id="81" idx="2"/>
+              </p:cNvCxnSpPr>
+              <p:nvPr/>
+            </p:nvCxnSpPr>
+            <p:spPr>
+              <a:xfrm>
+                <a:off x="4404760" y="5457806"/>
+                <a:ext cx="1137127" cy="0"/>
+              </a:xfrm>
+              <a:prstGeom prst="straightConnector1">
+                <a:avLst/>
+              </a:prstGeom>
+              <a:ln w="19050">
+                <a:solidFill>
+                  <a:schemeClr val="tx1"/>
+                </a:solidFill>
+                <a:tailEnd type="triangle"/>
+              </a:ln>
+            </p:spPr>
+            <p:style>
+              <a:lnRef idx="1">
+                <a:schemeClr val="accent1"/>
+              </a:lnRef>
+              <a:fillRef idx="0">
+                <a:schemeClr val="accent1"/>
+              </a:fillRef>
+              <a:effectRef idx="0">
+                <a:schemeClr val="accent1"/>
+              </a:effectRef>
+              <a:fontRef idx="minor">
+                <a:schemeClr val="tx1"/>
+              </a:fontRef>
+            </p:style>
+          </p:cxnSp>
+          <p:cxnSp>
+            <p:nvCxnSpPr>
+              <p:cNvPr id="107" name="直線矢印コネクタ 106"/>
+              <p:cNvCxnSpPr>
+                <a:stCxn id="83" idx="4"/>
+              </p:cNvCxnSpPr>
+              <p:nvPr/>
+            </p:nvCxnSpPr>
+            <p:spPr>
+              <a:xfrm flipH="1">
+                <a:off x="4210628" y="2478197"/>
+                <a:ext cx="1" cy="1194239"/>
+              </a:xfrm>
+              <a:prstGeom prst="straightConnector1">
+                <a:avLst/>
+              </a:prstGeom>
+              <a:ln w="19050">
+                <a:solidFill>
+                  <a:schemeClr val="tx1"/>
+                </a:solidFill>
+                <a:tailEnd type="triangle"/>
+              </a:ln>
+            </p:spPr>
+            <p:style>
+              <a:lnRef idx="1">
+                <a:schemeClr val="accent1"/>
+              </a:lnRef>
+              <a:fillRef idx="0">
+                <a:schemeClr val="accent1"/>
+              </a:fillRef>
+              <a:effectRef idx="0">
+                <a:schemeClr val="accent1"/>
+              </a:effectRef>
+              <a:fontRef idx="minor">
+                <a:schemeClr val="tx1"/>
+              </a:fontRef>
+            </p:style>
+          </p:cxnSp>
+          <p:cxnSp>
+            <p:nvCxnSpPr>
+              <p:cNvPr id="108" name="直線矢印コネクタ 107"/>
+              <p:cNvCxnSpPr>
+                <a:stCxn id="84" idx="3"/>
+              </p:cNvCxnSpPr>
+              <p:nvPr/>
+            </p:nvCxnSpPr>
+            <p:spPr>
+              <a:xfrm flipH="1">
+                <a:off x="4347900" y="3171505"/>
+                <a:ext cx="500901" cy="557791"/>
+              </a:xfrm>
+              <a:prstGeom prst="straightConnector1">
+                <a:avLst/>
+              </a:prstGeom>
+              <a:ln w="19050">
+                <a:solidFill>
+                  <a:schemeClr val="tx1"/>
+                </a:solidFill>
+                <a:tailEnd type="triangle"/>
+              </a:ln>
+            </p:spPr>
+            <p:style>
+              <a:lnRef idx="1">
+                <a:schemeClr val="accent1"/>
+              </a:lnRef>
+              <a:fillRef idx="0">
+                <a:schemeClr val="accent1"/>
+              </a:fillRef>
+              <a:effectRef idx="0">
+                <a:schemeClr val="accent1"/>
+              </a:effectRef>
+              <a:fontRef idx="minor">
+                <a:schemeClr val="tx1"/>
+              </a:fontRef>
+            </p:style>
+          </p:cxnSp>
+          <p:cxnSp>
+            <p:nvCxnSpPr>
+              <p:cNvPr id="109" name="直線矢印コネクタ 108"/>
+              <p:cNvCxnSpPr>
+                <a:stCxn id="84" idx="5"/>
+              </p:cNvCxnSpPr>
+              <p:nvPr/>
+            </p:nvCxnSpPr>
+            <p:spPr>
+              <a:xfrm>
+                <a:off x="5123346" y="3171505"/>
+                <a:ext cx="475399" cy="566447"/>
+              </a:xfrm>
+              <a:prstGeom prst="straightConnector1">
+                <a:avLst/>
+              </a:prstGeom>
+              <a:ln w="19050">
+                <a:solidFill>
+                  <a:schemeClr val="tx1"/>
+                </a:solidFill>
+                <a:tailEnd type="triangle"/>
+              </a:ln>
+            </p:spPr>
+            <p:style>
+              <a:lnRef idx="1">
+                <a:schemeClr val="accent1"/>
+              </a:lnRef>
+              <a:fillRef idx="0">
+                <a:schemeClr val="accent1"/>
+              </a:fillRef>
+              <a:effectRef idx="0">
+                <a:schemeClr val="accent1"/>
+              </a:effectRef>
+              <a:fontRef idx="minor">
+                <a:schemeClr val="tx1"/>
+              </a:fontRef>
+            </p:style>
+          </p:cxnSp>
+          <p:cxnSp>
+            <p:nvCxnSpPr>
+              <p:cNvPr id="110" name="直線矢印コネクタ 109"/>
+              <p:cNvCxnSpPr/>
+              <p:nvPr/>
+            </p:nvCxnSpPr>
+            <p:spPr>
+              <a:xfrm>
+                <a:off x="4347900" y="4003841"/>
+                <a:ext cx="500900" cy="536762"/>
+              </a:xfrm>
+              <a:prstGeom prst="straightConnector1">
+                <a:avLst/>
+              </a:prstGeom>
+              <a:ln w="19050">
+                <a:solidFill>
+                  <a:schemeClr val="tx1"/>
+                </a:solidFill>
+                <a:tailEnd type="triangle"/>
+              </a:ln>
+            </p:spPr>
+            <p:style>
+              <a:lnRef idx="1">
+                <a:schemeClr val="accent1"/>
+              </a:lnRef>
+              <a:fillRef idx="0">
+                <a:schemeClr val="accent1"/>
+              </a:fillRef>
+              <a:effectRef idx="0">
+                <a:schemeClr val="accent1"/>
+              </a:effectRef>
+              <a:fontRef idx="minor">
+                <a:schemeClr val="tx1"/>
+              </a:fontRef>
+            </p:style>
+          </p:cxnSp>
+          <p:cxnSp>
+            <p:nvCxnSpPr>
+              <p:cNvPr id="111" name="直線矢印コネクタ 110"/>
+              <p:cNvCxnSpPr/>
+              <p:nvPr/>
+            </p:nvCxnSpPr>
+            <p:spPr>
+              <a:xfrm>
+                <a:off x="3168437" y="4012497"/>
+                <a:ext cx="904918" cy="1308036"/>
+              </a:xfrm>
+              <a:prstGeom prst="straightConnector1">
+                <a:avLst/>
+              </a:prstGeom>
+              <a:ln w="19050">
+                <a:solidFill>
+                  <a:schemeClr val="tx1"/>
+                </a:solidFill>
+                <a:tailEnd type="triangle"/>
+              </a:ln>
+            </p:spPr>
+            <p:style>
+              <a:lnRef idx="1">
+                <a:schemeClr val="accent1"/>
+              </a:lnRef>
+              <a:fillRef idx="0">
+                <a:schemeClr val="accent1"/>
+              </a:fillRef>
+              <a:effectRef idx="0">
+                <a:schemeClr val="accent1"/>
+              </a:effectRef>
+              <a:fontRef idx="minor">
+                <a:schemeClr val="tx1"/>
+              </a:fontRef>
+            </p:style>
+          </p:cxnSp>
+          <p:cxnSp>
+            <p:nvCxnSpPr>
+              <p:cNvPr id="112" name="直線矢印コネクタ 111"/>
+              <p:cNvCxnSpPr/>
+              <p:nvPr/>
+            </p:nvCxnSpPr>
+            <p:spPr>
+              <a:xfrm>
+                <a:off x="4210628" y="4060701"/>
+                <a:ext cx="0" cy="1202972"/>
+              </a:xfrm>
+              <a:prstGeom prst="straightConnector1">
+                <a:avLst/>
+              </a:prstGeom>
+              <a:ln w="19050">
+                <a:solidFill>
+                  <a:schemeClr val="tx1"/>
+                </a:solidFill>
+                <a:tailEnd type="triangle"/>
+              </a:ln>
+            </p:spPr>
+            <p:style>
+              <a:lnRef idx="1">
+                <a:schemeClr val="accent1"/>
+              </a:lnRef>
+              <a:fillRef idx="0">
+                <a:schemeClr val="accent1"/>
+              </a:fillRef>
+              <a:effectRef idx="0">
+                <a:schemeClr val="accent1"/>
+              </a:effectRef>
+              <a:fontRef idx="minor">
+                <a:schemeClr val="tx1"/>
+              </a:fontRef>
+            </p:style>
+          </p:cxnSp>
+          <p:cxnSp>
+            <p:nvCxnSpPr>
+              <p:cNvPr id="113" name="直線矢印コネクタ 112"/>
+              <p:cNvCxnSpPr>
+                <a:endCxn id="81" idx="1"/>
+              </p:cNvCxnSpPr>
+              <p:nvPr/>
+            </p:nvCxnSpPr>
+            <p:spPr>
+              <a:xfrm>
+                <a:off x="5123345" y="4815148"/>
+                <a:ext cx="475402" cy="505385"/>
+              </a:xfrm>
+              <a:prstGeom prst="straightConnector1">
+                <a:avLst/>
+              </a:prstGeom>
+              <a:ln w="19050">
+                <a:solidFill>
+                  <a:schemeClr val="tx1"/>
+                </a:solidFill>
+                <a:tailEnd type="triangle"/>
+              </a:ln>
+            </p:spPr>
+            <p:style>
+              <a:lnRef idx="1">
+                <a:schemeClr val="accent1"/>
+              </a:lnRef>
+              <a:fillRef idx="0">
+                <a:schemeClr val="accent1"/>
+              </a:fillRef>
+              <a:effectRef idx="0">
+                <a:schemeClr val="accent1"/>
+              </a:effectRef>
+              <a:fontRef idx="minor">
+                <a:schemeClr val="tx1"/>
+              </a:fontRef>
+            </p:style>
+          </p:cxnSp>
+        </p:grpSp>
       </p:grpSp>
     </p:spTree>
     <p:extLst>
